--- a/Draft Pro-Test Demo Day Presentation.pptx
+++ b/Draft Pro-Test Demo Day Presentation.pptx
@@ -4,14 +4,18 @@
   <p:sldMasterIdLst>
     <p:sldMasterId id="2147483648" r:id="rId1"/>
   </p:sldMasterIdLst>
+  <p:notesMasterIdLst>
+    <p:notesMasterId r:id="rId10"/>
+  </p:notesMasterIdLst>
   <p:sldIdLst>
     <p:sldId id="256" r:id="rId2"/>
     <p:sldId id="263" r:id="rId3"/>
     <p:sldId id="257" r:id="rId4"/>
-    <p:sldId id="258" r:id="rId5"/>
-    <p:sldId id="259" r:id="rId6"/>
-    <p:sldId id="261" r:id="rId7"/>
-    <p:sldId id="260" r:id="rId8"/>
+    <p:sldId id="264" r:id="rId5"/>
+    <p:sldId id="258" r:id="rId6"/>
+    <p:sldId id="259" r:id="rId7"/>
+    <p:sldId id="261" r:id="rId8"/>
+    <p:sldId id="260" r:id="rId9"/>
   </p:sldIdLst>
   <p:sldSz cx="12192000" cy="6858000"/>
   <p:notesSz cx="6858000" cy="9144000"/>
@@ -111,6 +115,879 @@
     </a:lvl9pPr>
   </p:defaultTextStyle>
 </p:presentation>
+</file>
+
+<file path=ppt/authors.xml><?xml version="1.0" encoding="utf-8"?>
+<p188:authorLst xmlns:a="http://schemas.openxmlformats.org/drawingml/2006/main" xmlns:r="http://schemas.openxmlformats.org/officeDocument/2006/relationships" xmlns:p188="http://schemas.microsoft.com/office/powerpoint/2018/8/main">
+  <p188:author id="{AF761A2B-D09C-B57B-FA78-A1CE2490A83C}" name="Max Höchsmann" initials="MH" userId="3c8c1ec4187b034f" providerId="Windows Live"/>
+</p188:authorLst>
+</file>
+
+<file path=ppt/comments/modernComment_101_27735F92.xml><?xml version="1.0" encoding="utf-8"?>
+<p188:cmLst xmlns:a="http://schemas.openxmlformats.org/drawingml/2006/main" xmlns:r="http://schemas.openxmlformats.org/officeDocument/2006/relationships" xmlns:p188="http://schemas.microsoft.com/office/powerpoint/2018/8/main">
+  <p188:cm id="{F4E055D9-2A98-4B52-AC68-BEFFDF16A2E8}" authorId="{AF761A2B-D09C-B57B-FA78-A1CE2490A83C}" created="2022-06-06T16:10:33.421">
+    <ac:deMkLst xmlns:ac="http://schemas.microsoft.com/office/drawing/2013/main/command">
+      <pc:docMk xmlns:pc="http://schemas.microsoft.com/office/powerpoint/2013/main/command"/>
+      <pc:sldMk xmlns:pc="http://schemas.microsoft.com/office/powerpoint/2013/main/command" cId="661872530" sldId="257"/>
+      <ac:picMk id="3074" creationId="{E923BCC0-8004-536D-80D5-08781787D2CE}"/>
+    </ac:deMkLst>
+    <p188:txBody>
+      <a:bodyPr/>
+      <a:lstStyle/>
+      <a:p>
+        <a:r>
+          <a:rPr lang="de-DE"/>
+          <a:t>Align color of slide separators (first two slides grey, these ones orange)</a:t>
+        </a:r>
+      </a:p>
+    </p188:txBody>
+  </p188:cm>
+</p188:cmLst>
+</file>
+
+<file path=ppt/notesMasters/notesMaster1.xml><?xml version="1.0" encoding="utf-8"?>
+<p:notesMaster xmlns:a="http://schemas.openxmlformats.org/drawingml/2006/main" xmlns:r="http://schemas.openxmlformats.org/officeDocument/2006/relationships" xmlns:p="http://schemas.openxmlformats.org/presentationml/2006/main">
+  <p:cSld>
+    <p:bg>
+      <p:bgRef idx="1001">
+        <a:schemeClr val="bg1"/>
+      </p:bgRef>
+    </p:bg>
+    <p:spTree>
+      <p:nvGrpSpPr>
+        <p:cNvPr id="1" name=""/>
+        <p:cNvGrpSpPr/>
+        <p:nvPr/>
+      </p:nvGrpSpPr>
+      <p:grpSpPr>
+        <a:xfrm>
+          <a:off x="0" y="0"/>
+          <a:ext cx="0" cy="0"/>
+          <a:chOff x="0" y="0"/>
+          <a:chExt cx="0" cy="0"/>
+        </a:xfrm>
+      </p:grpSpPr>
+      <p:sp>
+        <p:nvSpPr>
+          <p:cNvPr id="2" name="Kopfzeilenplatzhalter 1"/>
+          <p:cNvSpPr>
+            <a:spLocks noGrp="1"/>
+          </p:cNvSpPr>
+          <p:nvPr>
+            <p:ph type="hdr" sz="quarter"/>
+          </p:nvPr>
+        </p:nvSpPr>
+        <p:spPr>
+          <a:xfrm>
+            <a:off x="0" y="0"/>
+            <a:ext cx="2971800" cy="458788"/>
+          </a:xfrm>
+          <a:prstGeom prst="rect">
+            <a:avLst/>
+          </a:prstGeom>
+        </p:spPr>
+        <p:txBody>
+          <a:bodyPr vert="horz" lIns="91440" tIns="45720" rIns="91440" bIns="45720" rtlCol="0"/>
+          <a:lstStyle>
+            <a:lvl1pPr algn="l">
+              <a:defRPr sz="1200"/>
+            </a:lvl1pPr>
+          </a:lstStyle>
+          <a:p>
+            <a:endParaRPr lang="de-DE"/>
+          </a:p>
+        </p:txBody>
+      </p:sp>
+      <p:sp>
+        <p:nvSpPr>
+          <p:cNvPr id="3" name="Datumsplatzhalter 2"/>
+          <p:cNvSpPr>
+            <a:spLocks noGrp="1"/>
+          </p:cNvSpPr>
+          <p:nvPr>
+            <p:ph type="dt" idx="1"/>
+          </p:nvPr>
+        </p:nvSpPr>
+        <p:spPr>
+          <a:xfrm>
+            <a:off x="3884613" y="0"/>
+            <a:ext cx="2971800" cy="458788"/>
+          </a:xfrm>
+          <a:prstGeom prst="rect">
+            <a:avLst/>
+          </a:prstGeom>
+        </p:spPr>
+        <p:txBody>
+          <a:bodyPr vert="horz" lIns="91440" tIns="45720" rIns="91440" bIns="45720" rtlCol="0"/>
+          <a:lstStyle>
+            <a:lvl1pPr algn="r">
+              <a:defRPr sz="1200"/>
+            </a:lvl1pPr>
+          </a:lstStyle>
+          <a:p>
+            <a:fld id="{07576B65-3F4C-40D3-9BAC-154574806AF6}" type="datetimeFigureOut">
+              <a:rPr lang="de-DE" smtClean="0"/>
+              <a:t>06.06.2022</a:t>
+            </a:fld>
+            <a:endParaRPr lang="de-DE"/>
+          </a:p>
+        </p:txBody>
+      </p:sp>
+      <p:sp>
+        <p:nvSpPr>
+          <p:cNvPr id="4" name="Folienbildplatzhalter 3"/>
+          <p:cNvSpPr>
+            <a:spLocks noGrp="1" noRot="1" noChangeAspect="1"/>
+          </p:cNvSpPr>
+          <p:nvPr>
+            <p:ph type="sldImg" idx="2"/>
+          </p:nvPr>
+        </p:nvSpPr>
+        <p:spPr>
+          <a:xfrm>
+            <a:off x="685800" y="1143000"/>
+            <a:ext cx="5486400" cy="3086100"/>
+          </a:xfrm>
+          <a:prstGeom prst="rect">
+            <a:avLst/>
+          </a:prstGeom>
+          <a:noFill/>
+          <a:ln w="12700">
+            <a:solidFill>
+              <a:prstClr val="black"/>
+            </a:solidFill>
+          </a:ln>
+        </p:spPr>
+        <p:txBody>
+          <a:bodyPr vert="horz" lIns="91440" tIns="45720" rIns="91440" bIns="45720" rtlCol="0" anchor="ctr"/>
+          <a:lstStyle/>
+          <a:p>
+            <a:endParaRPr lang="de-DE"/>
+          </a:p>
+        </p:txBody>
+      </p:sp>
+      <p:sp>
+        <p:nvSpPr>
+          <p:cNvPr id="5" name="Notizenplatzhalter 4"/>
+          <p:cNvSpPr>
+            <a:spLocks noGrp="1"/>
+          </p:cNvSpPr>
+          <p:nvPr>
+            <p:ph type="body" sz="quarter" idx="3"/>
+          </p:nvPr>
+        </p:nvSpPr>
+        <p:spPr>
+          <a:xfrm>
+            <a:off x="685800" y="4400550"/>
+            <a:ext cx="5486400" cy="3600450"/>
+          </a:xfrm>
+          <a:prstGeom prst="rect">
+            <a:avLst/>
+          </a:prstGeom>
+        </p:spPr>
+        <p:txBody>
+          <a:bodyPr vert="horz" lIns="91440" tIns="45720" rIns="91440" bIns="45720" rtlCol="0"/>
+          <a:lstStyle/>
+          <a:p>
+            <a:pPr lvl="0"/>
+            <a:r>
+              <a:rPr lang="de-DE"/>
+              <a:t>Mastertextformat bearbeiten</a:t>
+            </a:r>
+          </a:p>
+          <a:p>
+            <a:pPr lvl="1"/>
+            <a:r>
+              <a:rPr lang="de-DE"/>
+              <a:t>Zweite Ebene</a:t>
+            </a:r>
+          </a:p>
+          <a:p>
+            <a:pPr lvl="2"/>
+            <a:r>
+              <a:rPr lang="de-DE"/>
+              <a:t>Dritte Ebene</a:t>
+            </a:r>
+          </a:p>
+          <a:p>
+            <a:pPr lvl="3"/>
+            <a:r>
+              <a:rPr lang="de-DE"/>
+              <a:t>Vierte Ebene</a:t>
+            </a:r>
+          </a:p>
+          <a:p>
+            <a:pPr lvl="4"/>
+            <a:r>
+              <a:rPr lang="de-DE"/>
+              <a:t>Fünfte Ebene</a:t>
+            </a:r>
+          </a:p>
+        </p:txBody>
+      </p:sp>
+      <p:sp>
+        <p:nvSpPr>
+          <p:cNvPr id="6" name="Fußzeilenplatzhalter 5"/>
+          <p:cNvSpPr>
+            <a:spLocks noGrp="1"/>
+          </p:cNvSpPr>
+          <p:nvPr>
+            <p:ph type="ftr" sz="quarter" idx="4"/>
+          </p:nvPr>
+        </p:nvSpPr>
+        <p:spPr>
+          <a:xfrm>
+            <a:off x="0" y="8685213"/>
+            <a:ext cx="2971800" cy="458787"/>
+          </a:xfrm>
+          <a:prstGeom prst="rect">
+            <a:avLst/>
+          </a:prstGeom>
+        </p:spPr>
+        <p:txBody>
+          <a:bodyPr vert="horz" lIns="91440" tIns="45720" rIns="91440" bIns="45720" rtlCol="0" anchor="b"/>
+          <a:lstStyle>
+            <a:lvl1pPr algn="l">
+              <a:defRPr sz="1200"/>
+            </a:lvl1pPr>
+          </a:lstStyle>
+          <a:p>
+            <a:endParaRPr lang="de-DE"/>
+          </a:p>
+        </p:txBody>
+      </p:sp>
+      <p:sp>
+        <p:nvSpPr>
+          <p:cNvPr id="7" name="Foliennummernplatzhalter 6"/>
+          <p:cNvSpPr>
+            <a:spLocks noGrp="1"/>
+          </p:cNvSpPr>
+          <p:nvPr>
+            <p:ph type="sldNum" sz="quarter" idx="5"/>
+          </p:nvPr>
+        </p:nvSpPr>
+        <p:spPr>
+          <a:xfrm>
+            <a:off x="3884613" y="8685213"/>
+            <a:ext cx="2971800" cy="458787"/>
+          </a:xfrm>
+          <a:prstGeom prst="rect">
+            <a:avLst/>
+          </a:prstGeom>
+        </p:spPr>
+        <p:txBody>
+          <a:bodyPr vert="horz" lIns="91440" tIns="45720" rIns="91440" bIns="45720" rtlCol="0" anchor="b"/>
+          <a:lstStyle>
+            <a:lvl1pPr algn="r">
+              <a:defRPr sz="1200"/>
+            </a:lvl1pPr>
+          </a:lstStyle>
+          <a:p>
+            <a:fld id="{D9FD65AE-20D2-4DD1-822D-EF98EA2ACF9F}" type="slidenum">
+              <a:rPr lang="de-DE" smtClean="0"/>
+              <a:t>‹Nr.›</a:t>
+            </a:fld>
+            <a:endParaRPr lang="de-DE"/>
+          </a:p>
+        </p:txBody>
+      </p:sp>
+    </p:spTree>
+    <p:extLst>
+      <p:ext uri="{BB962C8B-B14F-4D97-AF65-F5344CB8AC3E}">
+        <p14:creationId xmlns:p14="http://schemas.microsoft.com/office/powerpoint/2010/main" val="1316162738"/>
+      </p:ext>
+    </p:extLst>
+  </p:cSld>
+  <p:clrMap bg1="lt1" tx1="dk1" bg2="lt2" tx2="dk2" accent1="accent1" accent2="accent2" accent3="accent3" accent4="accent4" accent5="accent5" accent6="accent6" hlink="hlink" folHlink="folHlink"/>
+  <p:notesStyle>
+    <a:lvl1pPr marL="0" algn="l" defTabSz="914400" rtl="0" eaLnBrk="1" latinLnBrk="0" hangingPunct="1">
+      <a:defRPr sz="1200" kern="1200">
+        <a:solidFill>
+          <a:schemeClr val="tx1"/>
+        </a:solidFill>
+        <a:latin typeface="+mn-lt"/>
+        <a:ea typeface="+mn-ea"/>
+        <a:cs typeface="+mn-cs"/>
+      </a:defRPr>
+    </a:lvl1pPr>
+    <a:lvl2pPr marL="457200" algn="l" defTabSz="914400" rtl="0" eaLnBrk="1" latinLnBrk="0" hangingPunct="1">
+      <a:defRPr sz="1200" kern="1200">
+        <a:solidFill>
+          <a:schemeClr val="tx1"/>
+        </a:solidFill>
+        <a:latin typeface="+mn-lt"/>
+        <a:ea typeface="+mn-ea"/>
+        <a:cs typeface="+mn-cs"/>
+      </a:defRPr>
+    </a:lvl2pPr>
+    <a:lvl3pPr marL="914400" algn="l" defTabSz="914400" rtl="0" eaLnBrk="1" latinLnBrk="0" hangingPunct="1">
+      <a:defRPr sz="1200" kern="1200">
+        <a:solidFill>
+          <a:schemeClr val="tx1"/>
+        </a:solidFill>
+        <a:latin typeface="+mn-lt"/>
+        <a:ea typeface="+mn-ea"/>
+        <a:cs typeface="+mn-cs"/>
+      </a:defRPr>
+    </a:lvl3pPr>
+    <a:lvl4pPr marL="1371600" algn="l" defTabSz="914400" rtl="0" eaLnBrk="1" latinLnBrk="0" hangingPunct="1">
+      <a:defRPr sz="1200" kern="1200">
+        <a:solidFill>
+          <a:schemeClr val="tx1"/>
+        </a:solidFill>
+        <a:latin typeface="+mn-lt"/>
+        <a:ea typeface="+mn-ea"/>
+        <a:cs typeface="+mn-cs"/>
+      </a:defRPr>
+    </a:lvl4pPr>
+    <a:lvl5pPr marL="1828800" algn="l" defTabSz="914400" rtl="0" eaLnBrk="1" latinLnBrk="0" hangingPunct="1">
+      <a:defRPr sz="1200" kern="1200">
+        <a:solidFill>
+          <a:schemeClr val="tx1"/>
+        </a:solidFill>
+        <a:latin typeface="+mn-lt"/>
+        <a:ea typeface="+mn-ea"/>
+        <a:cs typeface="+mn-cs"/>
+      </a:defRPr>
+    </a:lvl5pPr>
+    <a:lvl6pPr marL="2286000" algn="l" defTabSz="914400" rtl="0" eaLnBrk="1" latinLnBrk="0" hangingPunct="1">
+      <a:defRPr sz="1200" kern="1200">
+        <a:solidFill>
+          <a:schemeClr val="tx1"/>
+        </a:solidFill>
+        <a:latin typeface="+mn-lt"/>
+        <a:ea typeface="+mn-ea"/>
+        <a:cs typeface="+mn-cs"/>
+      </a:defRPr>
+    </a:lvl6pPr>
+    <a:lvl7pPr marL="2743200" algn="l" defTabSz="914400" rtl="0" eaLnBrk="1" latinLnBrk="0" hangingPunct="1">
+      <a:defRPr sz="1200" kern="1200">
+        <a:solidFill>
+          <a:schemeClr val="tx1"/>
+        </a:solidFill>
+        <a:latin typeface="+mn-lt"/>
+        <a:ea typeface="+mn-ea"/>
+        <a:cs typeface="+mn-cs"/>
+      </a:defRPr>
+    </a:lvl7pPr>
+    <a:lvl8pPr marL="3200400" algn="l" defTabSz="914400" rtl="0" eaLnBrk="1" latinLnBrk="0" hangingPunct="1">
+      <a:defRPr sz="1200" kern="1200">
+        <a:solidFill>
+          <a:schemeClr val="tx1"/>
+        </a:solidFill>
+        <a:latin typeface="+mn-lt"/>
+        <a:ea typeface="+mn-ea"/>
+        <a:cs typeface="+mn-cs"/>
+      </a:defRPr>
+    </a:lvl8pPr>
+    <a:lvl9pPr marL="3657600" algn="l" defTabSz="914400" rtl="0" eaLnBrk="1" latinLnBrk="0" hangingPunct="1">
+      <a:defRPr sz="1200" kern="1200">
+        <a:solidFill>
+          <a:schemeClr val="tx1"/>
+        </a:solidFill>
+        <a:latin typeface="+mn-lt"/>
+        <a:ea typeface="+mn-ea"/>
+        <a:cs typeface="+mn-cs"/>
+      </a:defRPr>
+    </a:lvl9pPr>
+  </p:notesStyle>
+</p:notesMaster>
+</file>
+
+<file path=ppt/notesSlides/notesSlide1.xml><?xml version="1.0" encoding="utf-8"?>
+<p:notes xmlns:a="http://schemas.openxmlformats.org/drawingml/2006/main" xmlns:r="http://schemas.openxmlformats.org/officeDocument/2006/relationships" xmlns:p="http://schemas.openxmlformats.org/presentationml/2006/main">
+  <p:cSld>
+    <p:spTree>
+      <p:nvGrpSpPr>
+        <p:cNvPr id="1" name=""/>
+        <p:cNvGrpSpPr/>
+        <p:nvPr/>
+      </p:nvGrpSpPr>
+      <p:grpSpPr>
+        <a:xfrm>
+          <a:off x="0" y="0"/>
+          <a:ext cx="0" cy="0"/>
+          <a:chOff x="0" y="0"/>
+          <a:chExt cx="0" cy="0"/>
+        </a:xfrm>
+      </p:grpSpPr>
+      <p:sp>
+        <p:nvSpPr>
+          <p:cNvPr id="2" name="Folienbildplatzhalter 1"/>
+          <p:cNvSpPr>
+            <a:spLocks noGrp="1" noRot="1" noChangeAspect="1"/>
+          </p:cNvSpPr>
+          <p:nvPr>
+            <p:ph type="sldImg"/>
+          </p:nvPr>
+        </p:nvSpPr>
+        <p:spPr/>
+      </p:sp>
+      <p:sp>
+        <p:nvSpPr>
+          <p:cNvPr id="3" name="Notizenplatzhalter 2"/>
+          <p:cNvSpPr>
+            <a:spLocks noGrp="1"/>
+          </p:cNvSpPr>
+          <p:nvPr>
+            <p:ph type="body" idx="1"/>
+          </p:nvPr>
+        </p:nvSpPr>
+        <p:spPr/>
+        <p:txBody>
+          <a:bodyPr/>
+          <a:lstStyle/>
+          <a:p>
+            <a:r>
+              <a:rPr lang="de-DE" dirty="0"/>
+              <a:t>Problem Statement</a:t>
+            </a:r>
+          </a:p>
+          <a:p>
+            <a:pPr lvl="1"/>
+            <a:r>
+              <a:rPr lang="de-DE" dirty="0"/>
+              <a:t>Protests </a:t>
+            </a:r>
+            <a:r>
+              <a:rPr lang="de-DE" dirty="0" err="1"/>
+              <a:t>often</a:t>
+            </a:r>
+            <a:r>
+              <a:rPr lang="de-DE" dirty="0"/>
+              <a:t> </a:t>
+            </a:r>
+            <a:r>
+              <a:rPr lang="de-DE" dirty="0" err="1"/>
+              <a:t>escalate</a:t>
+            </a:r>
+            <a:r>
+              <a:rPr lang="de-DE" dirty="0"/>
+              <a:t> and turn violent, </a:t>
+            </a:r>
+            <a:r>
+              <a:rPr lang="de-DE" dirty="0" err="1"/>
+              <a:t>undermining</a:t>
+            </a:r>
+            <a:r>
+              <a:rPr lang="de-DE" dirty="0"/>
+              <a:t> </a:t>
+            </a:r>
+            <a:r>
+              <a:rPr lang="de-DE" dirty="0" err="1"/>
+              <a:t>the</a:t>
+            </a:r>
+            <a:r>
+              <a:rPr lang="de-DE" dirty="0"/>
+              <a:t> </a:t>
+            </a:r>
+            <a:r>
+              <a:rPr lang="de-DE" dirty="0" err="1"/>
+              <a:t>effectiveness</a:t>
+            </a:r>
+            <a:r>
+              <a:rPr lang="de-DE" dirty="0"/>
+              <a:t> </a:t>
+            </a:r>
+            <a:r>
+              <a:rPr lang="de-DE" dirty="0" err="1"/>
+              <a:t>of</a:t>
+            </a:r>
+            <a:r>
+              <a:rPr lang="de-DE" dirty="0"/>
+              <a:t> </a:t>
+            </a:r>
+            <a:r>
+              <a:rPr lang="de-DE" dirty="0" err="1"/>
+              <a:t>the</a:t>
+            </a:r>
+            <a:r>
+              <a:rPr lang="de-DE" dirty="0"/>
+              <a:t> </a:t>
+            </a:r>
+            <a:r>
+              <a:rPr lang="de-DE" dirty="0" err="1"/>
+              <a:t>protest´s</a:t>
+            </a:r>
+            <a:r>
+              <a:rPr lang="de-DE" dirty="0"/>
+              <a:t> </a:t>
+            </a:r>
+            <a:r>
+              <a:rPr lang="de-DE" dirty="0" err="1"/>
+              <a:t>purpose</a:t>
+            </a:r>
+            <a:r>
+              <a:rPr lang="de-DE" dirty="0"/>
+              <a:t> and </a:t>
+            </a:r>
+            <a:r>
+              <a:rPr lang="de-DE" dirty="0" err="1"/>
+              <a:t>the</a:t>
+            </a:r>
+            <a:r>
+              <a:rPr lang="de-DE" dirty="0"/>
+              <a:t> </a:t>
+            </a:r>
+            <a:r>
+              <a:rPr lang="de-DE" dirty="0" err="1"/>
+              <a:t>legitmacy</a:t>
+            </a:r>
+            <a:r>
+              <a:rPr lang="de-DE" dirty="0"/>
+              <a:t> </a:t>
+            </a:r>
+            <a:r>
+              <a:rPr lang="de-DE" dirty="0" err="1"/>
+              <a:t>of</a:t>
+            </a:r>
+            <a:r>
+              <a:rPr lang="de-DE" dirty="0"/>
+              <a:t> </a:t>
+            </a:r>
+            <a:r>
+              <a:rPr lang="de-DE" dirty="0" err="1"/>
+              <a:t>the</a:t>
+            </a:r>
+            <a:r>
+              <a:rPr lang="de-DE" dirty="0"/>
+              <a:t> </a:t>
+            </a:r>
+            <a:r>
+              <a:rPr lang="de-DE" dirty="0" err="1"/>
+              <a:t>regime</a:t>
+            </a:r>
+            <a:r>
+              <a:rPr lang="de-DE" dirty="0"/>
+              <a:t> </a:t>
+            </a:r>
+            <a:r>
+              <a:rPr lang="de-DE" dirty="0" err="1"/>
+              <a:t>as</a:t>
+            </a:r>
+            <a:r>
+              <a:rPr lang="de-DE" dirty="0"/>
+              <a:t> </a:t>
+            </a:r>
+            <a:r>
+              <a:rPr lang="de-DE" dirty="0" err="1"/>
+              <a:t>well</a:t>
+            </a:r>
+            <a:r>
+              <a:rPr lang="de-DE" dirty="0"/>
+              <a:t> </a:t>
+            </a:r>
+            <a:r>
+              <a:rPr lang="de-DE" dirty="0" err="1"/>
+              <a:t>as</a:t>
+            </a:r>
+            <a:r>
+              <a:rPr lang="de-DE" dirty="0"/>
+              <a:t> </a:t>
+            </a:r>
+            <a:r>
+              <a:rPr lang="de-DE" dirty="0" err="1"/>
+              <a:t>harming</a:t>
+            </a:r>
+            <a:r>
+              <a:rPr lang="de-DE" dirty="0"/>
+              <a:t> </a:t>
+            </a:r>
+            <a:r>
+              <a:rPr lang="de-DE" dirty="0" err="1"/>
+              <a:t>participants</a:t>
+            </a:r>
+            <a:r>
+              <a:rPr lang="de-DE" dirty="0"/>
+              <a:t> (</a:t>
+            </a:r>
+            <a:r>
+              <a:rPr lang="de-DE" dirty="0" err="1"/>
+              <a:t>compare</a:t>
+            </a:r>
+            <a:r>
+              <a:rPr lang="de-DE" dirty="0"/>
+              <a:t> </a:t>
+            </a:r>
+            <a:r>
+              <a:rPr lang="de-DE" dirty="0" err="1"/>
+              <a:t>intro</a:t>
+            </a:r>
+            <a:r>
+              <a:rPr lang="de-DE" dirty="0"/>
+              <a:t> </a:t>
+            </a:r>
+            <a:r>
+              <a:rPr lang="de-DE" dirty="0" err="1"/>
+              <a:t>slides</a:t>
+            </a:r>
+            <a:r>
+              <a:rPr lang="de-DE" dirty="0"/>
+              <a:t> </a:t>
+            </a:r>
+            <a:r>
+              <a:rPr lang="de-DE" dirty="0" err="1"/>
+              <a:t>from</a:t>
+            </a:r>
+            <a:r>
+              <a:rPr lang="de-DE" dirty="0"/>
+              <a:t> </a:t>
+            </a:r>
+            <a:r>
+              <a:rPr lang="de-DE" dirty="0" err="1"/>
+              <a:t>Noah´s</a:t>
+            </a:r>
+            <a:r>
+              <a:rPr lang="de-DE" dirty="0"/>
+              <a:t> </a:t>
+            </a:r>
+            <a:r>
+              <a:rPr lang="de-DE" dirty="0" err="1"/>
+              <a:t>presentation</a:t>
+            </a:r>
+            <a:r>
+              <a:rPr lang="de-DE" dirty="0"/>
+              <a:t>)</a:t>
+            </a:r>
+          </a:p>
+          <a:p>
+            <a:r>
+              <a:rPr lang="de-DE" dirty="0" err="1"/>
+              <a:t>Our</a:t>
+            </a:r>
+            <a:r>
+              <a:rPr lang="de-DE" dirty="0"/>
+              <a:t> </a:t>
+            </a:r>
+            <a:r>
+              <a:rPr lang="de-DE" dirty="0" err="1"/>
+              <a:t>tool</a:t>
+            </a:r>
+            <a:r>
+              <a:rPr lang="de-DE" dirty="0"/>
+              <a:t> </a:t>
+            </a:r>
+            <a:r>
+              <a:rPr lang="de-DE" dirty="0" err="1"/>
+              <a:t>solves</a:t>
+            </a:r>
+            <a:r>
+              <a:rPr lang="de-DE" dirty="0"/>
+              <a:t> </a:t>
+            </a:r>
+            <a:r>
+              <a:rPr lang="de-DE" dirty="0" err="1"/>
+              <a:t>this</a:t>
+            </a:r>
+            <a:r>
+              <a:rPr lang="de-DE" dirty="0"/>
+              <a:t> </a:t>
+            </a:r>
+            <a:r>
+              <a:rPr lang="de-DE" dirty="0" err="1"/>
+              <a:t>problem</a:t>
+            </a:r>
+            <a:r>
+              <a:rPr lang="de-DE" dirty="0"/>
+              <a:t>, </a:t>
+            </a:r>
+            <a:r>
+              <a:rPr lang="de-DE" dirty="0" err="1"/>
+              <a:t>by</a:t>
+            </a:r>
+            <a:r>
+              <a:rPr lang="de-DE" dirty="0"/>
+              <a:t>…</a:t>
+            </a:r>
+          </a:p>
+          <a:p>
+            <a:pPr lvl="1"/>
+            <a:r>
+              <a:rPr lang="de-DE" dirty="0"/>
+              <a:t>Prevent </a:t>
+            </a:r>
+            <a:r>
+              <a:rPr lang="de-DE" dirty="0" err="1"/>
+              <a:t>physical</a:t>
+            </a:r>
+            <a:r>
+              <a:rPr lang="de-DE" dirty="0"/>
+              <a:t> and </a:t>
+            </a:r>
+            <a:r>
+              <a:rPr lang="de-DE" dirty="0" err="1"/>
+              <a:t>psychological</a:t>
+            </a:r>
+            <a:r>
+              <a:rPr lang="de-DE" dirty="0"/>
+              <a:t> </a:t>
+            </a:r>
+            <a:r>
+              <a:rPr lang="de-DE" dirty="0" err="1"/>
+              <a:t>harm</a:t>
+            </a:r>
+            <a:r>
+              <a:rPr lang="de-DE" dirty="0"/>
+              <a:t> </a:t>
+            </a:r>
+            <a:r>
+              <a:rPr lang="de-DE" dirty="0" err="1"/>
+              <a:t>to</a:t>
+            </a:r>
+            <a:r>
+              <a:rPr lang="de-DE" dirty="0"/>
+              <a:t> </a:t>
+            </a:r>
+            <a:r>
+              <a:rPr lang="de-DE" dirty="0" err="1"/>
+              <a:t>participants</a:t>
+            </a:r>
+            <a:endParaRPr lang="de-DE" dirty="0"/>
+          </a:p>
+          <a:p>
+            <a:pPr lvl="1"/>
+            <a:r>
+              <a:rPr lang="de-DE" dirty="0" err="1"/>
+              <a:t>Increase</a:t>
+            </a:r>
+            <a:r>
+              <a:rPr lang="de-DE" dirty="0"/>
+              <a:t> </a:t>
+            </a:r>
+            <a:r>
+              <a:rPr lang="de-DE" dirty="0" err="1"/>
+              <a:t>effectiveness</a:t>
+            </a:r>
+            <a:r>
+              <a:rPr lang="de-DE" dirty="0"/>
+              <a:t> </a:t>
+            </a:r>
+            <a:r>
+              <a:rPr lang="de-DE" dirty="0" err="1"/>
+              <a:t>of</a:t>
+            </a:r>
+            <a:r>
+              <a:rPr lang="de-DE" dirty="0"/>
+              <a:t> </a:t>
+            </a:r>
+            <a:r>
+              <a:rPr lang="de-DE" dirty="0" err="1"/>
+              <a:t>demonstrations</a:t>
+            </a:r>
+            <a:r>
+              <a:rPr lang="de-DE" dirty="0"/>
+              <a:t> </a:t>
+            </a:r>
+            <a:r>
+              <a:rPr lang="de-DE" dirty="0" err="1"/>
+              <a:t>by</a:t>
+            </a:r>
+            <a:r>
+              <a:rPr lang="de-DE" dirty="0"/>
+              <a:t> </a:t>
+            </a:r>
+            <a:r>
+              <a:rPr lang="de-DE" dirty="0" err="1"/>
+              <a:t>making</a:t>
+            </a:r>
+            <a:r>
+              <a:rPr lang="de-DE" dirty="0"/>
+              <a:t> </a:t>
+            </a:r>
+            <a:r>
+              <a:rPr lang="de-DE" dirty="0" err="1"/>
+              <a:t>them</a:t>
+            </a:r>
+            <a:r>
+              <a:rPr lang="de-DE" dirty="0"/>
+              <a:t> </a:t>
+            </a:r>
+            <a:r>
+              <a:rPr lang="de-DE" dirty="0" err="1"/>
+              <a:t>less</a:t>
+            </a:r>
+            <a:r>
+              <a:rPr lang="de-DE" dirty="0"/>
+              <a:t> violent</a:t>
+            </a:r>
+          </a:p>
+          <a:p>
+            <a:r>
+              <a:rPr lang="de-DE" dirty="0"/>
+              <a:t>Brief </a:t>
+            </a:r>
+            <a:r>
+              <a:rPr lang="de-DE" dirty="0" err="1"/>
+              <a:t>pictures</a:t>
+            </a:r>
+            <a:r>
+              <a:rPr lang="de-DE" dirty="0"/>
+              <a:t>/ </a:t>
+            </a:r>
+            <a:r>
+              <a:rPr lang="de-DE" dirty="0" err="1"/>
+              <a:t>intro</a:t>
+            </a:r>
+            <a:r>
+              <a:rPr lang="de-DE" dirty="0"/>
+              <a:t> </a:t>
+            </a:r>
+            <a:r>
+              <a:rPr lang="de-DE" dirty="0" err="1"/>
+              <a:t>of</a:t>
+            </a:r>
+            <a:r>
+              <a:rPr lang="de-DE" dirty="0"/>
+              <a:t> </a:t>
+            </a:r>
+            <a:r>
+              <a:rPr lang="de-DE" dirty="0" err="1"/>
+              <a:t>team</a:t>
+            </a:r>
+            <a:r>
+              <a:rPr lang="de-DE" dirty="0"/>
+              <a:t>?</a:t>
+            </a:r>
+          </a:p>
+          <a:p>
+            <a:endParaRPr lang="de-DE" dirty="0"/>
+          </a:p>
+        </p:txBody>
+      </p:sp>
+      <p:sp>
+        <p:nvSpPr>
+          <p:cNvPr id="4" name="Foliennummernplatzhalter 3"/>
+          <p:cNvSpPr>
+            <a:spLocks noGrp="1"/>
+          </p:cNvSpPr>
+          <p:nvPr>
+            <p:ph type="sldNum" sz="quarter" idx="5"/>
+          </p:nvPr>
+        </p:nvSpPr>
+        <p:spPr/>
+        <p:txBody>
+          <a:bodyPr/>
+          <a:lstStyle/>
+          <a:p>
+            <a:fld id="{D9FD65AE-20D2-4DD1-822D-EF98EA2ACF9F}" type="slidenum">
+              <a:rPr lang="de-DE" smtClean="0"/>
+              <a:t>3</a:t>
+            </a:fld>
+            <a:endParaRPr lang="de-DE"/>
+          </a:p>
+        </p:txBody>
+      </p:sp>
+    </p:spTree>
+    <p:extLst>
+      <p:ext uri="{BB962C8B-B14F-4D97-AF65-F5344CB8AC3E}">
+        <p14:creationId xmlns:p14="http://schemas.microsoft.com/office/powerpoint/2010/main" val="960232527"/>
+      </p:ext>
+    </p:extLst>
+  </p:cSld>
+  <p:clrMapOvr>
+    <a:masterClrMapping/>
+  </p:clrMapOvr>
+</p:notes>
 </file>
 
 <file path=ppt/slideLayouts/slideLayout1.xml><?xml version="1.0" encoding="utf-8"?>
@@ -3313,6 +4190,14 @@
 <file path=ppt/slides/slide1.xml><?xml version="1.0" encoding="utf-8"?>
 <p:sld xmlns:a="http://schemas.openxmlformats.org/drawingml/2006/main" xmlns:r="http://schemas.openxmlformats.org/officeDocument/2006/relationships" xmlns:p="http://schemas.openxmlformats.org/presentationml/2006/main">
   <p:cSld>
+    <p:bg>
+      <p:bgPr>
+        <a:solidFill>
+          <a:schemeClr val="bg1"/>
+        </a:solidFill>
+        <a:effectLst/>
+      </p:bgPr>
+    </p:bg>
     <p:spTree>
       <p:nvGrpSpPr>
         <p:cNvPr id="1" name=""/>
@@ -3327,6 +4212,112 @@
           <a:chExt cx="0" cy="0"/>
         </a:xfrm>
       </p:grpSpPr>
+      <p:sp useBgFill="1">
+        <p:nvSpPr>
+          <p:cNvPr id="1040" name="Rectangle 1035">
+            <a:extLst>
+              <a:ext uri="{FF2B5EF4-FFF2-40B4-BE49-F238E27FC236}">
+                <a16:creationId xmlns:a16="http://schemas.microsoft.com/office/drawing/2014/main" id="{657F69E0-C4B0-4BEC-A689-4F8D877F05D4}"/>
+              </a:ext>
+              <a:ext uri="{C183D7F6-B498-43B3-948B-1728B52AA6E4}">
+                <adec:decorative xmlns:adec="http://schemas.microsoft.com/office/drawing/2017/decorative" val="1"/>
+              </a:ext>
+            </a:extLst>
+          </p:cNvPr>
+          <p:cNvSpPr>
+            <a:spLocks noGrp="1" noRot="1" noChangeAspect="1" noMove="1" noResize="1" noEditPoints="1" noAdjustHandles="1" noChangeArrowheads="1" noChangeShapeType="1" noTextEdit="1"/>
+          </p:cNvSpPr>
+          <p:nvPr>
+            <p:extLst>
+              <p:ext uri="{386F3935-93C4-4BCD-93E2-E3B085C9AB24}">
+                <p16:designElem xmlns:p16="http://schemas.microsoft.com/office/powerpoint/2015/main" val="1"/>
+              </p:ext>
+            </p:extLst>
+          </p:nvPr>
+        </p:nvSpPr>
+        <p:spPr>
+          <a:xfrm>
+            <a:off x="0" y="0"/>
+            <a:ext cx="12188952" cy="6858000"/>
+          </a:xfrm>
+          <a:prstGeom prst="rect">
+            <a:avLst/>
+          </a:prstGeom>
+          <a:ln>
+            <a:noFill/>
+          </a:ln>
+        </p:spPr>
+        <p:style>
+          <a:lnRef idx="2">
+            <a:schemeClr val="accent1">
+              <a:shade val="50000"/>
+            </a:schemeClr>
+          </a:lnRef>
+          <a:fillRef idx="1">
+            <a:schemeClr val="accent1"/>
+          </a:fillRef>
+          <a:effectRef idx="0">
+            <a:schemeClr val="accent1"/>
+          </a:effectRef>
+          <a:fontRef idx="minor">
+            <a:schemeClr val="lt1"/>
+          </a:fontRef>
+        </p:style>
+        <p:txBody>
+          <a:bodyPr rtlCol="0" anchor="ctr"/>
+          <a:lstStyle/>
+          <a:p>
+            <a:pPr algn="ctr"/>
+            <a:endParaRPr lang="en-US"/>
+          </a:p>
+        </p:txBody>
+      </p:sp>
+      <p:pic>
+        <p:nvPicPr>
+          <p:cNvPr id="1026" name="Picture 2">
+            <a:extLst>
+              <a:ext uri="{FF2B5EF4-FFF2-40B4-BE49-F238E27FC236}">
+                <a16:creationId xmlns:a16="http://schemas.microsoft.com/office/drawing/2014/main" id="{40F9F379-A4A6-2CA6-735C-3E6B4016C7AE}"/>
+              </a:ext>
+            </a:extLst>
+          </p:cNvPr>
+          <p:cNvPicPr>
+            <a:picLocks noChangeAspect="1" noChangeArrowheads="1"/>
+          </p:cNvPicPr>
+          <p:nvPr/>
+        </p:nvPicPr>
+        <p:blipFill rotWithShape="1">
+          <a:blip r:embed="rId2">
+            <a:alphaModFix amt="50000"/>
+            <a:extLst>
+              <a:ext uri="{28A0092B-C50C-407E-A947-70E740481C1C}">
+                <a14:useLocalDpi xmlns:a14="http://schemas.microsoft.com/office/drawing/2010/main" val="0"/>
+              </a:ext>
+            </a:extLst>
+          </a:blip>
+          <a:srcRect l="25"/>
+          <a:stretch/>
+        </p:blipFill>
+        <p:spPr bwMode="auto">
+          <a:xfrm>
+            <a:off x="20" y="10"/>
+            <a:ext cx="12188930" cy="6857990"/>
+          </a:xfrm>
+          <a:prstGeom prst="rect">
+            <a:avLst/>
+          </a:prstGeom>
+          <a:noFill/>
+          <a:extLst>
+            <a:ext uri="{909E8E84-426E-40DD-AFC4-6F175D3DCCD1}">
+              <a14:hiddenFill xmlns:a14="http://schemas.microsoft.com/office/drawing/2010/main">
+                <a:solidFill>
+                  <a:srgbClr val="FFFFFF"/>
+                </a:solidFill>
+              </a14:hiddenFill>
+            </a:ext>
+          </a:extLst>
+        </p:spPr>
+      </p:pic>
       <p:sp>
         <p:nvSpPr>
           <p:cNvPr id="2" name="Titel 1">
@@ -3343,24 +4334,26 @@
             <p:ph type="ctrTitle"/>
           </p:nvPr>
         </p:nvSpPr>
-        <p:spPr/>
-        <p:txBody>
-          <a:bodyPr/>
+        <p:spPr>
+          <a:xfrm>
+            <a:off x="1524000" y="1122363"/>
+            <a:ext cx="9144000" cy="3063240"/>
+          </a:xfrm>
+        </p:spPr>
+        <p:txBody>
+          <a:bodyPr>
+            <a:normAutofit/>
+          </a:bodyPr>
           <a:lstStyle/>
           <a:p>
             <a:r>
-              <a:rPr lang="de-DE" dirty="0" err="1"/>
-              <a:t>Draft</a:t>
-            </a:r>
-            <a:r>
-              <a:rPr lang="de-DE" dirty="0"/>
-              <a:t> Pro-Test Demo Day </a:t>
-            </a:r>
-            <a:r>
-              <a:rPr lang="de-DE" dirty="0" err="1"/>
-              <a:t>Presentation</a:t>
-            </a:r>
-            <a:endParaRPr lang="de-DE" dirty="0"/>
+              <a:rPr lang="de-DE" sz="6600">
+                <a:solidFill>
+                  <a:srgbClr val="FFFFFF"/>
+                </a:solidFill>
+              </a:rPr>
+              <a:t>Pro-Test Demo Day Presentation</a:t>
+            </a:r>
           </a:p>
         </p:txBody>
       </p:sp>
@@ -3380,12 +4373,396 @@
             <p:ph type="subTitle" idx="1"/>
           </p:nvPr>
         </p:nvSpPr>
-        <p:spPr/>
-        <p:txBody>
-          <a:bodyPr/>
+        <p:spPr>
+          <a:xfrm>
+            <a:off x="1527048" y="4599432"/>
+            <a:ext cx="9144000" cy="1536192"/>
+          </a:xfrm>
+        </p:spPr>
+        <p:txBody>
+          <a:bodyPr>
+            <a:normAutofit/>
+          </a:bodyPr>
           <a:lstStyle/>
           <a:p>
-            <a:endParaRPr lang="de-DE" dirty="0"/>
+            <a:r>
+              <a:rPr lang="de-DE">
+                <a:solidFill>
+                  <a:srgbClr val="FFFFFF"/>
+                </a:solidFill>
+              </a:rPr>
+              <a:t>Increasing citizen participation, strengthening governance processes, creating a safe political arena  for all actors</a:t>
+            </a:r>
+            <a:endParaRPr lang="de-DE" dirty="0">
+              <a:solidFill>
+                <a:srgbClr val="FFFFFF"/>
+              </a:solidFill>
+            </a:endParaRPr>
+          </a:p>
+          <a:p>
+            <a:r>
+              <a:rPr lang="de-DE">
+                <a:solidFill>
+                  <a:srgbClr val="FFFFFF"/>
+                </a:solidFill>
+              </a:rPr>
+              <a:t>Noah Darwich, </a:t>
+            </a:r>
+            <a:r>
+              <a:rPr lang="de-DE" dirty="0">
+                <a:solidFill>
+                  <a:srgbClr val="FFFFFF"/>
+                </a:solidFill>
+              </a:rPr>
+              <a:t>Kevin Lee, Max Höchsmann</a:t>
+            </a:r>
+          </a:p>
+        </p:txBody>
+      </p:sp>
+      <p:sp>
+        <p:nvSpPr>
+          <p:cNvPr id="1041" name="sketchy line">
+            <a:extLst>
+              <a:ext uri="{FF2B5EF4-FFF2-40B4-BE49-F238E27FC236}">
+                <a16:creationId xmlns:a16="http://schemas.microsoft.com/office/drawing/2014/main" id="{9F6380B4-6A1C-481E-8408-B4E6C75B9B81}"/>
+              </a:ext>
+              <a:ext uri="{C183D7F6-B498-43B3-948B-1728B52AA6E4}">
+                <adec:decorative xmlns:adec="http://schemas.microsoft.com/office/drawing/2017/decorative" val="1"/>
+              </a:ext>
+            </a:extLst>
+          </p:cNvPr>
+          <p:cNvSpPr>
+            <a:spLocks noGrp="1" noRot="1" noChangeAspect="1" noMove="1" noResize="1" noEditPoints="1" noAdjustHandles="1" noChangeArrowheads="1" noChangeShapeType="1" noTextEdit="1"/>
+          </p:cNvSpPr>
+          <p:nvPr>
+            <p:extLst>
+              <p:ext uri="{386F3935-93C4-4BCD-93E2-E3B085C9AB24}">
+                <p16:designElem xmlns:p16="http://schemas.microsoft.com/office/powerpoint/2015/main" val="1"/>
+              </p:ext>
+            </p:extLst>
+          </p:nvPr>
+        </p:nvSpPr>
+        <p:spPr>
+          <a:xfrm>
+            <a:off x="3974206" y="4368623"/>
+            <a:ext cx="4243589" cy="18288"/>
+          </a:xfrm>
+          <a:custGeom>
+            <a:avLst/>
+            <a:gdLst>
+              <a:gd name="connsiteX0" fmla="*/ 0 w 4243589"/>
+              <a:gd name="connsiteY0" fmla="*/ 0 h 18288"/>
+              <a:gd name="connsiteX1" fmla="*/ 478919 w 4243589"/>
+              <a:gd name="connsiteY1" fmla="*/ 0 h 18288"/>
+              <a:gd name="connsiteX2" fmla="*/ 957839 w 4243589"/>
+              <a:gd name="connsiteY2" fmla="*/ 0 h 18288"/>
+              <a:gd name="connsiteX3" fmla="*/ 1521630 w 4243589"/>
+              <a:gd name="connsiteY3" fmla="*/ 0 h 18288"/>
+              <a:gd name="connsiteX4" fmla="*/ 2212729 w 4243589"/>
+              <a:gd name="connsiteY4" fmla="*/ 0 h 18288"/>
+              <a:gd name="connsiteX5" fmla="*/ 2734084 w 4243589"/>
+              <a:gd name="connsiteY5" fmla="*/ 0 h 18288"/>
+              <a:gd name="connsiteX6" fmla="*/ 3255439 w 4243589"/>
+              <a:gd name="connsiteY6" fmla="*/ 0 h 18288"/>
+              <a:gd name="connsiteX7" fmla="*/ 4243589 w 4243589"/>
+              <a:gd name="connsiteY7" fmla="*/ 0 h 18288"/>
+              <a:gd name="connsiteX8" fmla="*/ 4243589 w 4243589"/>
+              <a:gd name="connsiteY8" fmla="*/ 18288 h 18288"/>
+              <a:gd name="connsiteX9" fmla="*/ 3594926 w 4243589"/>
+              <a:gd name="connsiteY9" fmla="*/ 18288 h 18288"/>
+              <a:gd name="connsiteX10" fmla="*/ 3073571 w 4243589"/>
+              <a:gd name="connsiteY10" fmla="*/ 18288 h 18288"/>
+              <a:gd name="connsiteX11" fmla="*/ 2552216 w 4243589"/>
+              <a:gd name="connsiteY11" fmla="*/ 18288 h 18288"/>
+              <a:gd name="connsiteX12" fmla="*/ 1903553 w 4243589"/>
+              <a:gd name="connsiteY12" fmla="*/ 18288 h 18288"/>
+              <a:gd name="connsiteX13" fmla="*/ 1212454 w 4243589"/>
+              <a:gd name="connsiteY13" fmla="*/ 18288 h 18288"/>
+              <a:gd name="connsiteX14" fmla="*/ 733535 w 4243589"/>
+              <a:gd name="connsiteY14" fmla="*/ 18288 h 18288"/>
+              <a:gd name="connsiteX15" fmla="*/ 0 w 4243589"/>
+              <a:gd name="connsiteY15" fmla="*/ 18288 h 18288"/>
+              <a:gd name="connsiteX16" fmla="*/ 0 w 4243589"/>
+              <a:gd name="connsiteY16" fmla="*/ 0 h 18288"/>
+            </a:gdLst>
+            <a:ahLst/>
+            <a:cxnLst>
+              <a:cxn ang="0">
+                <a:pos x="connsiteX0" y="connsiteY0"/>
+              </a:cxn>
+              <a:cxn ang="0">
+                <a:pos x="connsiteX1" y="connsiteY1"/>
+              </a:cxn>
+              <a:cxn ang="0">
+                <a:pos x="connsiteX2" y="connsiteY2"/>
+              </a:cxn>
+              <a:cxn ang="0">
+                <a:pos x="connsiteX3" y="connsiteY3"/>
+              </a:cxn>
+              <a:cxn ang="0">
+                <a:pos x="connsiteX4" y="connsiteY4"/>
+              </a:cxn>
+              <a:cxn ang="0">
+                <a:pos x="connsiteX5" y="connsiteY5"/>
+              </a:cxn>
+              <a:cxn ang="0">
+                <a:pos x="connsiteX6" y="connsiteY6"/>
+              </a:cxn>
+              <a:cxn ang="0">
+                <a:pos x="connsiteX7" y="connsiteY7"/>
+              </a:cxn>
+              <a:cxn ang="0">
+                <a:pos x="connsiteX8" y="connsiteY8"/>
+              </a:cxn>
+              <a:cxn ang="0">
+                <a:pos x="connsiteX9" y="connsiteY9"/>
+              </a:cxn>
+              <a:cxn ang="0">
+                <a:pos x="connsiteX10" y="connsiteY10"/>
+              </a:cxn>
+              <a:cxn ang="0">
+                <a:pos x="connsiteX11" y="connsiteY11"/>
+              </a:cxn>
+              <a:cxn ang="0">
+                <a:pos x="connsiteX12" y="connsiteY12"/>
+              </a:cxn>
+              <a:cxn ang="0">
+                <a:pos x="connsiteX13" y="connsiteY13"/>
+              </a:cxn>
+              <a:cxn ang="0">
+                <a:pos x="connsiteX14" y="connsiteY14"/>
+              </a:cxn>
+              <a:cxn ang="0">
+                <a:pos x="connsiteX15" y="connsiteY15"/>
+              </a:cxn>
+              <a:cxn ang="0">
+                <a:pos x="connsiteX16" y="connsiteY16"/>
+              </a:cxn>
+            </a:cxnLst>
+            <a:rect l="l" t="t" r="r" b="b"/>
+            <a:pathLst>
+              <a:path w="4243589" h="18288" fill="none" extrusionOk="0">
+                <a:moveTo>
+                  <a:pt x="0" y="0"/>
+                </a:moveTo>
+                <a:cubicBezTo>
+                  <a:pt x="213395" y="-21006"/>
+                  <a:pt x="307421" y="-18116"/>
+                  <a:pt x="478919" y="0"/>
+                </a:cubicBezTo>
+                <a:cubicBezTo>
+                  <a:pt x="650417" y="18116"/>
+                  <a:pt x="831092" y="-21237"/>
+                  <a:pt x="957839" y="0"/>
+                </a:cubicBezTo>
+                <a:cubicBezTo>
+                  <a:pt x="1084586" y="21237"/>
+                  <a:pt x="1301682" y="25124"/>
+                  <a:pt x="1521630" y="0"/>
+                </a:cubicBezTo>
+                <a:cubicBezTo>
+                  <a:pt x="1741578" y="-25124"/>
+                  <a:pt x="1970269" y="-29139"/>
+                  <a:pt x="2212729" y="0"/>
+                </a:cubicBezTo>
+                <a:cubicBezTo>
+                  <a:pt x="2455189" y="29139"/>
+                  <a:pt x="2558847" y="-4796"/>
+                  <a:pt x="2734084" y="0"/>
+                </a:cubicBezTo>
+                <a:cubicBezTo>
+                  <a:pt x="2909321" y="4796"/>
+                  <a:pt x="3097217" y="-13409"/>
+                  <a:pt x="3255439" y="0"/>
+                </a:cubicBezTo>
+                <a:cubicBezTo>
+                  <a:pt x="3413662" y="13409"/>
+                  <a:pt x="3979999" y="-10121"/>
+                  <a:pt x="4243589" y="0"/>
+                </a:cubicBezTo>
+                <a:cubicBezTo>
+                  <a:pt x="4244484" y="8974"/>
+                  <a:pt x="4243043" y="9359"/>
+                  <a:pt x="4243589" y="18288"/>
+                </a:cubicBezTo>
+                <a:cubicBezTo>
+                  <a:pt x="4058777" y="31246"/>
+                  <a:pt x="3910348" y="3158"/>
+                  <a:pt x="3594926" y="18288"/>
+                </a:cubicBezTo>
+                <a:cubicBezTo>
+                  <a:pt x="3279504" y="33418"/>
+                  <a:pt x="3319955" y="-3977"/>
+                  <a:pt x="3073571" y="18288"/>
+                </a:cubicBezTo>
+                <a:cubicBezTo>
+                  <a:pt x="2827187" y="40553"/>
+                  <a:pt x="2767387" y="1863"/>
+                  <a:pt x="2552216" y="18288"/>
+                </a:cubicBezTo>
+                <a:cubicBezTo>
+                  <a:pt x="2337046" y="34713"/>
+                  <a:pt x="2181871" y="19527"/>
+                  <a:pt x="1903553" y="18288"/>
+                </a:cubicBezTo>
+                <a:cubicBezTo>
+                  <a:pt x="1625235" y="17049"/>
+                  <a:pt x="1557672" y="24174"/>
+                  <a:pt x="1212454" y="18288"/>
+                </a:cubicBezTo>
+                <a:cubicBezTo>
+                  <a:pt x="867236" y="12402"/>
+                  <a:pt x="874382" y="15627"/>
+                  <a:pt x="733535" y="18288"/>
+                </a:cubicBezTo>
+                <a:cubicBezTo>
+                  <a:pt x="592688" y="20949"/>
+                  <a:pt x="183477" y="14753"/>
+                  <a:pt x="0" y="18288"/>
+                </a:cubicBezTo>
+                <a:cubicBezTo>
+                  <a:pt x="-229" y="14222"/>
+                  <a:pt x="509" y="5816"/>
+                  <a:pt x="0" y="0"/>
+                </a:cubicBezTo>
+                <a:close/>
+              </a:path>
+              <a:path w="4243589" h="18288" stroke="0" extrusionOk="0">
+                <a:moveTo>
+                  <a:pt x="0" y="0"/>
+                </a:moveTo>
+                <a:cubicBezTo>
+                  <a:pt x="143690" y="16630"/>
+                  <a:pt x="266667" y="14847"/>
+                  <a:pt x="521355" y="0"/>
+                </a:cubicBezTo>
+                <a:cubicBezTo>
+                  <a:pt x="776043" y="-14847"/>
+                  <a:pt x="814491" y="-17363"/>
+                  <a:pt x="1000275" y="0"/>
+                </a:cubicBezTo>
+                <a:cubicBezTo>
+                  <a:pt x="1186059" y="17363"/>
+                  <a:pt x="1352504" y="-23507"/>
+                  <a:pt x="1521630" y="0"/>
+                </a:cubicBezTo>
+                <a:cubicBezTo>
+                  <a:pt x="1690756" y="23507"/>
+                  <a:pt x="1889525" y="5871"/>
+                  <a:pt x="2127857" y="0"/>
+                </a:cubicBezTo>
+                <a:cubicBezTo>
+                  <a:pt x="2366189" y="-5871"/>
+                  <a:pt x="2620628" y="-27997"/>
+                  <a:pt x="2776520" y="0"/>
+                </a:cubicBezTo>
+                <a:cubicBezTo>
+                  <a:pt x="2932412" y="27997"/>
+                  <a:pt x="3131683" y="-25073"/>
+                  <a:pt x="3467618" y="0"/>
+                </a:cubicBezTo>
+                <a:cubicBezTo>
+                  <a:pt x="3803553" y="25073"/>
+                  <a:pt x="4017371" y="3071"/>
+                  <a:pt x="4243589" y="0"/>
+                </a:cubicBezTo>
+                <a:cubicBezTo>
+                  <a:pt x="4243134" y="6162"/>
+                  <a:pt x="4243492" y="11775"/>
+                  <a:pt x="4243589" y="18288"/>
+                </a:cubicBezTo>
+                <a:cubicBezTo>
+                  <a:pt x="4017834" y="-5779"/>
+                  <a:pt x="3834586" y="13376"/>
+                  <a:pt x="3594926" y="18288"/>
+                </a:cubicBezTo>
+                <a:cubicBezTo>
+                  <a:pt x="3355266" y="23200"/>
+                  <a:pt x="3204179" y="2869"/>
+                  <a:pt x="2903827" y="18288"/>
+                </a:cubicBezTo>
+                <a:cubicBezTo>
+                  <a:pt x="2603475" y="33707"/>
+                  <a:pt x="2526187" y="46187"/>
+                  <a:pt x="2212729" y="18288"/>
+                </a:cubicBezTo>
+                <a:cubicBezTo>
+                  <a:pt x="1899271" y="-9611"/>
+                  <a:pt x="1966289" y="29692"/>
+                  <a:pt x="1733809" y="18288"/>
+                </a:cubicBezTo>
+                <a:cubicBezTo>
+                  <a:pt x="1501329" y="6884"/>
+                  <a:pt x="1343612" y="12492"/>
+                  <a:pt x="1085146" y="18288"/>
+                </a:cubicBezTo>
+                <a:cubicBezTo>
+                  <a:pt x="826680" y="24084"/>
+                  <a:pt x="778184" y="35607"/>
+                  <a:pt x="521355" y="18288"/>
+                </a:cubicBezTo>
+                <a:cubicBezTo>
+                  <a:pt x="264526" y="969"/>
+                  <a:pt x="120277" y="4268"/>
+                  <a:pt x="0" y="18288"/>
+                </a:cubicBezTo>
+                <a:cubicBezTo>
+                  <a:pt x="766" y="10800"/>
+                  <a:pt x="-457" y="8180"/>
+                  <a:pt x="0" y="0"/>
+                </a:cubicBezTo>
+                <a:close/>
+              </a:path>
+            </a:pathLst>
+          </a:custGeom>
+          <a:solidFill>
+            <a:srgbClr val="FFFFFF">
+              <a:alpha val="75000"/>
+            </a:srgbClr>
+          </a:solidFill>
+          <a:ln w="44450" cap="rnd">
+            <a:solidFill>
+              <a:srgbClr val="FFFFFF">
+                <a:alpha val="75000"/>
+              </a:srgbClr>
+            </a:solidFill>
+            <a:round/>
+            <a:extLst>
+              <a:ext uri="{C807C97D-BFC1-408E-A445-0C87EB9F89A2}">
+                <ask:lineSketchStyleProps xmlns:ask="http://schemas.microsoft.com/office/drawing/2018/sketchyshapes" sd="2727557108">
+                  <a:prstGeom prst="rect">
+                    <a:avLst/>
+                  </a:prstGeom>
+                  <ask:type>
+                    <ask:lineSketchFreehand/>
+                  </ask:type>
+                </ask:lineSketchStyleProps>
+              </a:ext>
+            </a:extLst>
+          </a:ln>
+        </p:spPr>
+        <p:style>
+          <a:lnRef idx="2">
+            <a:schemeClr val="accent1">
+              <a:shade val="50000"/>
+            </a:schemeClr>
+          </a:lnRef>
+          <a:fillRef idx="1">
+            <a:schemeClr val="accent1"/>
+          </a:fillRef>
+          <a:effectRef idx="0">
+            <a:schemeClr val="accent1"/>
+          </a:effectRef>
+          <a:fontRef idx="minor">
+            <a:schemeClr val="lt1"/>
+          </a:fontRef>
+        </p:style>
+        <p:txBody>
+          <a:bodyPr rtlCol="0" anchor="ctr"/>
+          <a:lstStyle/>
+          <a:p>
+            <a:pPr algn="ctr"/>
+            <a:endParaRPr lang="en-US"/>
           </a:p>
         </p:txBody>
       </p:sp>
@@ -3397,14 +4774,114 @@
     </p:extLst>
   </p:cSld>
   <p:clrMapOvr>
-    <a:masterClrMapping/>
+    <a:overrideClrMapping bg1="dk1" tx1="lt1" bg2="dk2" tx2="lt2" accent1="accent1" accent2="accent2" accent3="accent3" accent4="accent4" accent5="accent5" accent6="accent6" hlink="hlink" folHlink="folHlink"/>
   </p:clrMapOvr>
+  <p:timing>
+    <p:tnLst>
+      <p:par>
+        <p:cTn id="1" dur="indefinite" restart="never" nodeType="tmRoot">
+          <p:childTnLst>
+            <p:seq concurrent="1" nextAc="seek">
+              <p:cTn id="2" dur="indefinite" nodeType="mainSeq">
+                <p:childTnLst>
+                  <p:par>
+                    <p:cTn id="3" fill="hold">
+                      <p:stCondLst>
+                        <p:cond delay="indefinite"/>
+                        <p:cond evt="onBegin" delay="0">
+                          <p:tn val="2"/>
+                        </p:cond>
+                      </p:stCondLst>
+                      <p:childTnLst>
+                        <p:par>
+                          <p:cTn id="4" fill="hold">
+                            <p:stCondLst>
+                              <p:cond delay="0"/>
+                            </p:stCondLst>
+                            <p:childTnLst>
+                              <p:par>
+                                <p:cTn id="5" presetID="10" presetClass="entr" presetSubtype="0" fill="hold" grpId="0" nodeType="withEffect">
+                                  <p:stCondLst>
+                                    <p:cond delay="1000"/>
+                                  </p:stCondLst>
+                                  <p:iterate type="lt">
+                                    <p:tmPct val="10000"/>
+                                  </p:iterate>
+                                  <p:childTnLst>
+                                    <p:set>
+                                      <p:cBhvr>
+                                        <p:cTn id="6" dur="1" fill="hold">
+                                          <p:stCondLst>
+                                            <p:cond delay="0"/>
+                                          </p:stCondLst>
+                                        </p:cTn>
+                                        <p:tgtEl>
+                                          <p:spTgt spid="2"/>
+                                        </p:tgtEl>
+                                        <p:attrNameLst>
+                                          <p:attrName>style.visibility</p:attrName>
+                                        </p:attrNameLst>
+                                      </p:cBhvr>
+                                      <p:to>
+                                        <p:strVal val="visible"/>
+                                      </p:to>
+                                    </p:set>
+                                    <p:animEffect transition="in" filter="fade">
+                                      <p:cBhvr>
+                                        <p:cTn id="7" dur="400"/>
+                                        <p:tgtEl>
+                                          <p:spTgt spid="2"/>
+                                        </p:tgtEl>
+                                      </p:cBhvr>
+                                    </p:animEffect>
+                                  </p:childTnLst>
+                                </p:cTn>
+                              </p:par>
+                            </p:childTnLst>
+                          </p:cTn>
+                        </p:par>
+                      </p:childTnLst>
+                    </p:cTn>
+                  </p:par>
+                </p:childTnLst>
+              </p:cTn>
+              <p:prevCondLst>
+                <p:cond evt="onPrev" delay="0">
+                  <p:tgtEl>
+                    <p:sldTgt/>
+                  </p:tgtEl>
+                </p:cond>
+              </p:prevCondLst>
+              <p:nextCondLst>
+                <p:cond evt="onNext" delay="0">
+                  <p:tgtEl>
+                    <p:sldTgt/>
+                  </p:tgtEl>
+                </p:cond>
+              </p:nextCondLst>
+            </p:seq>
+          </p:childTnLst>
+        </p:cTn>
+      </p:par>
+    </p:tnLst>
+    <p:bldLst>
+      <p:bldP spid="2" grpId="0"/>
+    </p:bldLst>
+  </p:timing>
 </p:sld>
 </file>
 
 <file path=ppt/slides/slide2.xml><?xml version="1.0" encoding="utf-8"?>
 <p:sld xmlns:a="http://schemas.openxmlformats.org/drawingml/2006/main" xmlns:r="http://schemas.openxmlformats.org/officeDocument/2006/relationships" xmlns:p="http://schemas.openxmlformats.org/presentationml/2006/main">
   <p:cSld>
+    <p:bg>
+      <p:bgPr>
+        <a:solidFill>
+          <a:schemeClr val="bg1"/>
+        </a:solidFill>
+        <a:effectLst/>
+      </p:bgPr>
+    </p:bg>
     <p:spTree>
       <p:nvGrpSpPr>
         <p:cNvPr id="1" name=""/>
@@ -3419,6 +4896,112 @@
           <a:chExt cx="0" cy="0"/>
         </a:xfrm>
       </p:grpSpPr>
+      <p:sp useBgFill="1">
+        <p:nvSpPr>
+          <p:cNvPr id="2055" name="Rectangle 2054">
+            <a:extLst>
+              <a:ext uri="{FF2B5EF4-FFF2-40B4-BE49-F238E27FC236}">
+                <a16:creationId xmlns:a16="http://schemas.microsoft.com/office/drawing/2014/main" id="{1A9F7B4E-B03D-4F64-BE33-00D074458D45}"/>
+              </a:ext>
+              <a:ext uri="{C183D7F6-B498-43B3-948B-1728B52AA6E4}">
+                <adec:decorative xmlns:adec="http://schemas.microsoft.com/office/drawing/2017/decorative" val="1"/>
+              </a:ext>
+            </a:extLst>
+          </p:cNvPr>
+          <p:cNvSpPr>
+            <a:spLocks noGrp="1" noRot="1" noChangeAspect="1" noMove="1" noResize="1" noEditPoints="1" noAdjustHandles="1" noChangeArrowheads="1" noChangeShapeType="1" noTextEdit="1"/>
+          </p:cNvSpPr>
+          <p:nvPr>
+            <p:extLst>
+              <p:ext uri="{386F3935-93C4-4BCD-93E2-E3B085C9AB24}">
+                <p16:designElem xmlns:p16="http://schemas.microsoft.com/office/powerpoint/2015/main" val="1"/>
+              </p:ext>
+            </p:extLst>
+          </p:nvPr>
+        </p:nvSpPr>
+        <p:spPr>
+          <a:xfrm>
+            <a:off x="0" y="0"/>
+            <a:ext cx="12188952" cy="6858000"/>
+          </a:xfrm>
+          <a:prstGeom prst="rect">
+            <a:avLst/>
+          </a:prstGeom>
+          <a:ln>
+            <a:noFill/>
+          </a:ln>
+        </p:spPr>
+        <p:style>
+          <a:lnRef idx="2">
+            <a:schemeClr val="accent1">
+              <a:shade val="50000"/>
+            </a:schemeClr>
+          </a:lnRef>
+          <a:fillRef idx="1">
+            <a:schemeClr val="accent1"/>
+          </a:fillRef>
+          <a:effectRef idx="0">
+            <a:schemeClr val="accent1"/>
+          </a:effectRef>
+          <a:fontRef idx="minor">
+            <a:schemeClr val="lt1"/>
+          </a:fontRef>
+        </p:style>
+        <p:txBody>
+          <a:bodyPr rtlCol="0" anchor="ctr"/>
+          <a:lstStyle/>
+          <a:p>
+            <a:pPr algn="ctr"/>
+            <a:endParaRPr lang="en-US"/>
+          </a:p>
+        </p:txBody>
+      </p:sp>
+      <p:pic>
+        <p:nvPicPr>
+          <p:cNvPr id="2050" name="Picture 2">
+            <a:extLst>
+              <a:ext uri="{FF2B5EF4-FFF2-40B4-BE49-F238E27FC236}">
+                <a16:creationId xmlns:a16="http://schemas.microsoft.com/office/drawing/2014/main" id="{98C4EFA8-F9BE-10AE-41C5-F6D4A1406727}"/>
+              </a:ext>
+            </a:extLst>
+          </p:cNvPr>
+          <p:cNvPicPr>
+            <a:picLocks noChangeAspect="1" noChangeArrowheads="1"/>
+          </p:cNvPicPr>
+          <p:nvPr/>
+        </p:nvPicPr>
+        <p:blipFill rotWithShape="1">
+          <a:blip r:embed="rId2">
+            <a:alphaModFix amt="40000"/>
+            <a:extLst>
+              <a:ext uri="{28A0092B-C50C-407E-A947-70E740481C1C}">
+                <a14:useLocalDpi xmlns:a14="http://schemas.microsoft.com/office/drawing/2010/main" val="0"/>
+              </a:ext>
+            </a:extLst>
+          </a:blip>
+          <a:srcRect/>
+          <a:stretch/>
+        </p:blipFill>
+        <p:spPr bwMode="auto">
+          <a:xfrm>
+            <a:off x="20" y="10"/>
+            <a:ext cx="12191979" cy="6857990"/>
+          </a:xfrm>
+          <a:prstGeom prst="rect">
+            <a:avLst/>
+          </a:prstGeom>
+          <a:noFill/>
+          <a:extLst>
+            <a:ext uri="{909E8E84-426E-40DD-AFC4-6F175D3DCCD1}">
+              <a14:hiddenFill xmlns:a14="http://schemas.microsoft.com/office/drawing/2010/main">
+                <a:solidFill>
+                  <a:srgbClr val="FFFFFF"/>
+                </a:solidFill>
+              </a14:hiddenFill>
+            </a:ext>
+          </a:extLst>
+        </p:spPr>
+      </p:pic>
       <p:sp>
         <p:nvSpPr>
           <p:cNvPr id="2" name="Titel 1">
@@ -3435,23 +5018,598 @@
             <p:ph type="title"/>
           </p:nvPr>
         </p:nvSpPr>
-        <p:spPr/>
-        <p:txBody>
-          <a:bodyPr/>
+        <p:spPr>
+          <a:xfrm>
+            <a:off x="838200" y="365125"/>
+            <a:ext cx="10515600" cy="1325563"/>
+          </a:xfrm>
+        </p:spPr>
+        <p:txBody>
+          <a:bodyPr>
+            <a:normAutofit/>
+          </a:bodyPr>
           <a:lstStyle/>
           <a:p>
             <a:r>
-              <a:rPr lang="de-DE" dirty="0"/>
-              <a:t>Table </a:t>
-            </a:r>
-            <a:r>
-              <a:rPr lang="de-DE" dirty="0" err="1"/>
-              <a:t>of</a:t>
-            </a:r>
-            <a:r>
-              <a:rPr lang="de-DE" dirty="0"/>
-              <a:t> Content</a:t>
-            </a:r>
+              <a:rPr lang="de-DE" sz="5400">
+                <a:solidFill>
+                  <a:srgbClr val="FFFFFF"/>
+                </a:solidFill>
+              </a:rPr>
+              <a:t>Table of Content</a:t>
+            </a:r>
+          </a:p>
+        </p:txBody>
+      </p:sp>
+      <p:sp>
+        <p:nvSpPr>
+          <p:cNvPr id="2057" name="sketchy line">
+            <a:extLst>
+              <a:ext uri="{FF2B5EF4-FFF2-40B4-BE49-F238E27FC236}">
+                <a16:creationId xmlns:a16="http://schemas.microsoft.com/office/drawing/2014/main" id="{7E2BE7F7-CA89-4002-ACCE-A478AEA24F5E}"/>
+              </a:ext>
+              <a:ext uri="{C183D7F6-B498-43B3-948B-1728B52AA6E4}">
+                <adec:decorative xmlns:adec="http://schemas.microsoft.com/office/drawing/2017/decorative" val="1"/>
+              </a:ext>
+            </a:extLst>
+          </p:cNvPr>
+          <p:cNvSpPr>
+            <a:spLocks noGrp="1" noRot="1" noChangeAspect="1" noMove="1" noResize="1" noEditPoints="1" noAdjustHandles="1" noChangeArrowheads="1" noChangeShapeType="1" noTextEdit="1"/>
+          </p:cNvSpPr>
+          <p:nvPr>
+            <p:extLst>
+              <p:ext uri="{386F3935-93C4-4BCD-93E2-E3B085C9AB24}">
+                <p16:designElem xmlns:p16="http://schemas.microsoft.com/office/powerpoint/2015/main" val="1"/>
+              </p:ext>
+            </p:extLst>
+          </p:nvPr>
+        </p:nvSpPr>
+        <p:spPr>
+          <a:xfrm>
+            <a:off x="914399" y="1681544"/>
+            <a:ext cx="9692640" cy="18288"/>
+          </a:xfrm>
+          <a:custGeom>
+            <a:avLst/>
+            <a:gdLst>
+              <a:gd name="connsiteX0" fmla="*/ 0 w 9692640"/>
+              <a:gd name="connsiteY0" fmla="*/ 0 h 18288"/>
+              <a:gd name="connsiteX1" fmla="*/ 401552 w 9692640"/>
+              <a:gd name="connsiteY1" fmla="*/ 0 h 18288"/>
+              <a:gd name="connsiteX2" fmla="*/ 996957 w 9692640"/>
+              <a:gd name="connsiteY2" fmla="*/ 0 h 18288"/>
+              <a:gd name="connsiteX3" fmla="*/ 1398509 w 9692640"/>
+              <a:gd name="connsiteY3" fmla="*/ 0 h 18288"/>
+              <a:gd name="connsiteX4" fmla="*/ 2090841 w 9692640"/>
+              <a:gd name="connsiteY4" fmla="*/ 0 h 18288"/>
+              <a:gd name="connsiteX5" fmla="*/ 2686246 w 9692640"/>
+              <a:gd name="connsiteY5" fmla="*/ 0 h 18288"/>
+              <a:gd name="connsiteX6" fmla="*/ 3475504 w 9692640"/>
+              <a:gd name="connsiteY6" fmla="*/ 0 h 18288"/>
+              <a:gd name="connsiteX7" fmla="*/ 4361688 w 9692640"/>
+              <a:gd name="connsiteY7" fmla="*/ 0 h 18288"/>
+              <a:gd name="connsiteX8" fmla="*/ 5054019 w 9692640"/>
+              <a:gd name="connsiteY8" fmla="*/ 0 h 18288"/>
+              <a:gd name="connsiteX9" fmla="*/ 5940204 w 9692640"/>
+              <a:gd name="connsiteY9" fmla="*/ 0 h 18288"/>
+              <a:gd name="connsiteX10" fmla="*/ 6632535 w 9692640"/>
+              <a:gd name="connsiteY10" fmla="*/ 0 h 18288"/>
+              <a:gd name="connsiteX11" fmla="*/ 7034087 w 9692640"/>
+              <a:gd name="connsiteY11" fmla="*/ 0 h 18288"/>
+              <a:gd name="connsiteX12" fmla="*/ 7532566 w 9692640"/>
+              <a:gd name="connsiteY12" fmla="*/ 0 h 18288"/>
+              <a:gd name="connsiteX13" fmla="*/ 8418750 w 9692640"/>
+              <a:gd name="connsiteY13" fmla="*/ 0 h 18288"/>
+              <a:gd name="connsiteX14" fmla="*/ 9692640 w 9692640"/>
+              <a:gd name="connsiteY14" fmla="*/ 0 h 18288"/>
+              <a:gd name="connsiteX15" fmla="*/ 9692640 w 9692640"/>
+              <a:gd name="connsiteY15" fmla="*/ 18288 h 18288"/>
+              <a:gd name="connsiteX16" fmla="*/ 9000309 w 9692640"/>
+              <a:gd name="connsiteY16" fmla="*/ 18288 h 18288"/>
+              <a:gd name="connsiteX17" fmla="*/ 8307977 w 9692640"/>
+              <a:gd name="connsiteY17" fmla="*/ 18288 h 18288"/>
+              <a:gd name="connsiteX18" fmla="*/ 7712572 w 9692640"/>
+              <a:gd name="connsiteY18" fmla="*/ 18288 h 18288"/>
+              <a:gd name="connsiteX19" fmla="*/ 7214093 w 9692640"/>
+              <a:gd name="connsiteY19" fmla="*/ 18288 h 18288"/>
+              <a:gd name="connsiteX20" fmla="*/ 6327909 w 9692640"/>
+              <a:gd name="connsiteY20" fmla="*/ 18288 h 18288"/>
+              <a:gd name="connsiteX21" fmla="*/ 5635578 w 9692640"/>
+              <a:gd name="connsiteY21" fmla="*/ 18288 h 18288"/>
+              <a:gd name="connsiteX22" fmla="*/ 4846320 w 9692640"/>
+              <a:gd name="connsiteY22" fmla="*/ 18288 h 18288"/>
+              <a:gd name="connsiteX23" fmla="*/ 4444768 w 9692640"/>
+              <a:gd name="connsiteY23" fmla="*/ 18288 h 18288"/>
+              <a:gd name="connsiteX24" fmla="*/ 3946289 w 9692640"/>
+              <a:gd name="connsiteY24" fmla="*/ 18288 h 18288"/>
+              <a:gd name="connsiteX25" fmla="*/ 3253958 w 9692640"/>
+              <a:gd name="connsiteY25" fmla="*/ 18288 h 18288"/>
+              <a:gd name="connsiteX26" fmla="*/ 2464700 w 9692640"/>
+              <a:gd name="connsiteY26" fmla="*/ 18288 h 18288"/>
+              <a:gd name="connsiteX27" fmla="*/ 2063148 w 9692640"/>
+              <a:gd name="connsiteY27" fmla="*/ 18288 h 18288"/>
+              <a:gd name="connsiteX28" fmla="*/ 1661595 w 9692640"/>
+              <a:gd name="connsiteY28" fmla="*/ 18288 h 18288"/>
+              <a:gd name="connsiteX29" fmla="*/ 969264 w 9692640"/>
+              <a:gd name="connsiteY29" fmla="*/ 18288 h 18288"/>
+              <a:gd name="connsiteX30" fmla="*/ 0 w 9692640"/>
+              <a:gd name="connsiteY30" fmla="*/ 18288 h 18288"/>
+              <a:gd name="connsiteX31" fmla="*/ 0 w 9692640"/>
+              <a:gd name="connsiteY31" fmla="*/ 0 h 18288"/>
+            </a:gdLst>
+            <a:ahLst/>
+            <a:cxnLst>
+              <a:cxn ang="0">
+                <a:pos x="connsiteX0" y="connsiteY0"/>
+              </a:cxn>
+              <a:cxn ang="0">
+                <a:pos x="connsiteX1" y="connsiteY1"/>
+              </a:cxn>
+              <a:cxn ang="0">
+                <a:pos x="connsiteX2" y="connsiteY2"/>
+              </a:cxn>
+              <a:cxn ang="0">
+                <a:pos x="connsiteX3" y="connsiteY3"/>
+              </a:cxn>
+              <a:cxn ang="0">
+                <a:pos x="connsiteX4" y="connsiteY4"/>
+              </a:cxn>
+              <a:cxn ang="0">
+                <a:pos x="connsiteX5" y="connsiteY5"/>
+              </a:cxn>
+              <a:cxn ang="0">
+                <a:pos x="connsiteX6" y="connsiteY6"/>
+              </a:cxn>
+              <a:cxn ang="0">
+                <a:pos x="connsiteX7" y="connsiteY7"/>
+              </a:cxn>
+              <a:cxn ang="0">
+                <a:pos x="connsiteX8" y="connsiteY8"/>
+              </a:cxn>
+              <a:cxn ang="0">
+                <a:pos x="connsiteX9" y="connsiteY9"/>
+              </a:cxn>
+              <a:cxn ang="0">
+                <a:pos x="connsiteX10" y="connsiteY10"/>
+              </a:cxn>
+              <a:cxn ang="0">
+                <a:pos x="connsiteX11" y="connsiteY11"/>
+              </a:cxn>
+              <a:cxn ang="0">
+                <a:pos x="connsiteX12" y="connsiteY12"/>
+              </a:cxn>
+              <a:cxn ang="0">
+                <a:pos x="connsiteX13" y="connsiteY13"/>
+              </a:cxn>
+              <a:cxn ang="0">
+                <a:pos x="connsiteX14" y="connsiteY14"/>
+              </a:cxn>
+              <a:cxn ang="0">
+                <a:pos x="connsiteX15" y="connsiteY15"/>
+              </a:cxn>
+              <a:cxn ang="0">
+                <a:pos x="connsiteX16" y="connsiteY16"/>
+              </a:cxn>
+              <a:cxn ang="0">
+                <a:pos x="connsiteX17" y="connsiteY17"/>
+              </a:cxn>
+              <a:cxn ang="0">
+                <a:pos x="connsiteX18" y="connsiteY18"/>
+              </a:cxn>
+              <a:cxn ang="0">
+                <a:pos x="connsiteX19" y="connsiteY19"/>
+              </a:cxn>
+              <a:cxn ang="0">
+                <a:pos x="connsiteX20" y="connsiteY20"/>
+              </a:cxn>
+              <a:cxn ang="0">
+                <a:pos x="connsiteX21" y="connsiteY21"/>
+              </a:cxn>
+              <a:cxn ang="0">
+                <a:pos x="connsiteX22" y="connsiteY22"/>
+              </a:cxn>
+              <a:cxn ang="0">
+                <a:pos x="connsiteX23" y="connsiteY23"/>
+              </a:cxn>
+              <a:cxn ang="0">
+                <a:pos x="connsiteX24" y="connsiteY24"/>
+              </a:cxn>
+              <a:cxn ang="0">
+                <a:pos x="connsiteX25" y="connsiteY25"/>
+              </a:cxn>
+              <a:cxn ang="0">
+                <a:pos x="connsiteX26" y="connsiteY26"/>
+              </a:cxn>
+              <a:cxn ang="0">
+                <a:pos x="connsiteX27" y="connsiteY27"/>
+              </a:cxn>
+              <a:cxn ang="0">
+                <a:pos x="connsiteX28" y="connsiteY28"/>
+              </a:cxn>
+              <a:cxn ang="0">
+                <a:pos x="connsiteX29" y="connsiteY29"/>
+              </a:cxn>
+              <a:cxn ang="0">
+                <a:pos x="connsiteX30" y="connsiteY30"/>
+              </a:cxn>
+              <a:cxn ang="0">
+                <a:pos x="connsiteX31" y="connsiteY31"/>
+              </a:cxn>
+            </a:cxnLst>
+            <a:rect l="l" t="t" r="r" b="b"/>
+            <a:pathLst>
+              <a:path w="9692640" h="18288" fill="none" extrusionOk="0">
+                <a:moveTo>
+                  <a:pt x="0" y="0"/>
+                </a:moveTo>
+                <a:cubicBezTo>
+                  <a:pt x="142992" y="4732"/>
+                  <a:pt x="265909" y="-3365"/>
+                  <a:pt x="401552" y="0"/>
+                </a:cubicBezTo>
+                <a:cubicBezTo>
+                  <a:pt x="537195" y="3365"/>
+                  <a:pt x="738153" y="6482"/>
+                  <a:pt x="996957" y="0"/>
+                </a:cubicBezTo>
+                <a:cubicBezTo>
+                  <a:pt x="1255762" y="-6482"/>
+                  <a:pt x="1280511" y="12509"/>
+                  <a:pt x="1398509" y="0"/>
+                </a:cubicBezTo>
+                <a:cubicBezTo>
+                  <a:pt x="1516507" y="-12509"/>
+                  <a:pt x="1782573" y="-31523"/>
+                  <a:pt x="2090841" y="0"/>
+                </a:cubicBezTo>
+                <a:cubicBezTo>
+                  <a:pt x="2399109" y="31523"/>
+                  <a:pt x="2488380" y="26286"/>
+                  <a:pt x="2686246" y="0"/>
+                </a:cubicBezTo>
+                <a:cubicBezTo>
+                  <a:pt x="2884112" y="-26286"/>
+                  <a:pt x="3186024" y="-14734"/>
+                  <a:pt x="3475504" y="0"/>
+                </a:cubicBezTo>
+                <a:cubicBezTo>
+                  <a:pt x="3764984" y="14734"/>
+                  <a:pt x="4053017" y="43292"/>
+                  <a:pt x="4361688" y="0"/>
+                </a:cubicBezTo>
+                <a:cubicBezTo>
+                  <a:pt x="4670359" y="-43292"/>
+                  <a:pt x="4736164" y="-729"/>
+                  <a:pt x="5054019" y="0"/>
+                </a:cubicBezTo>
+                <a:cubicBezTo>
+                  <a:pt x="5371874" y="729"/>
+                  <a:pt x="5543528" y="-22963"/>
+                  <a:pt x="5940204" y="0"/>
+                </a:cubicBezTo>
+                <a:cubicBezTo>
+                  <a:pt x="6336881" y="22963"/>
+                  <a:pt x="6423838" y="6469"/>
+                  <a:pt x="6632535" y="0"/>
+                </a:cubicBezTo>
+                <a:cubicBezTo>
+                  <a:pt x="6841232" y="-6469"/>
+                  <a:pt x="6852819" y="17036"/>
+                  <a:pt x="7034087" y="0"/>
+                </a:cubicBezTo>
+                <a:cubicBezTo>
+                  <a:pt x="7215355" y="-17036"/>
+                  <a:pt x="7313136" y="11151"/>
+                  <a:pt x="7532566" y="0"/>
+                </a:cubicBezTo>
+                <a:cubicBezTo>
+                  <a:pt x="7751996" y="-11151"/>
+                  <a:pt x="8015001" y="25614"/>
+                  <a:pt x="8418750" y="0"/>
+                </a:cubicBezTo>
+                <a:cubicBezTo>
+                  <a:pt x="8822499" y="-25614"/>
+                  <a:pt x="9163239" y="48603"/>
+                  <a:pt x="9692640" y="0"/>
+                </a:cubicBezTo>
+                <a:cubicBezTo>
+                  <a:pt x="9691955" y="4437"/>
+                  <a:pt x="9693170" y="10717"/>
+                  <a:pt x="9692640" y="18288"/>
+                </a:cubicBezTo>
+                <a:cubicBezTo>
+                  <a:pt x="9545125" y="42172"/>
+                  <a:pt x="9164259" y="6706"/>
+                  <a:pt x="9000309" y="18288"/>
+                </a:cubicBezTo>
+                <a:cubicBezTo>
+                  <a:pt x="8836359" y="29870"/>
+                  <a:pt x="8521035" y="-14108"/>
+                  <a:pt x="8307977" y="18288"/>
+                </a:cubicBezTo>
+                <a:cubicBezTo>
+                  <a:pt x="8094919" y="50684"/>
+                  <a:pt x="7881757" y="11235"/>
+                  <a:pt x="7712572" y="18288"/>
+                </a:cubicBezTo>
+                <a:cubicBezTo>
+                  <a:pt x="7543387" y="25341"/>
+                  <a:pt x="7358861" y="20625"/>
+                  <a:pt x="7214093" y="18288"/>
+                </a:cubicBezTo>
+                <a:cubicBezTo>
+                  <a:pt x="7069325" y="15951"/>
+                  <a:pt x="6523705" y="52160"/>
+                  <a:pt x="6327909" y="18288"/>
+                </a:cubicBezTo>
+                <a:cubicBezTo>
+                  <a:pt x="6132113" y="-15584"/>
+                  <a:pt x="5923847" y="21204"/>
+                  <a:pt x="5635578" y="18288"/>
+                </a:cubicBezTo>
+                <a:cubicBezTo>
+                  <a:pt x="5347309" y="15372"/>
+                  <a:pt x="5114749" y="50642"/>
+                  <a:pt x="4846320" y="18288"/>
+                </a:cubicBezTo>
+                <a:cubicBezTo>
+                  <a:pt x="4577891" y="-14066"/>
+                  <a:pt x="4576701" y="1487"/>
+                  <a:pt x="4444768" y="18288"/>
+                </a:cubicBezTo>
+                <a:cubicBezTo>
+                  <a:pt x="4312835" y="35089"/>
+                  <a:pt x="4112575" y="15158"/>
+                  <a:pt x="3946289" y="18288"/>
+                </a:cubicBezTo>
+                <a:cubicBezTo>
+                  <a:pt x="3780003" y="21418"/>
+                  <a:pt x="3396009" y="18797"/>
+                  <a:pt x="3253958" y="18288"/>
+                </a:cubicBezTo>
+                <a:cubicBezTo>
+                  <a:pt x="3111907" y="17779"/>
+                  <a:pt x="2760272" y="57223"/>
+                  <a:pt x="2464700" y="18288"/>
+                </a:cubicBezTo>
+                <a:cubicBezTo>
+                  <a:pt x="2169128" y="-20647"/>
+                  <a:pt x="2232262" y="7960"/>
+                  <a:pt x="2063148" y="18288"/>
+                </a:cubicBezTo>
+                <a:cubicBezTo>
+                  <a:pt x="1894034" y="28616"/>
+                  <a:pt x="1799338" y="3019"/>
+                  <a:pt x="1661595" y="18288"/>
+                </a:cubicBezTo>
+                <a:cubicBezTo>
+                  <a:pt x="1523852" y="33557"/>
+                  <a:pt x="1113928" y="-4352"/>
+                  <a:pt x="969264" y="18288"/>
+                </a:cubicBezTo>
+                <a:cubicBezTo>
+                  <a:pt x="824600" y="40928"/>
+                  <a:pt x="356149" y="-3128"/>
+                  <a:pt x="0" y="18288"/>
+                </a:cubicBezTo>
+                <a:cubicBezTo>
+                  <a:pt x="-540" y="12521"/>
+                  <a:pt x="894" y="7749"/>
+                  <a:pt x="0" y="0"/>
+                </a:cubicBezTo>
+                <a:close/>
+              </a:path>
+              <a:path w="9692640" h="18288" stroke="0" extrusionOk="0">
+                <a:moveTo>
+                  <a:pt x="0" y="0"/>
+                </a:moveTo>
+                <a:cubicBezTo>
+                  <a:pt x="162642" y="3864"/>
+                  <a:pt x="346119" y="-18364"/>
+                  <a:pt x="498479" y="0"/>
+                </a:cubicBezTo>
+                <a:cubicBezTo>
+                  <a:pt x="650839" y="18364"/>
+                  <a:pt x="712065" y="-9389"/>
+                  <a:pt x="900031" y="0"/>
+                </a:cubicBezTo>
+                <a:cubicBezTo>
+                  <a:pt x="1087997" y="9389"/>
+                  <a:pt x="1177291" y="3685"/>
+                  <a:pt x="1398509" y="0"/>
+                </a:cubicBezTo>
+                <a:cubicBezTo>
+                  <a:pt x="1619727" y="-3685"/>
+                  <a:pt x="1874008" y="-8897"/>
+                  <a:pt x="2090841" y="0"/>
+                </a:cubicBezTo>
+                <a:cubicBezTo>
+                  <a:pt x="2307674" y="8897"/>
+                  <a:pt x="2573432" y="-313"/>
+                  <a:pt x="2880099" y="0"/>
+                </a:cubicBezTo>
+                <a:cubicBezTo>
+                  <a:pt x="3186766" y="313"/>
+                  <a:pt x="3422577" y="10664"/>
+                  <a:pt x="3766283" y="0"/>
+                </a:cubicBezTo>
+                <a:cubicBezTo>
+                  <a:pt x="4109989" y="-10664"/>
+                  <a:pt x="4342683" y="-32873"/>
+                  <a:pt x="4652467" y="0"/>
+                </a:cubicBezTo>
+                <a:cubicBezTo>
+                  <a:pt x="4962251" y="32873"/>
+                  <a:pt x="5122120" y="29155"/>
+                  <a:pt x="5247872" y="0"/>
+                </a:cubicBezTo>
+                <a:cubicBezTo>
+                  <a:pt x="5373625" y="-29155"/>
+                  <a:pt x="5749491" y="1706"/>
+                  <a:pt x="6037130" y="0"/>
+                </a:cubicBezTo>
+                <a:cubicBezTo>
+                  <a:pt x="6324769" y="-1706"/>
+                  <a:pt x="6531407" y="1172"/>
+                  <a:pt x="6729461" y="0"/>
+                </a:cubicBezTo>
+                <a:cubicBezTo>
+                  <a:pt x="6927515" y="-1172"/>
+                  <a:pt x="7096794" y="-1520"/>
+                  <a:pt x="7324867" y="0"/>
+                </a:cubicBezTo>
+                <a:cubicBezTo>
+                  <a:pt x="7552940" y="1520"/>
+                  <a:pt x="7878827" y="-17110"/>
+                  <a:pt x="8114124" y="0"/>
+                </a:cubicBezTo>
+                <a:cubicBezTo>
+                  <a:pt x="8349421" y="17110"/>
+                  <a:pt x="8334208" y="15114"/>
+                  <a:pt x="8515677" y="0"/>
+                </a:cubicBezTo>
+                <a:cubicBezTo>
+                  <a:pt x="8697146" y="-15114"/>
+                  <a:pt x="9236164" y="22466"/>
+                  <a:pt x="9692640" y="0"/>
+                </a:cubicBezTo>
+                <a:cubicBezTo>
+                  <a:pt x="9692735" y="8251"/>
+                  <a:pt x="9692514" y="12333"/>
+                  <a:pt x="9692640" y="18288"/>
+                </a:cubicBezTo>
+                <a:cubicBezTo>
+                  <a:pt x="9410102" y="47398"/>
+                  <a:pt x="9172773" y="7109"/>
+                  <a:pt x="9000309" y="18288"/>
+                </a:cubicBezTo>
+                <a:cubicBezTo>
+                  <a:pt x="8827845" y="29467"/>
+                  <a:pt x="8713608" y="28372"/>
+                  <a:pt x="8501830" y="18288"/>
+                </a:cubicBezTo>
+                <a:cubicBezTo>
+                  <a:pt x="8290052" y="8204"/>
+                  <a:pt x="7893416" y="3561"/>
+                  <a:pt x="7712572" y="18288"/>
+                </a:cubicBezTo>
+                <a:cubicBezTo>
+                  <a:pt x="7531728" y="33015"/>
+                  <a:pt x="7480716" y="17052"/>
+                  <a:pt x="7311020" y="18288"/>
+                </a:cubicBezTo>
+                <a:cubicBezTo>
+                  <a:pt x="7141324" y="19524"/>
+                  <a:pt x="6962706" y="15975"/>
+                  <a:pt x="6618688" y="18288"/>
+                </a:cubicBezTo>
+                <a:cubicBezTo>
+                  <a:pt x="6274670" y="20601"/>
+                  <a:pt x="6230664" y="-1692"/>
+                  <a:pt x="6120210" y="18288"/>
+                </a:cubicBezTo>
+                <a:cubicBezTo>
+                  <a:pt x="6009756" y="38268"/>
+                  <a:pt x="5442516" y="28115"/>
+                  <a:pt x="5234026" y="18288"/>
+                </a:cubicBezTo>
+                <a:cubicBezTo>
+                  <a:pt x="5025536" y="8461"/>
+                  <a:pt x="4953693" y="18182"/>
+                  <a:pt x="4832473" y="18288"/>
+                </a:cubicBezTo>
+                <a:cubicBezTo>
+                  <a:pt x="4711253" y="18394"/>
+                  <a:pt x="4414565" y="-11251"/>
+                  <a:pt x="4140142" y="18288"/>
+                </a:cubicBezTo>
+                <a:cubicBezTo>
+                  <a:pt x="3865719" y="47827"/>
+                  <a:pt x="3819081" y="16772"/>
+                  <a:pt x="3738590" y="18288"/>
+                </a:cubicBezTo>
+                <a:cubicBezTo>
+                  <a:pt x="3658099" y="19804"/>
+                  <a:pt x="3427576" y="1385"/>
+                  <a:pt x="3240111" y="18288"/>
+                </a:cubicBezTo>
+                <a:cubicBezTo>
+                  <a:pt x="3052646" y="35191"/>
+                  <a:pt x="2749652" y="-13914"/>
+                  <a:pt x="2450853" y="18288"/>
+                </a:cubicBezTo>
+                <a:cubicBezTo>
+                  <a:pt x="2152054" y="50490"/>
+                  <a:pt x="1928331" y="61101"/>
+                  <a:pt x="1564669" y="18288"/>
+                </a:cubicBezTo>
+                <a:cubicBezTo>
+                  <a:pt x="1201007" y="-24525"/>
+                  <a:pt x="1217828" y="-275"/>
+                  <a:pt x="1066190" y="18288"/>
+                </a:cubicBezTo>
+                <a:cubicBezTo>
+                  <a:pt x="914552" y="36851"/>
+                  <a:pt x="418290" y="-14785"/>
+                  <a:pt x="0" y="18288"/>
+                </a:cubicBezTo>
+                <a:cubicBezTo>
+                  <a:pt x="641" y="14236"/>
+                  <a:pt x="889" y="7550"/>
+                  <a:pt x="0" y="0"/>
+                </a:cubicBezTo>
+                <a:close/>
+              </a:path>
+            </a:pathLst>
+          </a:custGeom>
+          <a:solidFill>
+            <a:srgbClr val="FFFFFF">
+              <a:alpha val="75000"/>
+            </a:srgbClr>
+          </a:solidFill>
+          <a:ln w="44450" cap="rnd">
+            <a:solidFill>
+              <a:srgbClr val="FFFFFF">
+                <a:alpha val="75000"/>
+              </a:srgbClr>
+            </a:solidFill>
+            <a:round/>
+            <a:extLst>
+              <a:ext uri="{C807C97D-BFC1-408E-A445-0C87EB9F89A2}">
+                <ask:lineSketchStyleProps xmlns:ask="http://schemas.microsoft.com/office/drawing/2018/sketchyshapes" sd="2727557108">
+                  <a:prstGeom prst="rect">
+                    <a:avLst/>
+                  </a:prstGeom>
+                  <ask:type>
+                    <ask:lineSketchFreehand/>
+                  </ask:type>
+                </ask:lineSketchStyleProps>
+              </a:ext>
+            </a:extLst>
+          </a:ln>
+        </p:spPr>
+        <p:style>
+          <a:lnRef idx="2">
+            <a:schemeClr val="accent1">
+              <a:shade val="50000"/>
+            </a:schemeClr>
+          </a:lnRef>
+          <a:fillRef idx="1">
+            <a:schemeClr val="accent1"/>
+          </a:fillRef>
+          <a:effectRef idx="0">
+            <a:schemeClr val="accent1"/>
+          </a:effectRef>
+          <a:fontRef idx="minor">
+            <a:schemeClr val="lt1"/>
+          </a:fontRef>
+        </p:style>
+        <p:txBody>
+          <a:bodyPr rtlCol="0" anchor="ctr"/>
+          <a:lstStyle/>
+          <a:p>
+            <a:pPr algn="ctr"/>
+            <a:endParaRPr lang="en-US"/>
           </a:p>
         </p:txBody>
       </p:sp>
@@ -3471,116 +5629,242 @@
             <p:ph idx="1"/>
           </p:nvPr>
         </p:nvSpPr>
-        <p:spPr/>
-        <p:txBody>
-          <a:bodyPr/>
+        <p:spPr>
+          <a:xfrm>
+            <a:off x="838200" y="2004446"/>
+            <a:ext cx="10515600" cy="4176897"/>
+          </a:xfrm>
+        </p:spPr>
+        <p:txBody>
+          <a:bodyPr>
+            <a:normAutofit/>
+          </a:bodyPr>
           <a:lstStyle/>
           <a:p>
-            <a:r>
-              <a:rPr lang="de-DE" dirty="0" err="1"/>
+            <a:pPr marL="457200" indent="-457200">
+              <a:buFont typeface="+mj-lt"/>
+              <a:buAutoNum type="arabicPeriod"/>
+            </a:pPr>
+            <a:r>
+              <a:rPr lang="de-DE" sz="2400" b="1" dirty="0" err="1">
+                <a:solidFill>
+                  <a:srgbClr val="FFFFFF"/>
+                </a:solidFill>
+              </a:rPr>
               <a:t>Recap</a:t>
             </a:r>
             <a:r>
-              <a:rPr lang="de-DE" dirty="0"/>
-              <a:t> </a:t>
-            </a:r>
-            <a:r>
-              <a:rPr lang="de-DE" dirty="0" err="1"/>
+              <a:rPr lang="de-DE" sz="2400" b="1" dirty="0">
+                <a:solidFill>
+                  <a:srgbClr val="FFFFFF"/>
+                </a:solidFill>
+              </a:rPr>
+              <a:t> </a:t>
+            </a:r>
+            <a:r>
+              <a:rPr lang="de-DE" sz="2400" b="1" dirty="0" err="1">
+                <a:solidFill>
+                  <a:srgbClr val="FFFFFF"/>
+                </a:solidFill>
+              </a:rPr>
               <a:t>of</a:t>
             </a:r>
             <a:r>
-              <a:rPr lang="de-DE" dirty="0"/>
-              <a:t> </a:t>
-            </a:r>
-            <a:r>
-              <a:rPr lang="de-DE" dirty="0" err="1"/>
+              <a:rPr lang="de-DE" sz="2400" b="1" dirty="0">
+                <a:solidFill>
+                  <a:srgbClr val="FFFFFF"/>
+                </a:solidFill>
+              </a:rPr>
+              <a:t> </a:t>
+            </a:r>
+            <a:r>
+              <a:rPr lang="de-DE" sz="2400" b="1" dirty="0" err="1">
+                <a:solidFill>
+                  <a:srgbClr val="FFFFFF"/>
+                </a:solidFill>
+              </a:rPr>
               <a:t>project</a:t>
             </a:r>
             <a:r>
-              <a:rPr lang="de-DE" dirty="0"/>
-              <a:t> </a:t>
-            </a:r>
-            <a:r>
-              <a:rPr lang="de-DE" dirty="0" err="1"/>
+              <a:rPr lang="de-DE" sz="2400" b="1" dirty="0">
+                <a:solidFill>
+                  <a:srgbClr val="FFFFFF"/>
+                </a:solidFill>
+              </a:rPr>
+              <a:t> </a:t>
+            </a:r>
+            <a:r>
+              <a:rPr lang="de-DE" sz="2400" b="1" dirty="0" err="1">
+                <a:solidFill>
+                  <a:srgbClr val="FFFFFF"/>
+                </a:solidFill>
+              </a:rPr>
               <a:t>aim</a:t>
             </a:r>
             <a:r>
-              <a:rPr lang="de-DE" dirty="0"/>
+              <a:rPr lang="de-DE" sz="2400" b="1" dirty="0">
+                <a:solidFill>
+                  <a:srgbClr val="FFFFFF"/>
+                </a:solidFill>
+              </a:rPr>
               <a:t> and </a:t>
             </a:r>
             <a:r>
-              <a:rPr lang="de-DE" dirty="0" err="1"/>
+              <a:rPr lang="de-DE" sz="2400" b="1" dirty="0" err="1">
+                <a:solidFill>
+                  <a:srgbClr val="FFFFFF"/>
+                </a:solidFill>
+              </a:rPr>
               <a:t>challenges</a:t>
             </a:r>
-            <a:endParaRPr lang="de-DE" dirty="0"/>
-          </a:p>
-          <a:p>
-            <a:r>
-              <a:rPr lang="de-DE" dirty="0" err="1"/>
+            <a:endParaRPr lang="de-DE" sz="2400" b="1" dirty="0">
+              <a:solidFill>
+                <a:srgbClr val="FFFFFF"/>
+              </a:solidFill>
+            </a:endParaRPr>
+          </a:p>
+          <a:p>
+            <a:pPr marL="457200" indent="-457200">
+              <a:buFont typeface="+mj-lt"/>
+              <a:buAutoNum type="arabicPeriod"/>
+            </a:pPr>
+            <a:r>
+              <a:rPr lang="de-DE" sz="2400" b="1" dirty="0" err="1">
+                <a:solidFill>
+                  <a:srgbClr val="FFFFFF"/>
+                </a:solidFill>
+              </a:rPr>
               <a:t>Methodology</a:t>
             </a:r>
-            <a:endParaRPr lang="de-DE" dirty="0"/>
-          </a:p>
-          <a:p>
-            <a:r>
-              <a:rPr lang="de-DE" dirty="0"/>
+            <a:endParaRPr lang="de-DE" sz="2400" b="1" dirty="0">
+              <a:solidFill>
+                <a:srgbClr val="FFFFFF"/>
+              </a:solidFill>
+            </a:endParaRPr>
+          </a:p>
+          <a:p>
+            <a:pPr marL="457200" indent="-457200">
+              <a:buFont typeface="+mj-lt"/>
+              <a:buAutoNum type="arabicPeriod"/>
+            </a:pPr>
+            <a:r>
+              <a:rPr lang="de-DE" sz="2400" b="1" dirty="0">
+                <a:solidFill>
+                  <a:srgbClr val="FFFFFF"/>
+                </a:solidFill>
+              </a:rPr>
               <a:t>Sneak Peak and </a:t>
             </a:r>
             <a:r>
-              <a:rPr lang="de-DE" dirty="0" err="1"/>
+              <a:rPr lang="de-DE" sz="2400" b="1" dirty="0" err="1">
+                <a:solidFill>
+                  <a:srgbClr val="FFFFFF"/>
+                </a:solidFill>
+              </a:rPr>
               <a:t>general</a:t>
             </a:r>
             <a:r>
-              <a:rPr lang="de-DE" dirty="0"/>
-              <a:t> </a:t>
-            </a:r>
-            <a:r>
-              <a:rPr lang="de-DE" dirty="0" err="1"/>
+              <a:rPr lang="de-DE" sz="2400" b="1" dirty="0">
+                <a:solidFill>
+                  <a:srgbClr val="FFFFFF"/>
+                </a:solidFill>
+              </a:rPr>
+              <a:t> </a:t>
+            </a:r>
+            <a:r>
+              <a:rPr lang="de-DE" sz="2400" b="1" dirty="0" err="1">
+                <a:solidFill>
+                  <a:srgbClr val="FFFFFF"/>
+                </a:solidFill>
+              </a:rPr>
               <a:t>insights</a:t>
             </a:r>
-            <a:endParaRPr lang="de-DE" dirty="0"/>
-          </a:p>
-          <a:p>
-            <a:r>
-              <a:rPr lang="de-DE" dirty="0"/>
+            <a:endParaRPr lang="de-DE" sz="2400" b="1" dirty="0">
+              <a:solidFill>
+                <a:srgbClr val="FFFFFF"/>
+              </a:solidFill>
+            </a:endParaRPr>
+          </a:p>
+          <a:p>
+            <a:pPr marL="457200" indent="-457200">
+              <a:buFont typeface="+mj-lt"/>
+              <a:buAutoNum type="arabicPeriod"/>
+            </a:pPr>
+            <a:r>
+              <a:rPr lang="de-DE" sz="2400" b="1" dirty="0">
+                <a:solidFill>
+                  <a:srgbClr val="FFFFFF"/>
+                </a:solidFill>
+              </a:rPr>
               <a:t>Showcase – </a:t>
             </a:r>
             <a:r>
-              <a:rPr lang="de-DE" dirty="0" err="1"/>
+              <a:rPr lang="de-DE" sz="2400" b="1" dirty="0" err="1">
+                <a:solidFill>
+                  <a:srgbClr val="FFFFFF"/>
+                </a:solidFill>
+              </a:rPr>
               <a:t>Predict</a:t>
             </a:r>
             <a:r>
-              <a:rPr lang="de-DE" dirty="0"/>
+              <a:rPr lang="de-DE" sz="2400" b="1" dirty="0">
+                <a:solidFill>
+                  <a:srgbClr val="FFFFFF"/>
+                </a:solidFill>
+              </a:rPr>
               <a:t> in </a:t>
             </a:r>
             <a:r>
-              <a:rPr lang="de-DE" dirty="0" err="1"/>
+              <a:rPr lang="de-DE" sz="2400" b="1" dirty="0" err="1">
+                <a:solidFill>
+                  <a:srgbClr val="FFFFFF"/>
+                </a:solidFill>
+              </a:rPr>
               <a:t>Production</a:t>
             </a:r>
-            <a:endParaRPr lang="de-DE" dirty="0"/>
-          </a:p>
-          <a:p>
-            <a:r>
-              <a:rPr lang="de-DE" dirty="0" err="1"/>
+            <a:endParaRPr lang="de-DE" sz="2400" b="1" dirty="0">
+              <a:solidFill>
+                <a:srgbClr val="FFFFFF"/>
+              </a:solidFill>
+            </a:endParaRPr>
+          </a:p>
+          <a:p>
+            <a:pPr marL="457200" indent="-457200">
+              <a:buFont typeface="+mj-lt"/>
+              <a:buAutoNum type="arabicPeriod"/>
+            </a:pPr>
+            <a:r>
+              <a:rPr lang="de-DE" sz="2400" b="1" dirty="0" err="1">
+                <a:solidFill>
+                  <a:srgbClr val="FFFFFF"/>
+                </a:solidFill>
+              </a:rPr>
               <a:t>Lessons</a:t>
             </a:r>
             <a:r>
-              <a:rPr lang="de-DE" dirty="0"/>
-              <a:t> </a:t>
-            </a:r>
-            <a:r>
-              <a:rPr lang="de-DE" dirty="0" err="1"/>
+              <a:rPr lang="de-DE" sz="2400" b="1" dirty="0">
+                <a:solidFill>
+                  <a:srgbClr val="FFFFFF"/>
+                </a:solidFill>
+              </a:rPr>
+              <a:t> </a:t>
+            </a:r>
+            <a:r>
+              <a:rPr lang="de-DE" sz="2400" b="1" dirty="0" err="1">
+                <a:solidFill>
+                  <a:srgbClr val="FFFFFF"/>
+                </a:solidFill>
+              </a:rPr>
               <a:t>Learned</a:t>
             </a:r>
             <a:r>
-              <a:rPr lang="de-DE" dirty="0"/>
-              <a:t> </a:t>
-            </a:r>
-            <a:r>
-              <a:rPr lang="de-DE"/>
-              <a:t>and Outlook</a:t>
-            </a:r>
-            <a:endParaRPr lang="de-DE" dirty="0"/>
+              <a:rPr lang="de-DE" sz="2400" b="1" dirty="0">
+                <a:solidFill>
+                  <a:srgbClr val="FFFFFF"/>
+                </a:solidFill>
+              </a:rPr>
+              <a:t> and Outlook</a:t>
+            </a:r>
           </a:p>
         </p:txBody>
       </p:sp>
@@ -3592,7 +5876,7 @@
     </p:extLst>
   </p:cSld>
   <p:clrMapOvr>
-    <a:masterClrMapping/>
+    <a:overrideClrMapping bg1="dk1" tx1="lt1" bg2="dk2" tx2="lt2" accent1="accent1" accent2="accent2" accent3="accent3" accent4="accent4" accent5="accent5" accent6="accent6" hlink="hlink" folHlink="folHlink"/>
   </p:clrMapOvr>
 </p:sld>
 </file>
@@ -3600,6 +5884,14 @@
 <file path=ppt/slides/slide3.xml><?xml version="1.0" encoding="utf-8"?>
 <p:sld xmlns:a="http://schemas.openxmlformats.org/drawingml/2006/main" xmlns:r="http://schemas.openxmlformats.org/officeDocument/2006/relationships" xmlns:p="http://schemas.openxmlformats.org/presentationml/2006/main">
   <p:cSld>
+    <p:bg>
+      <p:bgPr>
+        <a:solidFill>
+          <a:schemeClr val="bg1"/>
+        </a:solidFill>
+        <a:effectLst/>
+      </p:bgPr>
+    </p:bg>
     <p:spTree>
       <p:nvGrpSpPr>
         <p:cNvPr id="1" name=""/>
@@ -3614,6 +5906,66 @@
           <a:chExt cx="0" cy="0"/>
         </a:xfrm>
       </p:grpSpPr>
+      <p:sp useBgFill="1">
+        <p:nvSpPr>
+          <p:cNvPr id="3089" name="Rectangle 3080">
+            <a:extLst>
+              <a:ext uri="{FF2B5EF4-FFF2-40B4-BE49-F238E27FC236}">
+                <a16:creationId xmlns:a16="http://schemas.microsoft.com/office/drawing/2014/main" id="{F13C74B1-5B17-4795-BED0-7140497B445A}"/>
+              </a:ext>
+              <a:ext uri="{C183D7F6-B498-43B3-948B-1728B52AA6E4}">
+                <adec:decorative xmlns:adec="http://schemas.microsoft.com/office/drawing/2017/decorative" val="1"/>
+              </a:ext>
+            </a:extLst>
+          </p:cNvPr>
+          <p:cNvSpPr>
+            <a:spLocks noGrp="1" noRot="1" noChangeAspect="1" noMove="1" noResize="1" noEditPoints="1" noAdjustHandles="1" noChangeArrowheads="1" noChangeShapeType="1" noTextEdit="1"/>
+          </p:cNvSpPr>
+          <p:nvPr>
+            <p:extLst>
+              <p:ext uri="{386F3935-93C4-4BCD-93E2-E3B085C9AB24}">
+                <p16:designElem xmlns:p16="http://schemas.microsoft.com/office/powerpoint/2015/main" val="1"/>
+              </p:ext>
+            </p:extLst>
+          </p:nvPr>
+        </p:nvSpPr>
+        <p:spPr>
+          <a:xfrm>
+            <a:off x="0" y="0"/>
+            <a:ext cx="12188952" cy="6858000"/>
+          </a:xfrm>
+          <a:prstGeom prst="rect">
+            <a:avLst/>
+          </a:prstGeom>
+          <a:ln>
+            <a:noFill/>
+          </a:ln>
+        </p:spPr>
+        <p:style>
+          <a:lnRef idx="2">
+            <a:schemeClr val="accent1">
+              <a:shade val="50000"/>
+            </a:schemeClr>
+          </a:lnRef>
+          <a:fillRef idx="1">
+            <a:schemeClr val="accent1"/>
+          </a:fillRef>
+          <a:effectRef idx="0">
+            <a:schemeClr val="accent1"/>
+          </a:effectRef>
+          <a:fontRef idx="minor">
+            <a:schemeClr val="lt1"/>
+          </a:fontRef>
+        </p:style>
+        <p:txBody>
+          <a:bodyPr rtlCol="0" anchor="ctr"/>
+          <a:lstStyle/>
+          <a:p>
+            <a:pPr algn="ctr"/>
+            <a:endParaRPr lang="en-US"/>
+          </a:p>
+        </p:txBody>
+      </p:sp>
       <p:sp>
         <p:nvSpPr>
           <p:cNvPr id="2" name="Titel 1">
@@ -3630,456 +5982,644 @@
             <p:ph type="title"/>
           </p:nvPr>
         </p:nvSpPr>
-        <p:spPr/>
-        <p:txBody>
-          <a:bodyPr/>
+        <p:spPr>
+          <a:xfrm>
+            <a:off x="640080" y="325369"/>
+            <a:ext cx="4368602" cy="1956841"/>
+          </a:xfrm>
+        </p:spPr>
+        <p:txBody>
+          <a:bodyPr anchor="b">
+            <a:normAutofit/>
+          </a:bodyPr>
           <a:lstStyle/>
           <a:p>
             <a:r>
-              <a:rPr lang="de-DE" dirty="0" err="1"/>
+              <a:rPr lang="de-DE" sz="4600" dirty="0" err="1"/>
               <a:t>Recap</a:t>
             </a:r>
             <a:r>
-              <a:rPr lang="de-DE" dirty="0"/>
-              <a:t> (1 min)</a:t>
+              <a:rPr lang="de-DE" sz="4600" dirty="0"/>
+              <a:t>: Problem Statement </a:t>
             </a:r>
           </a:p>
         </p:txBody>
       </p:sp>
       <p:sp>
         <p:nvSpPr>
-          <p:cNvPr id="3" name="Inhaltsplatzhalter 2">
+          <p:cNvPr id="3083" name="sketchy line">
             <a:extLst>
               <a:ext uri="{FF2B5EF4-FFF2-40B4-BE49-F238E27FC236}">
-                <a16:creationId xmlns:a16="http://schemas.microsoft.com/office/drawing/2014/main" id="{4CFEA40D-B157-6874-FF12-40B69D1A81D5}"/>
+                <a16:creationId xmlns:a16="http://schemas.microsoft.com/office/drawing/2014/main" id="{D4974D33-8DC5-464E-8C6D-BE58F0669C17}"/>
+              </a:ext>
+              <a:ext uri="{C183D7F6-B498-43B3-948B-1728B52AA6E4}">
+                <adec:decorative xmlns:adec="http://schemas.microsoft.com/office/drawing/2017/decorative" val="1"/>
               </a:ext>
             </a:extLst>
           </p:cNvPr>
           <p:cNvSpPr>
+            <a:spLocks noGrp="1" noRot="1" noChangeAspect="1" noMove="1" noResize="1" noEditPoints="1" noAdjustHandles="1" noChangeArrowheads="1" noChangeShapeType="1" noTextEdit="1"/>
+          </p:cNvSpPr>
+          <p:nvPr>
+            <p:extLst>
+              <p:ext uri="{386F3935-93C4-4BCD-93E2-E3B085C9AB24}">
+                <p16:designElem xmlns:p16="http://schemas.microsoft.com/office/powerpoint/2015/main" val="1"/>
+              </p:ext>
+            </p:extLst>
+          </p:nvPr>
+        </p:nvSpPr>
+        <p:spPr>
+          <a:xfrm>
+            <a:off x="640080" y="2586994"/>
+            <a:ext cx="3474720" cy="18288"/>
+          </a:xfrm>
+          <a:custGeom>
+            <a:avLst/>
+            <a:gdLst>
+              <a:gd name="connsiteX0" fmla="*/ 0 w 3474720"/>
+              <a:gd name="connsiteY0" fmla="*/ 0 h 18288"/>
+              <a:gd name="connsiteX1" fmla="*/ 694944 w 3474720"/>
+              <a:gd name="connsiteY1" fmla="*/ 0 h 18288"/>
+              <a:gd name="connsiteX2" fmla="*/ 1355141 w 3474720"/>
+              <a:gd name="connsiteY2" fmla="*/ 0 h 18288"/>
+              <a:gd name="connsiteX3" fmla="*/ 2015338 w 3474720"/>
+              <a:gd name="connsiteY3" fmla="*/ 0 h 18288"/>
+              <a:gd name="connsiteX4" fmla="*/ 2779776 w 3474720"/>
+              <a:gd name="connsiteY4" fmla="*/ 0 h 18288"/>
+              <a:gd name="connsiteX5" fmla="*/ 3474720 w 3474720"/>
+              <a:gd name="connsiteY5" fmla="*/ 0 h 18288"/>
+              <a:gd name="connsiteX6" fmla="*/ 3474720 w 3474720"/>
+              <a:gd name="connsiteY6" fmla="*/ 18288 h 18288"/>
+              <a:gd name="connsiteX7" fmla="*/ 2779776 w 3474720"/>
+              <a:gd name="connsiteY7" fmla="*/ 18288 h 18288"/>
+              <a:gd name="connsiteX8" fmla="*/ 2189074 w 3474720"/>
+              <a:gd name="connsiteY8" fmla="*/ 18288 h 18288"/>
+              <a:gd name="connsiteX9" fmla="*/ 1528877 w 3474720"/>
+              <a:gd name="connsiteY9" fmla="*/ 18288 h 18288"/>
+              <a:gd name="connsiteX10" fmla="*/ 868680 w 3474720"/>
+              <a:gd name="connsiteY10" fmla="*/ 18288 h 18288"/>
+              <a:gd name="connsiteX11" fmla="*/ 0 w 3474720"/>
+              <a:gd name="connsiteY11" fmla="*/ 18288 h 18288"/>
+              <a:gd name="connsiteX12" fmla="*/ 0 w 3474720"/>
+              <a:gd name="connsiteY12" fmla="*/ 0 h 18288"/>
+            </a:gdLst>
+            <a:ahLst/>
+            <a:cxnLst>
+              <a:cxn ang="0">
+                <a:pos x="connsiteX0" y="connsiteY0"/>
+              </a:cxn>
+              <a:cxn ang="0">
+                <a:pos x="connsiteX1" y="connsiteY1"/>
+              </a:cxn>
+              <a:cxn ang="0">
+                <a:pos x="connsiteX2" y="connsiteY2"/>
+              </a:cxn>
+              <a:cxn ang="0">
+                <a:pos x="connsiteX3" y="connsiteY3"/>
+              </a:cxn>
+              <a:cxn ang="0">
+                <a:pos x="connsiteX4" y="connsiteY4"/>
+              </a:cxn>
+              <a:cxn ang="0">
+                <a:pos x="connsiteX5" y="connsiteY5"/>
+              </a:cxn>
+              <a:cxn ang="0">
+                <a:pos x="connsiteX6" y="connsiteY6"/>
+              </a:cxn>
+              <a:cxn ang="0">
+                <a:pos x="connsiteX7" y="connsiteY7"/>
+              </a:cxn>
+              <a:cxn ang="0">
+                <a:pos x="connsiteX8" y="connsiteY8"/>
+              </a:cxn>
+              <a:cxn ang="0">
+                <a:pos x="connsiteX9" y="connsiteY9"/>
+              </a:cxn>
+              <a:cxn ang="0">
+                <a:pos x="connsiteX10" y="connsiteY10"/>
+              </a:cxn>
+              <a:cxn ang="0">
+                <a:pos x="connsiteX11" y="connsiteY11"/>
+              </a:cxn>
+              <a:cxn ang="0">
+                <a:pos x="connsiteX12" y="connsiteY12"/>
+              </a:cxn>
+            </a:cxnLst>
+            <a:rect l="l" t="t" r="r" b="b"/>
+            <a:pathLst>
+              <a:path w="3474720" h="18288" fill="none" extrusionOk="0">
+                <a:moveTo>
+                  <a:pt x="0" y="0"/>
+                </a:moveTo>
+                <a:cubicBezTo>
+                  <a:pt x="224454" y="-14544"/>
+                  <a:pt x="495407" y="26540"/>
+                  <a:pt x="694944" y="0"/>
+                </a:cubicBezTo>
+                <a:cubicBezTo>
+                  <a:pt x="894481" y="-26540"/>
+                  <a:pt x="1130063" y="24713"/>
+                  <a:pt x="1355141" y="0"/>
+                </a:cubicBezTo>
+                <a:cubicBezTo>
+                  <a:pt x="1580219" y="-24713"/>
+                  <a:pt x="1820099" y="26695"/>
+                  <a:pt x="2015338" y="0"/>
+                </a:cubicBezTo>
+                <a:cubicBezTo>
+                  <a:pt x="2210577" y="-26695"/>
+                  <a:pt x="2402045" y="165"/>
+                  <a:pt x="2779776" y="0"/>
+                </a:cubicBezTo>
+                <a:cubicBezTo>
+                  <a:pt x="3157507" y="-165"/>
+                  <a:pt x="3286859" y="-15571"/>
+                  <a:pt x="3474720" y="0"/>
+                </a:cubicBezTo>
+                <a:cubicBezTo>
+                  <a:pt x="3474286" y="7551"/>
+                  <a:pt x="3474253" y="9822"/>
+                  <a:pt x="3474720" y="18288"/>
+                </a:cubicBezTo>
+                <a:cubicBezTo>
+                  <a:pt x="3233904" y="29845"/>
+                  <a:pt x="2945134" y="-5256"/>
+                  <a:pt x="2779776" y="18288"/>
+                </a:cubicBezTo>
+                <a:cubicBezTo>
+                  <a:pt x="2614418" y="41832"/>
+                  <a:pt x="2339768" y="22709"/>
+                  <a:pt x="2189074" y="18288"/>
+                </a:cubicBezTo>
+                <a:cubicBezTo>
+                  <a:pt x="2038380" y="13867"/>
+                  <a:pt x="1817434" y="-4947"/>
+                  <a:pt x="1528877" y="18288"/>
+                </a:cubicBezTo>
+                <a:cubicBezTo>
+                  <a:pt x="1240320" y="41523"/>
+                  <a:pt x="1042447" y="37198"/>
+                  <a:pt x="868680" y="18288"/>
+                </a:cubicBezTo>
+                <a:cubicBezTo>
+                  <a:pt x="694913" y="-622"/>
+                  <a:pt x="233232" y="44909"/>
+                  <a:pt x="0" y="18288"/>
+                </a:cubicBezTo>
+                <a:cubicBezTo>
+                  <a:pt x="60" y="11696"/>
+                  <a:pt x="66" y="3758"/>
+                  <a:pt x="0" y="0"/>
+                </a:cubicBezTo>
+                <a:close/>
+              </a:path>
+              <a:path w="3474720" h="18288" stroke="0" extrusionOk="0">
+                <a:moveTo>
+                  <a:pt x="0" y="0"/>
+                </a:moveTo>
+                <a:cubicBezTo>
+                  <a:pt x="202328" y="-14716"/>
+                  <a:pt x="332722" y="-11499"/>
+                  <a:pt x="625450" y="0"/>
+                </a:cubicBezTo>
+                <a:cubicBezTo>
+                  <a:pt x="918178" y="11499"/>
+                  <a:pt x="1096688" y="5123"/>
+                  <a:pt x="1389888" y="0"/>
+                </a:cubicBezTo>
+                <a:cubicBezTo>
+                  <a:pt x="1683088" y="-5123"/>
+                  <a:pt x="1835981" y="-14038"/>
+                  <a:pt x="1980590" y="0"/>
+                </a:cubicBezTo>
+                <a:cubicBezTo>
+                  <a:pt x="2125199" y="14038"/>
+                  <a:pt x="2396099" y="-7203"/>
+                  <a:pt x="2571293" y="0"/>
+                </a:cubicBezTo>
+                <a:cubicBezTo>
+                  <a:pt x="2746487" y="7203"/>
+                  <a:pt x="3041609" y="-12036"/>
+                  <a:pt x="3474720" y="0"/>
+                </a:cubicBezTo>
+                <a:cubicBezTo>
+                  <a:pt x="3474638" y="4406"/>
+                  <a:pt x="3474631" y="9982"/>
+                  <a:pt x="3474720" y="18288"/>
+                </a:cubicBezTo>
+                <a:cubicBezTo>
+                  <a:pt x="3324873" y="21876"/>
+                  <a:pt x="3136771" y="12587"/>
+                  <a:pt x="2814523" y="18288"/>
+                </a:cubicBezTo>
+                <a:cubicBezTo>
+                  <a:pt x="2492275" y="23989"/>
+                  <a:pt x="2294402" y="47111"/>
+                  <a:pt x="2154326" y="18288"/>
+                </a:cubicBezTo>
+                <a:cubicBezTo>
+                  <a:pt x="2014250" y="-10535"/>
+                  <a:pt x="1820317" y="33903"/>
+                  <a:pt x="1494130" y="18288"/>
+                </a:cubicBezTo>
+                <a:cubicBezTo>
+                  <a:pt x="1167943" y="2673"/>
+                  <a:pt x="948432" y="14868"/>
+                  <a:pt x="729691" y="18288"/>
+                </a:cubicBezTo>
+                <a:cubicBezTo>
+                  <a:pt x="510950" y="21708"/>
+                  <a:pt x="264032" y="24354"/>
+                  <a:pt x="0" y="18288"/>
+                </a:cubicBezTo>
+                <a:cubicBezTo>
+                  <a:pt x="189" y="14288"/>
+                  <a:pt x="-703" y="3747"/>
+                  <a:pt x="0" y="0"/>
+                </a:cubicBezTo>
+                <a:close/>
+              </a:path>
+            </a:pathLst>
+          </a:custGeom>
+          <a:solidFill>
+            <a:schemeClr val="accent2"/>
+          </a:solidFill>
+          <a:ln w="44450" cap="rnd">
+            <a:solidFill>
+              <a:schemeClr val="accent2"/>
+            </a:solidFill>
+            <a:round/>
+            <a:extLst>
+              <a:ext uri="{C807C97D-BFC1-408E-A445-0C87EB9F89A2}">
+                <ask:lineSketchStyleProps xmlns:ask="http://schemas.microsoft.com/office/drawing/2018/sketchyshapes" sd="2863741219">
+                  <a:prstGeom prst="rect">
+                    <a:avLst/>
+                  </a:prstGeom>
+                  <ask:type>
+                    <ask:lineSketchFreehand/>
+                  </ask:type>
+                </ask:lineSketchStyleProps>
+              </a:ext>
+            </a:extLst>
+          </a:ln>
+        </p:spPr>
+        <p:style>
+          <a:lnRef idx="2">
+            <a:schemeClr val="accent1">
+              <a:shade val="50000"/>
+            </a:schemeClr>
+          </a:lnRef>
+          <a:fillRef idx="1">
+            <a:schemeClr val="accent1"/>
+          </a:fillRef>
+          <a:effectRef idx="0">
+            <a:schemeClr val="accent1"/>
+          </a:effectRef>
+          <a:fontRef idx="minor">
+            <a:schemeClr val="lt1"/>
+          </a:fontRef>
+        </p:style>
+        <p:txBody>
+          <a:bodyPr rtlCol="0" anchor="ctr"/>
+          <a:lstStyle/>
+          <a:p>
+            <a:pPr algn="ctr"/>
+            <a:endParaRPr lang="en-US"/>
+          </a:p>
+        </p:txBody>
+      </p:sp>
+      <p:sp>
+        <p:nvSpPr>
+          <p:cNvPr id="3078" name="Content Placeholder 3077">
+            <a:extLst>
+              <a:ext uri="{FF2B5EF4-FFF2-40B4-BE49-F238E27FC236}">
+                <a16:creationId xmlns:a16="http://schemas.microsoft.com/office/drawing/2014/main" id="{DFF072D1-82BC-76E6-7251-A78B1ABA5279}"/>
+              </a:ext>
+            </a:extLst>
+          </p:cNvPr>
+          <p:cNvSpPr>
             <a:spLocks noGrp="1"/>
           </p:cNvSpPr>
           <p:nvPr>
             <p:ph idx="1"/>
           </p:nvPr>
         </p:nvSpPr>
-        <p:spPr/>
-        <p:txBody>
-          <a:bodyPr/>
+        <p:spPr>
+          <a:xfrm>
+            <a:off x="438411" y="2872899"/>
+            <a:ext cx="5085567" cy="3309198"/>
+          </a:xfrm>
+        </p:spPr>
+        <p:txBody>
+          <a:bodyPr>
+            <a:normAutofit/>
+          </a:bodyPr>
           <a:lstStyle/>
           <a:p>
-            <a:r>
-              <a:rPr lang="de-DE" dirty="0"/>
-              <a:t>Problem Statement</a:t>
-            </a:r>
-          </a:p>
-          <a:p>
-            <a:pPr lvl="1"/>
-            <a:r>
-              <a:rPr lang="de-DE" dirty="0"/>
-              <a:t>Protests </a:t>
-            </a:r>
-            <a:r>
-              <a:rPr lang="de-DE" dirty="0" err="1"/>
-              <a:t>often</a:t>
-            </a:r>
-            <a:r>
-              <a:rPr lang="de-DE" dirty="0"/>
-              <a:t> </a:t>
-            </a:r>
-            <a:r>
-              <a:rPr lang="de-DE" dirty="0" err="1"/>
-              <a:t>escalate</a:t>
-            </a:r>
-            <a:r>
-              <a:rPr lang="de-DE" dirty="0"/>
-              <a:t> and turn violent, </a:t>
-            </a:r>
-            <a:r>
-              <a:rPr lang="de-DE" dirty="0" err="1"/>
-              <a:t>undermining</a:t>
-            </a:r>
-            <a:r>
-              <a:rPr lang="de-DE" dirty="0"/>
-              <a:t> </a:t>
-            </a:r>
-            <a:r>
-              <a:rPr lang="de-DE" dirty="0" err="1"/>
-              <a:t>the</a:t>
-            </a:r>
-            <a:r>
-              <a:rPr lang="de-DE" dirty="0"/>
-              <a:t> </a:t>
-            </a:r>
-            <a:r>
-              <a:rPr lang="de-DE" dirty="0" err="1"/>
-              <a:t>effectiveness</a:t>
-            </a:r>
-            <a:r>
-              <a:rPr lang="de-DE" dirty="0"/>
-              <a:t> </a:t>
-            </a:r>
-            <a:r>
-              <a:rPr lang="de-DE" dirty="0" err="1"/>
-              <a:t>of</a:t>
-            </a:r>
-            <a:r>
-              <a:rPr lang="de-DE" dirty="0"/>
-              <a:t> </a:t>
-            </a:r>
-            <a:r>
-              <a:rPr lang="de-DE" dirty="0" err="1"/>
-              <a:t>the</a:t>
-            </a:r>
-            <a:r>
-              <a:rPr lang="de-DE" dirty="0"/>
-              <a:t> </a:t>
-            </a:r>
-            <a:r>
-              <a:rPr lang="de-DE" dirty="0" err="1"/>
-              <a:t>protest´s</a:t>
-            </a:r>
-            <a:r>
-              <a:rPr lang="de-DE" dirty="0"/>
-              <a:t> </a:t>
-            </a:r>
-            <a:r>
-              <a:rPr lang="de-DE" dirty="0" err="1"/>
-              <a:t>purpose</a:t>
-            </a:r>
-            <a:r>
-              <a:rPr lang="de-DE" dirty="0"/>
-              <a:t> and </a:t>
-            </a:r>
-            <a:r>
-              <a:rPr lang="de-DE" dirty="0" err="1"/>
-              <a:t>the</a:t>
-            </a:r>
-            <a:r>
-              <a:rPr lang="de-DE" dirty="0"/>
-              <a:t> </a:t>
-            </a:r>
-            <a:r>
-              <a:rPr lang="de-DE" dirty="0" err="1"/>
-              <a:t>legitmacy</a:t>
-            </a:r>
-            <a:r>
-              <a:rPr lang="de-DE" dirty="0"/>
-              <a:t> </a:t>
-            </a:r>
-            <a:r>
-              <a:rPr lang="de-DE" dirty="0" err="1"/>
-              <a:t>of</a:t>
-            </a:r>
-            <a:r>
-              <a:rPr lang="de-DE" dirty="0"/>
-              <a:t> </a:t>
-            </a:r>
-            <a:r>
-              <a:rPr lang="de-DE" dirty="0" err="1"/>
-              <a:t>the</a:t>
-            </a:r>
-            <a:r>
-              <a:rPr lang="de-DE" dirty="0"/>
-              <a:t> </a:t>
-            </a:r>
-            <a:r>
-              <a:rPr lang="de-DE" dirty="0" err="1"/>
-              <a:t>regime</a:t>
-            </a:r>
-            <a:r>
-              <a:rPr lang="de-DE" dirty="0"/>
-              <a:t> </a:t>
-            </a:r>
-            <a:r>
-              <a:rPr lang="de-DE" dirty="0" err="1"/>
-              <a:t>as</a:t>
-            </a:r>
-            <a:r>
-              <a:rPr lang="de-DE" dirty="0"/>
-              <a:t> </a:t>
-            </a:r>
-            <a:r>
-              <a:rPr lang="de-DE" dirty="0" err="1"/>
-              <a:t>well</a:t>
-            </a:r>
-            <a:r>
-              <a:rPr lang="de-DE" dirty="0"/>
-              <a:t> </a:t>
-            </a:r>
-            <a:r>
-              <a:rPr lang="de-DE" dirty="0" err="1"/>
-              <a:t>as</a:t>
-            </a:r>
-            <a:r>
-              <a:rPr lang="de-DE" dirty="0"/>
-              <a:t> </a:t>
-            </a:r>
-            <a:r>
-              <a:rPr lang="de-DE" dirty="0" err="1"/>
-              <a:t>harming</a:t>
-            </a:r>
-            <a:r>
-              <a:rPr lang="de-DE" dirty="0"/>
-              <a:t> </a:t>
-            </a:r>
-            <a:r>
-              <a:rPr lang="de-DE" dirty="0" err="1"/>
-              <a:t>participants</a:t>
-            </a:r>
-            <a:r>
-              <a:rPr lang="de-DE" dirty="0"/>
-              <a:t> (</a:t>
-            </a:r>
-            <a:r>
-              <a:rPr lang="de-DE" dirty="0" err="1"/>
-              <a:t>compare</a:t>
-            </a:r>
-            <a:r>
-              <a:rPr lang="de-DE" dirty="0"/>
-              <a:t> </a:t>
-            </a:r>
-            <a:r>
-              <a:rPr lang="de-DE" dirty="0" err="1"/>
-              <a:t>intro</a:t>
-            </a:r>
-            <a:r>
-              <a:rPr lang="de-DE" dirty="0"/>
-              <a:t> </a:t>
-            </a:r>
-            <a:r>
-              <a:rPr lang="de-DE" dirty="0" err="1"/>
-              <a:t>slides</a:t>
-            </a:r>
-            <a:r>
-              <a:rPr lang="de-DE" dirty="0"/>
-              <a:t> </a:t>
-            </a:r>
-            <a:r>
-              <a:rPr lang="de-DE" dirty="0" err="1"/>
-              <a:t>from</a:t>
-            </a:r>
-            <a:r>
-              <a:rPr lang="de-DE" dirty="0"/>
-              <a:t> </a:t>
-            </a:r>
-            <a:r>
-              <a:rPr lang="de-DE" dirty="0" err="1"/>
-              <a:t>Noah´s</a:t>
-            </a:r>
-            <a:r>
-              <a:rPr lang="de-DE" dirty="0"/>
-              <a:t> </a:t>
-            </a:r>
-            <a:r>
-              <a:rPr lang="de-DE" dirty="0" err="1"/>
-              <a:t>presentation</a:t>
-            </a:r>
-            <a:r>
-              <a:rPr lang="de-DE" dirty="0"/>
-              <a:t>)</a:t>
-            </a:r>
-          </a:p>
-          <a:p>
-            <a:r>
-              <a:rPr lang="de-DE" dirty="0" err="1"/>
-              <a:t>Our</a:t>
-            </a:r>
-            <a:r>
-              <a:rPr lang="de-DE" dirty="0"/>
-              <a:t> </a:t>
-            </a:r>
-            <a:r>
-              <a:rPr lang="de-DE" dirty="0" err="1"/>
-              <a:t>tool</a:t>
-            </a:r>
-            <a:r>
-              <a:rPr lang="de-DE" dirty="0"/>
-              <a:t> </a:t>
-            </a:r>
-            <a:r>
-              <a:rPr lang="de-DE" dirty="0" err="1"/>
-              <a:t>solves</a:t>
-            </a:r>
-            <a:r>
-              <a:rPr lang="de-DE" dirty="0"/>
-              <a:t> </a:t>
-            </a:r>
-            <a:r>
-              <a:rPr lang="de-DE" dirty="0" err="1"/>
-              <a:t>this</a:t>
-            </a:r>
-            <a:r>
-              <a:rPr lang="de-DE" dirty="0"/>
-              <a:t> </a:t>
-            </a:r>
-            <a:r>
-              <a:rPr lang="de-DE" dirty="0" err="1"/>
-              <a:t>problem</a:t>
-            </a:r>
-            <a:r>
-              <a:rPr lang="de-DE" dirty="0"/>
-              <a:t>, </a:t>
-            </a:r>
-            <a:r>
-              <a:rPr lang="de-DE" dirty="0" err="1"/>
-              <a:t>by</a:t>
-            </a:r>
-            <a:r>
-              <a:rPr lang="de-DE" dirty="0"/>
-              <a:t>…</a:t>
-            </a:r>
-          </a:p>
-          <a:p>
-            <a:pPr lvl="1"/>
-            <a:r>
-              <a:rPr lang="de-DE" dirty="0"/>
-              <a:t>Prevent </a:t>
-            </a:r>
-            <a:r>
-              <a:rPr lang="de-DE" dirty="0" err="1"/>
-              <a:t>physical</a:t>
-            </a:r>
-            <a:r>
-              <a:rPr lang="de-DE" dirty="0"/>
-              <a:t> and </a:t>
-            </a:r>
-            <a:r>
-              <a:rPr lang="de-DE" dirty="0" err="1"/>
-              <a:t>psychological</a:t>
-            </a:r>
-            <a:r>
-              <a:rPr lang="de-DE" dirty="0"/>
-              <a:t> </a:t>
-            </a:r>
-            <a:r>
-              <a:rPr lang="de-DE" dirty="0" err="1"/>
-              <a:t>harm</a:t>
-            </a:r>
-            <a:r>
-              <a:rPr lang="de-DE" dirty="0"/>
-              <a:t> </a:t>
-            </a:r>
-            <a:r>
-              <a:rPr lang="de-DE" dirty="0" err="1"/>
-              <a:t>to</a:t>
-            </a:r>
-            <a:r>
-              <a:rPr lang="de-DE" dirty="0"/>
-              <a:t> </a:t>
-            </a:r>
-            <a:r>
-              <a:rPr lang="de-DE" dirty="0" err="1"/>
-              <a:t>participants</a:t>
-            </a:r>
-            <a:endParaRPr lang="de-DE" dirty="0"/>
-          </a:p>
-          <a:p>
-            <a:pPr lvl="1"/>
-            <a:r>
-              <a:rPr lang="de-DE" dirty="0" err="1"/>
-              <a:t>Increase</a:t>
-            </a:r>
-            <a:r>
-              <a:rPr lang="de-DE" dirty="0"/>
-              <a:t> </a:t>
-            </a:r>
-            <a:r>
-              <a:rPr lang="de-DE" dirty="0" err="1"/>
-              <a:t>effectiveness</a:t>
-            </a:r>
-            <a:r>
-              <a:rPr lang="de-DE" dirty="0"/>
-              <a:t> </a:t>
-            </a:r>
-            <a:r>
-              <a:rPr lang="de-DE" dirty="0" err="1"/>
-              <a:t>of</a:t>
-            </a:r>
-            <a:r>
-              <a:rPr lang="de-DE" dirty="0"/>
-              <a:t> </a:t>
-            </a:r>
-            <a:r>
-              <a:rPr lang="de-DE" dirty="0" err="1"/>
-              <a:t>demonstrations</a:t>
-            </a:r>
-            <a:r>
-              <a:rPr lang="de-DE" dirty="0"/>
-              <a:t> </a:t>
-            </a:r>
-            <a:r>
-              <a:rPr lang="de-DE" dirty="0" err="1"/>
-              <a:t>by</a:t>
-            </a:r>
-            <a:r>
-              <a:rPr lang="de-DE" dirty="0"/>
-              <a:t> </a:t>
-            </a:r>
-            <a:r>
-              <a:rPr lang="de-DE" dirty="0" err="1"/>
-              <a:t>making</a:t>
-            </a:r>
-            <a:r>
-              <a:rPr lang="de-DE" dirty="0"/>
-              <a:t> </a:t>
-            </a:r>
-            <a:r>
-              <a:rPr lang="de-DE" dirty="0" err="1"/>
-              <a:t>them</a:t>
-            </a:r>
-            <a:r>
-              <a:rPr lang="de-DE" dirty="0"/>
-              <a:t> </a:t>
-            </a:r>
-            <a:r>
-              <a:rPr lang="de-DE" dirty="0" err="1"/>
-              <a:t>less</a:t>
-            </a:r>
-            <a:r>
-              <a:rPr lang="de-DE" dirty="0"/>
-              <a:t> violent</a:t>
-            </a:r>
-          </a:p>
-          <a:p>
-            <a:r>
-              <a:rPr lang="de-DE" dirty="0"/>
-              <a:t>Brief </a:t>
-            </a:r>
-            <a:r>
-              <a:rPr lang="de-DE" dirty="0" err="1"/>
-              <a:t>pictures</a:t>
-            </a:r>
-            <a:r>
-              <a:rPr lang="de-DE" dirty="0"/>
-              <a:t>/ </a:t>
-            </a:r>
-            <a:r>
-              <a:rPr lang="de-DE" dirty="0" err="1"/>
-              <a:t>intro</a:t>
-            </a:r>
-            <a:r>
-              <a:rPr lang="de-DE" dirty="0"/>
-              <a:t> </a:t>
-            </a:r>
-            <a:r>
-              <a:rPr lang="de-DE" dirty="0" err="1"/>
-              <a:t>of</a:t>
-            </a:r>
-            <a:r>
-              <a:rPr lang="de-DE" dirty="0"/>
-              <a:t> </a:t>
-            </a:r>
-            <a:r>
-              <a:rPr lang="de-DE" dirty="0" err="1"/>
-              <a:t>team</a:t>
-            </a:r>
-            <a:r>
-              <a:rPr lang="de-DE" dirty="0"/>
-              <a:t>?</a:t>
-            </a:r>
-          </a:p>
-        </p:txBody>
-      </p:sp>
+            <a:pPr rtl="0">
+              <a:spcBef>
+                <a:spcPts val="0"/>
+              </a:spcBef>
+              <a:spcAft>
+                <a:spcPts val="0"/>
+              </a:spcAft>
+              <a:buFont typeface="Wingdings" panose="05000000000000000000" pitchFamily="2" charset="2"/>
+              <a:buChar char="Ø"/>
+            </a:pPr>
+            <a:r>
+              <a:rPr lang="en-US" sz="1800" dirty="0">
+                <a:solidFill>
+                  <a:srgbClr val="323232"/>
+                </a:solidFill>
+                <a:latin typeface="Arial" panose="020B0604020202020204" pitchFamily="34" charset="0"/>
+              </a:rPr>
+              <a:t>From dozens to thousands </a:t>
+            </a:r>
+            <a:r>
+              <a:rPr lang="en-US" sz="1800" b="1" dirty="0">
+                <a:solidFill>
+                  <a:srgbClr val="323232"/>
+                </a:solidFill>
+                <a:latin typeface="Arial" panose="020B0604020202020204" pitchFamily="34" charset="0"/>
+              </a:rPr>
+              <a:t>protesters face injuries</a:t>
+            </a:r>
+            <a:r>
+              <a:rPr lang="en-US" sz="1800" dirty="0">
+                <a:solidFill>
+                  <a:srgbClr val="323232"/>
+                </a:solidFill>
+                <a:latin typeface="Arial" panose="020B0604020202020204" pitchFamily="34" charset="0"/>
+              </a:rPr>
+              <a:t>, caused during contact  with law enforcement </a:t>
+            </a:r>
+          </a:p>
+          <a:p>
+            <a:pPr rtl="0">
+              <a:spcBef>
+                <a:spcPts val="0"/>
+              </a:spcBef>
+              <a:spcAft>
+                <a:spcPts val="0"/>
+              </a:spcAft>
+              <a:buFont typeface="Wingdings" panose="05000000000000000000" pitchFamily="2" charset="2"/>
+              <a:buChar char="Ø"/>
+            </a:pPr>
+            <a:r>
+              <a:rPr lang="en-US" sz="1800" b="1" dirty="0">
+                <a:solidFill>
+                  <a:srgbClr val="323232"/>
+                </a:solidFill>
+                <a:latin typeface="Arial" panose="020B0604020202020204" pitchFamily="34" charset="0"/>
+              </a:rPr>
+              <a:t>Many of those injuries are lethal, or untreatable</a:t>
+            </a:r>
+          </a:p>
+          <a:p>
+            <a:pPr rtl="0">
+              <a:spcBef>
+                <a:spcPts val="0"/>
+              </a:spcBef>
+              <a:spcAft>
+                <a:spcPts val="0"/>
+              </a:spcAft>
+              <a:buFont typeface="Wingdings" panose="05000000000000000000" pitchFamily="2" charset="2"/>
+              <a:buChar char="Ø"/>
+            </a:pPr>
+            <a:r>
+              <a:rPr lang="en-US" sz="1800" b="1" dirty="0">
+                <a:solidFill>
+                  <a:srgbClr val="323232"/>
+                </a:solidFill>
+                <a:latin typeface="Arial" panose="020B0604020202020204" pitchFamily="34" charset="0"/>
+              </a:rPr>
+              <a:t>State actors undermine their legitimacy </a:t>
+            </a:r>
+            <a:r>
+              <a:rPr lang="en-US" sz="1800" dirty="0">
+                <a:solidFill>
+                  <a:srgbClr val="323232"/>
+                </a:solidFill>
+                <a:latin typeface="Arial" panose="020B0604020202020204" pitchFamily="34" charset="0"/>
+              </a:rPr>
+              <a:t>and lose the trust of their citizens</a:t>
+            </a:r>
+          </a:p>
+          <a:p>
+            <a:pPr rtl="0">
+              <a:spcBef>
+                <a:spcPts val="0"/>
+              </a:spcBef>
+              <a:spcAft>
+                <a:spcPts val="0"/>
+              </a:spcAft>
+              <a:buFont typeface="Wingdings" panose="05000000000000000000" pitchFamily="2" charset="2"/>
+              <a:buChar char="Ø"/>
+            </a:pPr>
+            <a:r>
+              <a:rPr lang="en-US" sz="1800" b="1" dirty="0">
+                <a:solidFill>
+                  <a:srgbClr val="323232"/>
+                </a:solidFill>
+                <a:latin typeface="Arial" panose="020B0604020202020204" pitchFamily="34" charset="0"/>
+              </a:rPr>
+              <a:t>Peaceful protests are in everybody´s interest</a:t>
+            </a:r>
+          </a:p>
+          <a:p>
+            <a:pPr rtl="0">
+              <a:spcBef>
+                <a:spcPts val="0"/>
+              </a:spcBef>
+              <a:spcAft>
+                <a:spcPts val="0"/>
+              </a:spcAft>
+              <a:buFont typeface="Wingdings" panose="05000000000000000000" pitchFamily="2" charset="2"/>
+              <a:buChar char="Ø"/>
+            </a:pPr>
+            <a:r>
+              <a:rPr lang="en-US" sz="1800" b="1" dirty="0">
+                <a:solidFill>
+                  <a:srgbClr val="323232"/>
+                </a:solidFill>
+                <a:latin typeface="Arial" panose="020B0604020202020204" pitchFamily="34" charset="0"/>
+              </a:rPr>
+              <a:t>Unfortunately little time is spent on trying to assess if a protest might turn violent or not…</a:t>
+            </a:r>
+            <a:br>
+              <a:rPr lang="en-US" sz="1800" b="1" dirty="0">
+                <a:solidFill>
+                  <a:srgbClr val="323232"/>
+                </a:solidFill>
+                <a:latin typeface="Arial" panose="020B0604020202020204" pitchFamily="34" charset="0"/>
+              </a:rPr>
+            </a:br>
+            <a:endParaRPr lang="en-US" sz="1800" b="1" dirty="0">
+              <a:solidFill>
+                <a:srgbClr val="323232"/>
+              </a:solidFill>
+              <a:latin typeface="Arial" panose="020B0604020202020204" pitchFamily="34" charset="0"/>
+            </a:endParaRPr>
+          </a:p>
+        </p:txBody>
+      </p:sp>
+      <p:pic>
+        <p:nvPicPr>
+          <p:cNvPr id="3074" name="Picture 2">
+            <a:extLst>
+              <a:ext uri="{FF2B5EF4-FFF2-40B4-BE49-F238E27FC236}">
+                <a16:creationId xmlns:a16="http://schemas.microsoft.com/office/drawing/2014/main" id="{E923BCC0-8004-536D-80D5-08781787D2CE}"/>
+              </a:ext>
+            </a:extLst>
+          </p:cNvPr>
+          <p:cNvPicPr>
+            <a:picLocks noChangeAspect="1" noChangeArrowheads="1"/>
+          </p:cNvPicPr>
+          <p:nvPr/>
+        </p:nvPicPr>
+        <p:blipFill rotWithShape="1">
+          <a:blip r:embed="rId4">
+            <a:extLst>
+              <a:ext uri="{28A0092B-C50C-407E-A947-70E740481C1C}">
+                <a14:useLocalDpi xmlns:a14="http://schemas.microsoft.com/office/drawing/2010/main" val="0"/>
+              </a:ext>
+            </a:extLst>
+          </a:blip>
+          <a:srcRect l="35003" r="8577"/>
+          <a:stretch/>
+        </p:blipFill>
+        <p:spPr bwMode="auto">
+          <a:xfrm>
+            <a:off x="5311702" y="10"/>
+            <a:ext cx="6878775" cy="6857990"/>
+          </a:xfrm>
+          <a:custGeom>
+            <a:avLst/>
+            <a:gdLst/>
+            <a:ahLst/>
+            <a:cxnLst/>
+            <a:rect l="l" t="t" r="r" b="b"/>
+            <a:pathLst>
+              <a:path w="6878775" h="6858000">
+                <a:moveTo>
+                  <a:pt x="1102973" y="0"/>
+                </a:moveTo>
+                <a:lnTo>
+                  <a:pt x="1160688" y="0"/>
+                </a:lnTo>
+                <a:lnTo>
+                  <a:pt x="983189" y="331786"/>
+                </a:lnTo>
+                <a:cubicBezTo>
+                  <a:pt x="914866" y="469145"/>
+                  <a:pt x="850355" y="608712"/>
+                  <a:pt x="789261" y="750263"/>
+                </a:cubicBezTo>
+                <a:cubicBezTo>
+                  <a:pt x="774307" y="784928"/>
+                  <a:pt x="759992" y="819849"/>
+                  <a:pt x="745295" y="854514"/>
+                </a:cubicBezTo>
+                <a:cubicBezTo>
+                  <a:pt x="756682" y="845393"/>
+                  <a:pt x="765489" y="833492"/>
+                  <a:pt x="770857" y="819975"/>
+                </a:cubicBezTo>
+                <a:cubicBezTo>
+                  <a:pt x="879943" y="589569"/>
+                  <a:pt x="999605" y="365513"/>
+                  <a:pt x="1131329" y="148742"/>
+                </a:cubicBezTo>
+                <a:lnTo>
+                  <a:pt x="1227589" y="0"/>
+                </a:lnTo>
+                <a:lnTo>
+                  <a:pt x="6878775" y="0"/>
+                </a:lnTo>
+                <a:lnTo>
+                  <a:pt x="6878775" y="6858000"/>
+                </a:lnTo>
+                <a:lnTo>
+                  <a:pt x="713521" y="6858000"/>
+                </a:lnTo>
+                <a:lnTo>
+                  <a:pt x="625642" y="6670527"/>
+                </a:lnTo>
+                <a:cubicBezTo>
+                  <a:pt x="507232" y="6398531"/>
+                  <a:pt x="403083" y="6118381"/>
+                  <a:pt x="312785" y="5830359"/>
+                </a:cubicBezTo>
+                <a:cubicBezTo>
+                  <a:pt x="278149" y="5719759"/>
+                  <a:pt x="248879" y="5607635"/>
+                  <a:pt x="212198" y="5480401"/>
+                </a:cubicBezTo>
+                <a:cubicBezTo>
+                  <a:pt x="212208" y="5491601"/>
+                  <a:pt x="212803" y="5502788"/>
+                  <a:pt x="213988" y="5513923"/>
+                </a:cubicBezTo>
+                <a:cubicBezTo>
+                  <a:pt x="264089" y="5723695"/>
+                  <a:pt x="307290" y="5935370"/>
+                  <a:pt x="365826" y="6142729"/>
+                </a:cubicBezTo>
+                <a:cubicBezTo>
+                  <a:pt x="433152" y="6380817"/>
+                  <a:pt x="510068" y="6614016"/>
+                  <a:pt x="597975" y="6841549"/>
+                </a:cubicBezTo>
+                <a:lnTo>
+                  <a:pt x="604824" y="6858000"/>
+                </a:lnTo>
+                <a:lnTo>
+                  <a:pt x="552056" y="6858000"/>
+                </a:lnTo>
+                <a:lnTo>
+                  <a:pt x="539576" y="6828295"/>
+                </a:lnTo>
+                <a:cubicBezTo>
+                  <a:pt x="380597" y="6414594"/>
+                  <a:pt x="260223" y="5988893"/>
+                  <a:pt x="171555" y="5552906"/>
+                </a:cubicBezTo>
+                <a:cubicBezTo>
+                  <a:pt x="91163" y="5157998"/>
+                  <a:pt x="43746" y="4758899"/>
+                  <a:pt x="12305" y="4357388"/>
+                </a:cubicBezTo>
+                <a:cubicBezTo>
+                  <a:pt x="-14281" y="4013908"/>
+                  <a:pt x="4507" y="3672965"/>
+                  <a:pt x="46684" y="3331516"/>
+                </a:cubicBezTo>
+                <a:cubicBezTo>
+                  <a:pt x="127203" y="2664286"/>
+                  <a:pt x="277819" y="2007265"/>
+                  <a:pt x="496065" y="1371196"/>
+                </a:cubicBezTo>
+                <a:cubicBezTo>
+                  <a:pt x="636273" y="966066"/>
+                  <a:pt x="800445" y="573253"/>
+                  <a:pt x="995723" y="196614"/>
+                </a:cubicBezTo>
+                <a:close/>
+              </a:path>
+            </a:pathLst>
+          </a:custGeom>
+          <a:noFill/>
+          <a:extLst>
+            <a:ext uri="{909E8E84-426E-40DD-AFC4-6F175D3DCCD1}">
+              <a14:hiddenFill xmlns:a14="http://schemas.microsoft.com/office/drawing/2010/main">
+                <a:solidFill>
+                  <a:srgbClr val="FFFFFF"/>
+                </a:solidFill>
+              </a14:hiddenFill>
+            </a:ext>
+          </a:extLst>
+        </p:spPr>
+      </p:pic>
     </p:spTree>
     <p:extLst>
       <p:ext uri="{BB962C8B-B14F-4D97-AF65-F5344CB8AC3E}">
@@ -4090,12 +6630,25 @@
   <p:clrMapOvr>
     <a:masterClrMapping/>
   </p:clrMapOvr>
+  <p:extLst>
+    <p:ext uri="{6950BFC3-D8DA-4A85-94F7-54DA5524770B}">
+      <p188:commentRel xmlns:p188="http://schemas.microsoft.com/office/powerpoint/2018/8/main" r:id="rId3"/>
+    </p:ext>
+  </p:extLst>
 </p:sld>
 </file>
 
 <file path=ppt/slides/slide4.xml><?xml version="1.0" encoding="utf-8"?>
 <p:sld xmlns:a="http://schemas.openxmlformats.org/drawingml/2006/main" xmlns:r="http://schemas.openxmlformats.org/officeDocument/2006/relationships" xmlns:p="http://schemas.openxmlformats.org/presentationml/2006/main">
   <p:cSld>
+    <p:bg>
+      <p:bgPr>
+        <a:solidFill>
+          <a:schemeClr val="bg1"/>
+        </a:solidFill>
+        <a:effectLst/>
+      </p:bgPr>
+    </p:bg>
     <p:spTree>
       <p:nvGrpSpPr>
         <p:cNvPr id="1" name=""/>
@@ -4110,12 +6663,72 @@
           <a:chExt cx="0" cy="0"/>
         </a:xfrm>
       </p:grpSpPr>
+      <p:sp useBgFill="1">
+        <p:nvSpPr>
+          <p:cNvPr id="4111" name="Rectangle 4104">
+            <a:extLst>
+              <a:ext uri="{FF2B5EF4-FFF2-40B4-BE49-F238E27FC236}">
+                <a16:creationId xmlns:a16="http://schemas.microsoft.com/office/drawing/2014/main" id="{F13C74B1-5B17-4795-BED0-7140497B445A}"/>
+              </a:ext>
+              <a:ext uri="{C183D7F6-B498-43B3-948B-1728B52AA6E4}">
+                <adec:decorative xmlns:adec="http://schemas.microsoft.com/office/drawing/2017/decorative" val="1"/>
+              </a:ext>
+            </a:extLst>
+          </p:cNvPr>
+          <p:cNvSpPr>
+            <a:spLocks noGrp="1" noRot="1" noChangeAspect="1" noMove="1" noResize="1" noEditPoints="1" noAdjustHandles="1" noChangeArrowheads="1" noChangeShapeType="1" noTextEdit="1"/>
+          </p:cNvSpPr>
+          <p:nvPr>
+            <p:extLst>
+              <p:ext uri="{386F3935-93C4-4BCD-93E2-E3B085C9AB24}">
+                <p16:designElem xmlns:p16="http://schemas.microsoft.com/office/powerpoint/2015/main" val="1"/>
+              </p:ext>
+            </p:extLst>
+          </p:nvPr>
+        </p:nvSpPr>
+        <p:spPr>
+          <a:xfrm>
+            <a:off x="0" y="0"/>
+            <a:ext cx="12188952" cy="6858000"/>
+          </a:xfrm>
+          <a:prstGeom prst="rect">
+            <a:avLst/>
+          </a:prstGeom>
+          <a:ln>
+            <a:noFill/>
+          </a:ln>
+        </p:spPr>
+        <p:style>
+          <a:lnRef idx="2">
+            <a:schemeClr val="accent1">
+              <a:shade val="50000"/>
+            </a:schemeClr>
+          </a:lnRef>
+          <a:fillRef idx="1">
+            <a:schemeClr val="accent1"/>
+          </a:fillRef>
+          <a:effectRef idx="0">
+            <a:schemeClr val="accent1"/>
+          </a:effectRef>
+          <a:fontRef idx="minor">
+            <a:schemeClr val="lt1"/>
+          </a:fontRef>
+        </p:style>
+        <p:txBody>
+          <a:bodyPr rtlCol="0" anchor="ctr"/>
+          <a:lstStyle/>
+          <a:p>
+            <a:pPr algn="ctr"/>
+            <a:endParaRPr lang="en-US"/>
+          </a:p>
+        </p:txBody>
+      </p:sp>
       <p:sp>
         <p:nvSpPr>
           <p:cNvPr id="2" name="Titel 1">
             <a:extLst>
               <a:ext uri="{FF2B5EF4-FFF2-40B4-BE49-F238E27FC236}">
-                <a16:creationId xmlns:a16="http://schemas.microsoft.com/office/drawing/2014/main" id="{F6132A96-B467-ABA5-CD4F-9E7EB294AF05}"/>
+                <a16:creationId xmlns:a16="http://schemas.microsoft.com/office/drawing/2014/main" id="{28E50ADA-A2F1-FE35-E423-A6E8AEC4F35B}"/>
               </a:ext>
             </a:extLst>
           </p:cNvPr>
@@ -4126,678 +6739,553 @@
             <p:ph type="title"/>
           </p:nvPr>
         </p:nvSpPr>
-        <p:spPr/>
-        <p:txBody>
-          <a:bodyPr/>
-          <a:lstStyle/>
-          <a:p>
-            <a:r>
-              <a:rPr lang="de-DE" dirty="0" err="1"/>
-              <a:t>Methodology</a:t>
-            </a:r>
-            <a:r>
-              <a:rPr lang="de-DE" dirty="0"/>
-              <a:t> (1-2 min)</a:t>
-            </a:r>
-          </a:p>
-        </p:txBody>
-      </p:sp>
-      <p:sp>
-        <p:nvSpPr>
-          <p:cNvPr id="3" name="Inhaltsplatzhalter 2">
-            <a:extLst>
-              <a:ext uri="{FF2B5EF4-FFF2-40B4-BE49-F238E27FC236}">
-                <a16:creationId xmlns:a16="http://schemas.microsoft.com/office/drawing/2014/main" id="{F42E52C6-AFF9-AF1C-CE15-61EC66A51207}"/>
-              </a:ext>
-            </a:extLst>
-          </p:cNvPr>
-          <p:cNvSpPr>
-            <a:spLocks noGrp="1"/>
-          </p:cNvSpPr>
-          <p:nvPr>
-            <p:ph idx="1"/>
-          </p:nvPr>
-        </p:nvSpPr>
-        <p:spPr/>
-        <p:txBody>
-          <a:bodyPr>
-            <a:normAutofit fontScale="77500" lnSpcReduction="20000"/>
+        <p:spPr>
+          <a:xfrm>
+            <a:off x="640080" y="325369"/>
+            <a:ext cx="4368602" cy="1956841"/>
+          </a:xfrm>
+        </p:spPr>
+        <p:txBody>
+          <a:bodyPr anchor="b">
+            <a:normAutofit fontScale="90000"/>
           </a:bodyPr>
           <a:lstStyle/>
           <a:p>
             <a:r>
-              <a:rPr lang="de-DE" dirty="0" err="1"/>
-              <a:t>What</a:t>
-            </a:r>
-            <a:r>
-              <a:rPr lang="de-DE" dirty="0"/>
-              <a:t> </a:t>
-            </a:r>
-            <a:r>
-              <a:rPr lang="de-DE" dirty="0" err="1"/>
-              <a:t>did</a:t>
-            </a:r>
-            <a:r>
-              <a:rPr lang="de-DE" dirty="0"/>
-              <a:t> </a:t>
-            </a:r>
-            <a:r>
-              <a:rPr lang="de-DE" dirty="0" err="1"/>
-              <a:t>we</a:t>
-            </a:r>
-            <a:r>
-              <a:rPr lang="de-DE" dirty="0"/>
-              <a:t> </a:t>
-            </a:r>
-            <a:r>
-              <a:rPr lang="de-DE" dirty="0" err="1"/>
-              <a:t>start</a:t>
-            </a:r>
-            <a:r>
-              <a:rPr lang="de-DE" dirty="0"/>
-              <a:t> </a:t>
-            </a:r>
-            <a:r>
-              <a:rPr lang="de-DE" dirty="0" err="1"/>
-              <a:t>with</a:t>
-            </a:r>
-            <a:endParaRPr lang="de-DE" dirty="0"/>
-          </a:p>
-          <a:p>
-            <a:pPr lvl="1"/>
-            <a:r>
-              <a:rPr lang="de-DE" dirty="0" err="1"/>
-              <a:t>data</a:t>
-            </a:r>
-            <a:r>
-              <a:rPr lang="de-DE" dirty="0"/>
-              <a:t> </a:t>
-            </a:r>
-            <a:r>
-              <a:rPr lang="de-DE" dirty="0" err="1"/>
-              <a:t>sets</a:t>
-            </a:r>
-            <a:r>
-              <a:rPr lang="de-DE" dirty="0"/>
-              <a:t> </a:t>
-            </a:r>
-            <a:r>
-              <a:rPr lang="de-DE" dirty="0" err="1"/>
-              <a:t>of</a:t>
-            </a:r>
-            <a:r>
-              <a:rPr lang="de-DE" dirty="0"/>
-              <a:t> 3 different countries and a </a:t>
-            </a:r>
-            <a:r>
-              <a:rPr lang="de-DE" dirty="0" err="1"/>
-              <a:t>rough</a:t>
-            </a:r>
-            <a:r>
-              <a:rPr lang="de-DE" dirty="0"/>
-              <a:t> </a:t>
-            </a:r>
-            <a:r>
-              <a:rPr lang="de-DE" dirty="0" err="1"/>
-              <a:t>idea</a:t>
-            </a:r>
-            <a:r>
-              <a:rPr lang="de-DE" dirty="0"/>
-              <a:t> </a:t>
-            </a:r>
-            <a:r>
-              <a:rPr lang="de-DE" dirty="0" err="1"/>
-              <a:t>what</a:t>
-            </a:r>
-            <a:r>
-              <a:rPr lang="de-DE" dirty="0"/>
-              <a:t> </a:t>
-            </a:r>
-            <a:r>
-              <a:rPr lang="de-DE" dirty="0" err="1"/>
-              <a:t>model</a:t>
-            </a:r>
-            <a:r>
-              <a:rPr lang="de-DE" dirty="0"/>
-              <a:t> </a:t>
-            </a:r>
-            <a:r>
-              <a:rPr lang="de-DE" dirty="0" err="1"/>
-              <a:t>to</a:t>
-            </a:r>
-            <a:r>
-              <a:rPr lang="de-DE" dirty="0"/>
-              <a:t> </a:t>
-            </a:r>
-            <a:r>
-              <a:rPr lang="de-DE" dirty="0" err="1"/>
-              <a:t>use</a:t>
-            </a:r>
-            <a:endParaRPr lang="de-DE" dirty="0"/>
-          </a:p>
-          <a:p>
-            <a:pPr lvl="2"/>
-            <a:r>
-              <a:rPr lang="de-DE" dirty="0"/>
-              <a:t>Screenshot/ </a:t>
-            </a:r>
-            <a:r>
-              <a:rPr lang="de-DE" dirty="0" err="1"/>
-              <a:t>brie</a:t>
-            </a:r>
-            <a:r>
-              <a:rPr lang="de-DE" dirty="0"/>
-              <a:t> </a:t>
-            </a:r>
-            <a:r>
-              <a:rPr lang="de-DE" dirty="0" err="1"/>
-              <a:t>peak</a:t>
-            </a:r>
-            <a:r>
-              <a:rPr lang="de-DE" dirty="0"/>
-              <a:t> </a:t>
-            </a:r>
-            <a:r>
-              <a:rPr lang="de-DE" dirty="0" err="1"/>
-              <a:t>into</a:t>
-            </a:r>
-            <a:r>
-              <a:rPr lang="de-DE" dirty="0"/>
-              <a:t> </a:t>
-            </a:r>
-            <a:r>
-              <a:rPr lang="de-DE" dirty="0" err="1"/>
-              <a:t>the</a:t>
-            </a:r>
-            <a:r>
-              <a:rPr lang="de-DE" dirty="0"/>
-              <a:t> </a:t>
-            </a:r>
-            <a:r>
-              <a:rPr lang="de-DE" dirty="0" err="1"/>
-              <a:t>raw</a:t>
-            </a:r>
-            <a:r>
-              <a:rPr lang="de-DE" dirty="0"/>
-              <a:t> </a:t>
-            </a:r>
-            <a:r>
-              <a:rPr lang="de-DE" dirty="0" err="1"/>
-              <a:t>data</a:t>
-            </a:r>
-            <a:r>
-              <a:rPr lang="de-DE" dirty="0"/>
-              <a:t>?</a:t>
-            </a:r>
-          </a:p>
-          <a:p>
-            <a:pPr lvl="1"/>
-            <a:r>
-              <a:rPr lang="de-DE" dirty="0"/>
-              <a:t>The </a:t>
-            </a:r>
-            <a:r>
-              <a:rPr lang="de-DE" dirty="0" err="1"/>
-              <a:t>idea</a:t>
-            </a:r>
-            <a:r>
-              <a:rPr lang="de-DE" dirty="0"/>
-              <a:t> </a:t>
-            </a:r>
-            <a:r>
-              <a:rPr lang="de-DE" dirty="0" err="1"/>
-              <a:t>of</a:t>
-            </a:r>
-            <a:r>
-              <a:rPr lang="de-DE" dirty="0"/>
-              <a:t> </a:t>
-            </a:r>
-            <a:r>
-              <a:rPr lang="de-DE" dirty="0" err="1"/>
-              <a:t>what</a:t>
-            </a:r>
-            <a:r>
-              <a:rPr lang="de-DE" dirty="0"/>
-              <a:t> </a:t>
-            </a:r>
-            <a:r>
-              <a:rPr lang="de-DE" dirty="0" err="1"/>
-              <a:t>target</a:t>
-            </a:r>
-            <a:r>
-              <a:rPr lang="de-DE" dirty="0"/>
-              <a:t> variable </a:t>
-            </a:r>
-            <a:r>
-              <a:rPr lang="de-DE" dirty="0" err="1"/>
-              <a:t>to</a:t>
-            </a:r>
-            <a:r>
-              <a:rPr lang="de-DE" dirty="0"/>
-              <a:t> </a:t>
-            </a:r>
-            <a:r>
-              <a:rPr lang="de-DE" dirty="0" err="1"/>
-              <a:t>choose</a:t>
-            </a:r>
-            <a:endParaRPr lang="de-DE" dirty="0"/>
-          </a:p>
-          <a:p>
-            <a:r>
-              <a:rPr lang="de-DE" dirty="0" err="1"/>
-              <a:t>How</a:t>
-            </a:r>
-            <a:r>
-              <a:rPr lang="de-DE" dirty="0"/>
-              <a:t> </a:t>
-            </a:r>
-            <a:r>
-              <a:rPr lang="de-DE" dirty="0" err="1"/>
-              <a:t>did</a:t>
-            </a:r>
-            <a:r>
-              <a:rPr lang="de-DE" dirty="0"/>
-              <a:t> </a:t>
-            </a:r>
-            <a:r>
-              <a:rPr lang="de-DE" dirty="0" err="1"/>
-              <a:t>we</a:t>
-            </a:r>
-            <a:r>
-              <a:rPr lang="de-DE" dirty="0"/>
-              <a:t> </a:t>
-            </a:r>
-            <a:r>
-              <a:rPr lang="de-DE" dirty="0" err="1"/>
-              <a:t>proceed</a:t>
-            </a:r>
-            <a:r>
-              <a:rPr lang="de-DE" dirty="0"/>
-              <a:t>:</a:t>
-            </a:r>
-          </a:p>
-          <a:p>
-            <a:pPr lvl="1"/>
-            <a:r>
-              <a:rPr lang="de-DE" dirty="0"/>
-              <a:t>PM and </a:t>
-            </a:r>
-            <a:r>
-              <a:rPr lang="de-DE" dirty="0" err="1"/>
-              <a:t>organisation</a:t>
-            </a:r>
-            <a:r>
-              <a:rPr lang="de-DE" dirty="0"/>
-              <a:t> </a:t>
-            </a:r>
-            <a:r>
-              <a:rPr lang="de-DE" dirty="0" err="1"/>
-              <a:t>of</a:t>
-            </a:r>
-            <a:r>
-              <a:rPr lang="de-DE" dirty="0"/>
-              <a:t> </a:t>
-            </a:r>
-            <a:r>
-              <a:rPr lang="de-DE" dirty="0" err="1"/>
-              <a:t>work</a:t>
-            </a:r>
-            <a:r>
-              <a:rPr lang="de-DE" dirty="0"/>
-              <a:t> (?)</a:t>
-            </a:r>
-          </a:p>
-          <a:p>
-            <a:pPr lvl="1"/>
-            <a:r>
-              <a:rPr lang="de-DE" dirty="0"/>
-              <a:t>Data </a:t>
-            </a:r>
-            <a:r>
-              <a:rPr lang="de-DE" dirty="0" err="1"/>
-              <a:t>Preproc</a:t>
-            </a:r>
-            <a:r>
-              <a:rPr lang="de-DE" dirty="0"/>
-              <a:t> (</a:t>
-            </a:r>
-            <a:r>
-              <a:rPr lang="de-DE" dirty="0" err="1"/>
-              <a:t>taking</a:t>
-            </a:r>
-            <a:r>
-              <a:rPr lang="de-DE" dirty="0"/>
-              <a:t> a </a:t>
-            </a:r>
-            <a:r>
-              <a:rPr lang="de-DE" dirty="0" err="1"/>
-              <a:t>loooot</a:t>
-            </a:r>
-            <a:r>
-              <a:rPr lang="de-DE" dirty="0"/>
-              <a:t> </a:t>
-            </a:r>
-            <a:r>
-              <a:rPr lang="de-DE" dirty="0" err="1"/>
-              <a:t>of</a:t>
-            </a:r>
-            <a:r>
-              <a:rPr lang="de-DE" dirty="0"/>
-              <a:t> time!)</a:t>
-            </a:r>
-          </a:p>
-          <a:p>
-            <a:pPr lvl="2"/>
-            <a:r>
-              <a:rPr lang="de-DE" dirty="0" err="1"/>
-              <a:t>data</a:t>
-            </a:r>
-            <a:r>
-              <a:rPr lang="de-DE" dirty="0"/>
-              <a:t> </a:t>
-            </a:r>
-            <a:r>
-              <a:rPr lang="de-DE" dirty="0" err="1"/>
-              <a:t>exploration</a:t>
-            </a:r>
-            <a:r>
-              <a:rPr lang="de-DE" dirty="0"/>
-              <a:t> (</a:t>
-            </a:r>
-            <a:r>
-              <a:rPr lang="de-DE" dirty="0" err="1"/>
-              <a:t>viz</a:t>
-            </a:r>
-            <a:r>
-              <a:rPr lang="de-DE" dirty="0"/>
-              <a:t> + </a:t>
-            </a:r>
-            <a:r>
-              <a:rPr lang="de-DE" dirty="0" err="1"/>
-              <a:t>trying</a:t>
-            </a:r>
-            <a:r>
-              <a:rPr lang="de-DE" dirty="0"/>
-              <a:t> </a:t>
-            </a:r>
-            <a:r>
-              <a:rPr lang="de-DE" dirty="0" err="1"/>
-              <a:t>to</a:t>
-            </a:r>
-            <a:r>
-              <a:rPr lang="de-DE" dirty="0"/>
-              <a:t> find </a:t>
-            </a:r>
-            <a:r>
-              <a:rPr lang="de-DE" dirty="0" err="1"/>
-              <a:t>first</a:t>
-            </a:r>
-            <a:r>
-              <a:rPr lang="de-DE" dirty="0"/>
-              <a:t> </a:t>
-            </a:r>
-            <a:r>
-              <a:rPr lang="de-DE" dirty="0" err="1"/>
-              <a:t>correlations</a:t>
-            </a:r>
-            <a:r>
-              <a:rPr lang="de-DE" dirty="0"/>
-              <a:t>) </a:t>
-            </a:r>
-          </a:p>
-          <a:p>
-            <a:pPr lvl="2"/>
-            <a:r>
-              <a:rPr lang="de-DE" dirty="0" err="1"/>
-              <a:t>Eliminating</a:t>
-            </a:r>
-            <a:r>
-              <a:rPr lang="de-DE" dirty="0"/>
-              <a:t> variables</a:t>
-            </a:r>
-          </a:p>
-          <a:p>
-            <a:pPr lvl="2"/>
-            <a:r>
-              <a:rPr lang="de-DE" dirty="0" err="1"/>
-              <a:t>Standardising</a:t>
-            </a:r>
-            <a:r>
-              <a:rPr lang="de-DE" dirty="0"/>
-              <a:t> and </a:t>
-            </a:r>
-            <a:r>
-              <a:rPr lang="de-DE" dirty="0" err="1"/>
-              <a:t>merging</a:t>
-            </a:r>
-            <a:r>
-              <a:rPr lang="de-DE" dirty="0"/>
-              <a:t> </a:t>
-            </a:r>
-            <a:r>
-              <a:rPr lang="de-DE" dirty="0" err="1"/>
-              <a:t>the</a:t>
-            </a:r>
-            <a:r>
-              <a:rPr lang="de-DE" dirty="0"/>
-              <a:t> 3 </a:t>
-            </a:r>
-            <a:r>
-              <a:rPr lang="de-DE" dirty="0" err="1"/>
-              <a:t>data</a:t>
-            </a:r>
-            <a:r>
-              <a:rPr lang="de-DE" dirty="0"/>
-              <a:t> </a:t>
-            </a:r>
-            <a:r>
-              <a:rPr lang="de-DE" dirty="0" err="1"/>
-              <a:t>sets</a:t>
-            </a:r>
-            <a:endParaRPr lang="de-DE" dirty="0"/>
-          </a:p>
-          <a:p>
-            <a:pPr lvl="1"/>
-            <a:r>
-              <a:rPr lang="de-DE" dirty="0"/>
-              <a:t>Modelling (</a:t>
-            </a:r>
-            <a:r>
-              <a:rPr lang="de-DE" dirty="0" err="1"/>
-              <a:t>here</a:t>
-            </a:r>
-            <a:r>
-              <a:rPr lang="de-DE" dirty="0"/>
-              <a:t> </a:t>
-            </a:r>
-            <a:r>
-              <a:rPr lang="de-DE" dirty="0" err="1"/>
-              <a:t>we</a:t>
-            </a:r>
-            <a:r>
-              <a:rPr lang="de-DE" dirty="0"/>
-              <a:t> </a:t>
-            </a:r>
-            <a:r>
-              <a:rPr lang="de-DE" dirty="0" err="1"/>
-              <a:t>can</a:t>
-            </a:r>
-            <a:r>
-              <a:rPr lang="de-DE" dirty="0"/>
-              <a:t> </a:t>
-            </a:r>
-            <a:r>
-              <a:rPr lang="de-DE" dirty="0" err="1"/>
-              <a:t>discuss</a:t>
-            </a:r>
-            <a:r>
-              <a:rPr lang="de-DE" dirty="0"/>
-              <a:t> </a:t>
-            </a:r>
-            <a:r>
-              <a:rPr lang="de-DE" dirty="0" err="1"/>
-              <a:t>if</a:t>
-            </a:r>
-            <a:r>
-              <a:rPr lang="de-DE" dirty="0"/>
-              <a:t> </a:t>
-            </a:r>
-            <a:r>
-              <a:rPr lang="de-DE" dirty="0" err="1"/>
-              <a:t>we</a:t>
-            </a:r>
-            <a:r>
-              <a:rPr lang="de-DE" dirty="0"/>
-              <a:t> </a:t>
-            </a:r>
-            <a:r>
-              <a:rPr lang="de-DE" dirty="0" err="1"/>
-              <a:t>give</a:t>
-            </a:r>
-            <a:r>
-              <a:rPr lang="de-DE" dirty="0"/>
-              <a:t> a </a:t>
-            </a:r>
-            <a:r>
-              <a:rPr lang="de-DE" dirty="0" err="1"/>
-              <a:t>brief</a:t>
-            </a:r>
-            <a:r>
-              <a:rPr lang="de-DE" dirty="0"/>
-              <a:t> </a:t>
-            </a:r>
-            <a:r>
-              <a:rPr lang="de-DE" dirty="0" err="1"/>
-              <a:t>peek</a:t>
-            </a:r>
-            <a:r>
-              <a:rPr lang="de-DE" dirty="0"/>
-              <a:t> </a:t>
-            </a:r>
-            <a:r>
-              <a:rPr lang="de-DE" dirty="0" err="1"/>
-              <a:t>into</a:t>
-            </a:r>
-            <a:r>
-              <a:rPr lang="de-DE" dirty="0"/>
-              <a:t> </a:t>
-            </a:r>
-            <a:r>
-              <a:rPr lang="de-DE" dirty="0" err="1"/>
-              <a:t>some</a:t>
-            </a:r>
-            <a:r>
-              <a:rPr lang="de-DE" dirty="0"/>
-              <a:t> </a:t>
-            </a:r>
-            <a:r>
-              <a:rPr lang="de-DE" dirty="0" err="1"/>
-              <a:t>of</a:t>
-            </a:r>
-            <a:r>
-              <a:rPr lang="de-DE" dirty="0"/>
-              <a:t> </a:t>
-            </a:r>
-            <a:r>
-              <a:rPr lang="de-DE" dirty="0" err="1"/>
-              <a:t>our</a:t>
-            </a:r>
-            <a:r>
-              <a:rPr lang="de-DE" dirty="0"/>
-              <a:t> </a:t>
-            </a:r>
-            <a:r>
-              <a:rPr lang="de-DE" dirty="0" err="1"/>
-              <a:t>models</a:t>
-            </a:r>
-            <a:r>
-              <a:rPr lang="de-DE" dirty="0"/>
-              <a:t> </a:t>
-            </a:r>
-            <a:r>
-              <a:rPr lang="de-DE" dirty="0" err="1"/>
-              <a:t>or</a:t>
-            </a:r>
-            <a:r>
-              <a:rPr lang="de-DE" dirty="0"/>
-              <a:t> </a:t>
-            </a:r>
-            <a:r>
-              <a:rPr lang="de-DE" dirty="0" err="1"/>
-              <a:t>show</a:t>
-            </a:r>
-            <a:r>
-              <a:rPr lang="de-DE" dirty="0"/>
-              <a:t> score):</a:t>
-            </a:r>
-          </a:p>
-          <a:p>
-            <a:pPr lvl="2"/>
-            <a:r>
-              <a:rPr lang="de-DE" dirty="0" err="1"/>
-              <a:t>Logistics</a:t>
-            </a:r>
-            <a:endParaRPr lang="de-DE" dirty="0"/>
-          </a:p>
-          <a:p>
-            <a:pPr lvl="2"/>
-            <a:r>
-              <a:rPr lang="de-DE" dirty="0"/>
-              <a:t>Random Forest</a:t>
-            </a:r>
-          </a:p>
-          <a:p>
-            <a:pPr lvl="2"/>
-            <a:r>
-              <a:rPr lang="de-DE" dirty="0"/>
-              <a:t>DTC Model</a:t>
-            </a:r>
-          </a:p>
-          <a:p>
-            <a:pPr lvl="2"/>
-            <a:r>
-              <a:rPr lang="de-DE" dirty="0" err="1"/>
-              <a:t>Choosing</a:t>
-            </a:r>
-            <a:r>
-              <a:rPr lang="de-DE" dirty="0"/>
-              <a:t> final </a:t>
-            </a:r>
-            <a:r>
-              <a:rPr lang="de-DE" dirty="0" err="1"/>
-              <a:t>features</a:t>
-            </a:r>
-            <a:endParaRPr lang="de-DE" dirty="0"/>
-          </a:p>
-          <a:p>
-            <a:pPr lvl="1"/>
-            <a:r>
-              <a:rPr lang="de-DE" dirty="0" err="1"/>
-              <a:t>Predict</a:t>
-            </a:r>
-            <a:r>
-              <a:rPr lang="de-DE" dirty="0"/>
-              <a:t> in </a:t>
-            </a:r>
-            <a:r>
-              <a:rPr lang="de-DE" dirty="0" err="1"/>
-              <a:t>Production</a:t>
-            </a:r>
-            <a:endParaRPr lang="de-DE" dirty="0"/>
-          </a:p>
-          <a:p>
-            <a:pPr lvl="3"/>
-            <a:endParaRPr lang="de-DE" dirty="0"/>
-          </a:p>
-          <a:p>
-            <a:endParaRPr lang="de-DE" dirty="0"/>
-          </a:p>
-        </p:txBody>
-      </p:sp>
+              <a:rPr lang="de-DE" sz="5400" dirty="0" err="1"/>
+              <a:t>Recap</a:t>
+            </a:r>
+            <a:r>
+              <a:rPr lang="de-DE" sz="5400" dirty="0"/>
+              <a:t>: </a:t>
+            </a:r>
+            <a:r>
+              <a:rPr lang="de-DE" sz="5400" dirty="0" err="1"/>
+              <a:t>Our</a:t>
+            </a:r>
+            <a:r>
+              <a:rPr lang="de-DE" sz="5400" dirty="0"/>
+              <a:t> </a:t>
+            </a:r>
+            <a:r>
+              <a:rPr lang="de-DE" sz="5400" dirty="0" err="1"/>
+              <a:t>aspired</a:t>
+            </a:r>
+            <a:r>
+              <a:rPr lang="de-DE" sz="5400" dirty="0"/>
+              <a:t> </a:t>
+            </a:r>
+            <a:r>
+              <a:rPr lang="de-DE" sz="5400" dirty="0" err="1"/>
+              <a:t>solution</a:t>
+            </a:r>
+            <a:endParaRPr lang="de-DE" sz="5400" dirty="0"/>
+          </a:p>
+        </p:txBody>
+      </p:sp>
+      <p:sp>
+        <p:nvSpPr>
+          <p:cNvPr id="4107" name="sketchy line">
+            <a:extLst>
+              <a:ext uri="{FF2B5EF4-FFF2-40B4-BE49-F238E27FC236}">
+                <a16:creationId xmlns:a16="http://schemas.microsoft.com/office/drawing/2014/main" id="{D4974D33-8DC5-464E-8C6D-BE58F0669C17}"/>
+              </a:ext>
+              <a:ext uri="{C183D7F6-B498-43B3-948B-1728B52AA6E4}">
+                <adec:decorative xmlns:adec="http://schemas.microsoft.com/office/drawing/2017/decorative" val="1"/>
+              </a:ext>
+            </a:extLst>
+          </p:cNvPr>
+          <p:cNvSpPr>
+            <a:spLocks noGrp="1" noRot="1" noChangeAspect="1" noMove="1" noResize="1" noEditPoints="1" noAdjustHandles="1" noChangeArrowheads="1" noChangeShapeType="1" noTextEdit="1"/>
+          </p:cNvSpPr>
+          <p:nvPr>
+            <p:extLst>
+              <p:ext uri="{386F3935-93C4-4BCD-93E2-E3B085C9AB24}">
+                <p16:designElem xmlns:p16="http://schemas.microsoft.com/office/powerpoint/2015/main" val="1"/>
+              </p:ext>
+            </p:extLst>
+          </p:nvPr>
+        </p:nvSpPr>
+        <p:spPr>
+          <a:xfrm>
+            <a:off x="640080" y="2586994"/>
+            <a:ext cx="3474720" cy="18288"/>
+          </a:xfrm>
+          <a:custGeom>
+            <a:avLst/>
+            <a:gdLst>
+              <a:gd name="connsiteX0" fmla="*/ 0 w 3474720"/>
+              <a:gd name="connsiteY0" fmla="*/ 0 h 18288"/>
+              <a:gd name="connsiteX1" fmla="*/ 694944 w 3474720"/>
+              <a:gd name="connsiteY1" fmla="*/ 0 h 18288"/>
+              <a:gd name="connsiteX2" fmla="*/ 1355141 w 3474720"/>
+              <a:gd name="connsiteY2" fmla="*/ 0 h 18288"/>
+              <a:gd name="connsiteX3" fmla="*/ 2015338 w 3474720"/>
+              <a:gd name="connsiteY3" fmla="*/ 0 h 18288"/>
+              <a:gd name="connsiteX4" fmla="*/ 2779776 w 3474720"/>
+              <a:gd name="connsiteY4" fmla="*/ 0 h 18288"/>
+              <a:gd name="connsiteX5" fmla="*/ 3474720 w 3474720"/>
+              <a:gd name="connsiteY5" fmla="*/ 0 h 18288"/>
+              <a:gd name="connsiteX6" fmla="*/ 3474720 w 3474720"/>
+              <a:gd name="connsiteY6" fmla="*/ 18288 h 18288"/>
+              <a:gd name="connsiteX7" fmla="*/ 2779776 w 3474720"/>
+              <a:gd name="connsiteY7" fmla="*/ 18288 h 18288"/>
+              <a:gd name="connsiteX8" fmla="*/ 2189074 w 3474720"/>
+              <a:gd name="connsiteY8" fmla="*/ 18288 h 18288"/>
+              <a:gd name="connsiteX9" fmla="*/ 1528877 w 3474720"/>
+              <a:gd name="connsiteY9" fmla="*/ 18288 h 18288"/>
+              <a:gd name="connsiteX10" fmla="*/ 868680 w 3474720"/>
+              <a:gd name="connsiteY10" fmla="*/ 18288 h 18288"/>
+              <a:gd name="connsiteX11" fmla="*/ 0 w 3474720"/>
+              <a:gd name="connsiteY11" fmla="*/ 18288 h 18288"/>
+              <a:gd name="connsiteX12" fmla="*/ 0 w 3474720"/>
+              <a:gd name="connsiteY12" fmla="*/ 0 h 18288"/>
+            </a:gdLst>
+            <a:ahLst/>
+            <a:cxnLst>
+              <a:cxn ang="0">
+                <a:pos x="connsiteX0" y="connsiteY0"/>
+              </a:cxn>
+              <a:cxn ang="0">
+                <a:pos x="connsiteX1" y="connsiteY1"/>
+              </a:cxn>
+              <a:cxn ang="0">
+                <a:pos x="connsiteX2" y="connsiteY2"/>
+              </a:cxn>
+              <a:cxn ang="0">
+                <a:pos x="connsiteX3" y="connsiteY3"/>
+              </a:cxn>
+              <a:cxn ang="0">
+                <a:pos x="connsiteX4" y="connsiteY4"/>
+              </a:cxn>
+              <a:cxn ang="0">
+                <a:pos x="connsiteX5" y="connsiteY5"/>
+              </a:cxn>
+              <a:cxn ang="0">
+                <a:pos x="connsiteX6" y="connsiteY6"/>
+              </a:cxn>
+              <a:cxn ang="0">
+                <a:pos x="connsiteX7" y="connsiteY7"/>
+              </a:cxn>
+              <a:cxn ang="0">
+                <a:pos x="connsiteX8" y="connsiteY8"/>
+              </a:cxn>
+              <a:cxn ang="0">
+                <a:pos x="connsiteX9" y="connsiteY9"/>
+              </a:cxn>
+              <a:cxn ang="0">
+                <a:pos x="connsiteX10" y="connsiteY10"/>
+              </a:cxn>
+              <a:cxn ang="0">
+                <a:pos x="connsiteX11" y="connsiteY11"/>
+              </a:cxn>
+              <a:cxn ang="0">
+                <a:pos x="connsiteX12" y="connsiteY12"/>
+              </a:cxn>
+            </a:cxnLst>
+            <a:rect l="l" t="t" r="r" b="b"/>
+            <a:pathLst>
+              <a:path w="3474720" h="18288" fill="none" extrusionOk="0">
+                <a:moveTo>
+                  <a:pt x="0" y="0"/>
+                </a:moveTo>
+                <a:cubicBezTo>
+                  <a:pt x="224454" y="-14544"/>
+                  <a:pt x="495407" y="26540"/>
+                  <a:pt x="694944" y="0"/>
+                </a:cubicBezTo>
+                <a:cubicBezTo>
+                  <a:pt x="894481" y="-26540"/>
+                  <a:pt x="1130063" y="24713"/>
+                  <a:pt x="1355141" y="0"/>
+                </a:cubicBezTo>
+                <a:cubicBezTo>
+                  <a:pt x="1580219" y="-24713"/>
+                  <a:pt x="1820099" y="26695"/>
+                  <a:pt x="2015338" y="0"/>
+                </a:cubicBezTo>
+                <a:cubicBezTo>
+                  <a:pt x="2210577" y="-26695"/>
+                  <a:pt x="2402045" y="165"/>
+                  <a:pt x="2779776" y="0"/>
+                </a:cubicBezTo>
+                <a:cubicBezTo>
+                  <a:pt x="3157507" y="-165"/>
+                  <a:pt x="3286859" y="-15571"/>
+                  <a:pt x="3474720" y="0"/>
+                </a:cubicBezTo>
+                <a:cubicBezTo>
+                  <a:pt x="3474286" y="7551"/>
+                  <a:pt x="3474253" y="9822"/>
+                  <a:pt x="3474720" y="18288"/>
+                </a:cubicBezTo>
+                <a:cubicBezTo>
+                  <a:pt x="3233904" y="29845"/>
+                  <a:pt x="2945134" y="-5256"/>
+                  <a:pt x="2779776" y="18288"/>
+                </a:cubicBezTo>
+                <a:cubicBezTo>
+                  <a:pt x="2614418" y="41832"/>
+                  <a:pt x="2339768" y="22709"/>
+                  <a:pt x="2189074" y="18288"/>
+                </a:cubicBezTo>
+                <a:cubicBezTo>
+                  <a:pt x="2038380" y="13867"/>
+                  <a:pt x="1817434" y="-4947"/>
+                  <a:pt x="1528877" y="18288"/>
+                </a:cubicBezTo>
+                <a:cubicBezTo>
+                  <a:pt x="1240320" y="41523"/>
+                  <a:pt x="1042447" y="37198"/>
+                  <a:pt x="868680" y="18288"/>
+                </a:cubicBezTo>
+                <a:cubicBezTo>
+                  <a:pt x="694913" y="-622"/>
+                  <a:pt x="233232" y="44909"/>
+                  <a:pt x="0" y="18288"/>
+                </a:cubicBezTo>
+                <a:cubicBezTo>
+                  <a:pt x="60" y="11696"/>
+                  <a:pt x="66" y="3758"/>
+                  <a:pt x="0" y="0"/>
+                </a:cubicBezTo>
+                <a:close/>
+              </a:path>
+              <a:path w="3474720" h="18288" stroke="0" extrusionOk="0">
+                <a:moveTo>
+                  <a:pt x="0" y="0"/>
+                </a:moveTo>
+                <a:cubicBezTo>
+                  <a:pt x="202328" y="-14716"/>
+                  <a:pt x="332722" y="-11499"/>
+                  <a:pt x="625450" y="0"/>
+                </a:cubicBezTo>
+                <a:cubicBezTo>
+                  <a:pt x="918178" y="11499"/>
+                  <a:pt x="1096688" y="5123"/>
+                  <a:pt x="1389888" y="0"/>
+                </a:cubicBezTo>
+                <a:cubicBezTo>
+                  <a:pt x="1683088" y="-5123"/>
+                  <a:pt x="1835981" y="-14038"/>
+                  <a:pt x="1980590" y="0"/>
+                </a:cubicBezTo>
+                <a:cubicBezTo>
+                  <a:pt x="2125199" y="14038"/>
+                  <a:pt x="2396099" y="-7203"/>
+                  <a:pt x="2571293" y="0"/>
+                </a:cubicBezTo>
+                <a:cubicBezTo>
+                  <a:pt x="2746487" y="7203"/>
+                  <a:pt x="3041609" y="-12036"/>
+                  <a:pt x="3474720" y="0"/>
+                </a:cubicBezTo>
+                <a:cubicBezTo>
+                  <a:pt x="3474638" y="4406"/>
+                  <a:pt x="3474631" y="9982"/>
+                  <a:pt x="3474720" y="18288"/>
+                </a:cubicBezTo>
+                <a:cubicBezTo>
+                  <a:pt x="3324873" y="21876"/>
+                  <a:pt x="3136771" y="12587"/>
+                  <a:pt x="2814523" y="18288"/>
+                </a:cubicBezTo>
+                <a:cubicBezTo>
+                  <a:pt x="2492275" y="23989"/>
+                  <a:pt x="2294402" y="47111"/>
+                  <a:pt x="2154326" y="18288"/>
+                </a:cubicBezTo>
+                <a:cubicBezTo>
+                  <a:pt x="2014250" y="-10535"/>
+                  <a:pt x="1820317" y="33903"/>
+                  <a:pt x="1494130" y="18288"/>
+                </a:cubicBezTo>
+                <a:cubicBezTo>
+                  <a:pt x="1167943" y="2673"/>
+                  <a:pt x="948432" y="14868"/>
+                  <a:pt x="729691" y="18288"/>
+                </a:cubicBezTo>
+                <a:cubicBezTo>
+                  <a:pt x="510950" y="21708"/>
+                  <a:pt x="264032" y="24354"/>
+                  <a:pt x="0" y="18288"/>
+                </a:cubicBezTo>
+                <a:cubicBezTo>
+                  <a:pt x="189" y="14288"/>
+                  <a:pt x="-703" y="3747"/>
+                  <a:pt x="0" y="0"/>
+                </a:cubicBezTo>
+                <a:close/>
+              </a:path>
+            </a:pathLst>
+          </a:custGeom>
+          <a:solidFill>
+            <a:schemeClr val="accent2"/>
+          </a:solidFill>
+          <a:ln w="44450" cap="rnd">
+            <a:solidFill>
+              <a:schemeClr val="accent2"/>
+            </a:solidFill>
+            <a:round/>
+            <a:extLst>
+              <a:ext uri="{C807C97D-BFC1-408E-A445-0C87EB9F89A2}">
+                <ask:lineSketchStyleProps xmlns:ask="http://schemas.microsoft.com/office/drawing/2018/sketchyshapes" sd="2863741219">
+                  <a:prstGeom prst="rect">
+                    <a:avLst/>
+                  </a:prstGeom>
+                  <ask:type>
+                    <ask:lineSketchFreehand/>
+                  </ask:type>
+                </ask:lineSketchStyleProps>
+              </a:ext>
+            </a:extLst>
+          </a:ln>
+        </p:spPr>
+        <p:style>
+          <a:lnRef idx="2">
+            <a:schemeClr val="accent1">
+              <a:shade val="50000"/>
+            </a:schemeClr>
+          </a:lnRef>
+          <a:fillRef idx="1">
+            <a:schemeClr val="accent1"/>
+          </a:fillRef>
+          <a:effectRef idx="0">
+            <a:schemeClr val="accent1"/>
+          </a:effectRef>
+          <a:fontRef idx="minor">
+            <a:schemeClr val="lt1"/>
+          </a:fontRef>
+        </p:style>
+        <p:txBody>
+          <a:bodyPr rtlCol="0" anchor="ctr"/>
+          <a:lstStyle/>
+          <a:p>
+            <a:pPr algn="ctr"/>
+            <a:endParaRPr lang="en-US"/>
+          </a:p>
+        </p:txBody>
+      </p:sp>
+      <p:sp>
+        <p:nvSpPr>
+          <p:cNvPr id="4112" name="Content Placeholder 4101">
+            <a:extLst>
+              <a:ext uri="{FF2B5EF4-FFF2-40B4-BE49-F238E27FC236}">
+                <a16:creationId xmlns:a16="http://schemas.microsoft.com/office/drawing/2014/main" id="{F434F063-CDD7-DFA1-2591-2165359E494C}"/>
+              </a:ext>
+            </a:extLst>
+          </p:cNvPr>
+          <p:cNvSpPr>
+            <a:spLocks noGrp="1"/>
+          </p:cNvSpPr>
+          <p:nvPr>
+            <p:ph idx="1"/>
+          </p:nvPr>
+        </p:nvSpPr>
+        <p:spPr>
+          <a:xfrm>
+            <a:off x="640080" y="2872899"/>
+            <a:ext cx="4243589" cy="3320668"/>
+          </a:xfrm>
+        </p:spPr>
+        <p:txBody>
+          <a:bodyPr>
+            <a:normAutofit/>
+          </a:bodyPr>
+          <a:lstStyle/>
+          <a:p>
+            <a:r>
+              <a:rPr lang="en-US" sz="2200" dirty="0"/>
+              <a:t>Allow protesters to assess what kind of repression tools might be used</a:t>
+            </a:r>
+          </a:p>
+          <a:p>
+            <a:r>
+              <a:rPr lang="en-US" sz="2200" dirty="0"/>
+              <a:t>Allow </a:t>
+            </a:r>
+            <a:r>
+              <a:rPr lang="en-US" sz="2200" dirty="0" err="1"/>
+              <a:t>organisers</a:t>
+            </a:r>
+            <a:r>
+              <a:rPr lang="en-US" sz="2200" dirty="0"/>
+              <a:t> to understand to they can deploy better tactics to avoid violent escalations</a:t>
+            </a:r>
+          </a:p>
+          <a:p>
+            <a:r>
+              <a:rPr lang="en-US" sz="2200" dirty="0" err="1"/>
+              <a:t>Organise</a:t>
+            </a:r>
+            <a:r>
+              <a:rPr lang="en-US" sz="2200" dirty="0"/>
+              <a:t> smarter by suggesting safe places to hold the event</a:t>
+            </a:r>
+          </a:p>
+        </p:txBody>
+      </p:sp>
+      <p:pic>
+        <p:nvPicPr>
+          <p:cNvPr id="4098" name="Picture 2" descr="Ein Bild, das Text, Person enthält.&#10;&#10;Automatisch generierte Beschreibung">
+            <a:extLst>
+              <a:ext uri="{FF2B5EF4-FFF2-40B4-BE49-F238E27FC236}">
+                <a16:creationId xmlns:a16="http://schemas.microsoft.com/office/drawing/2014/main" id="{9B82AB07-00D3-2B34-5401-0D1A5E8D2FDC}"/>
+              </a:ext>
+            </a:extLst>
+          </p:cNvPr>
+          <p:cNvPicPr>
+            <a:picLocks noChangeAspect="1" noChangeArrowheads="1"/>
+          </p:cNvPicPr>
+          <p:nvPr/>
+        </p:nvPicPr>
+        <p:blipFill rotWithShape="1">
+          <a:blip r:embed="rId2">
+            <a:extLst>
+              <a:ext uri="{28A0092B-C50C-407E-A947-70E740481C1C}">
+                <a14:useLocalDpi xmlns:a14="http://schemas.microsoft.com/office/drawing/2010/main" val="0"/>
+              </a:ext>
+            </a:extLst>
+          </a:blip>
+          <a:srcRect l="18059" r="14739" b="2"/>
+          <a:stretch/>
+        </p:blipFill>
+        <p:spPr bwMode="auto">
+          <a:xfrm>
+            <a:off x="5311702" y="10"/>
+            <a:ext cx="6878775" cy="6857990"/>
+          </a:xfrm>
+          <a:custGeom>
+            <a:avLst/>
+            <a:gdLst/>
+            <a:ahLst/>
+            <a:cxnLst/>
+            <a:rect l="l" t="t" r="r" b="b"/>
+            <a:pathLst>
+              <a:path w="6878775" h="6858000">
+                <a:moveTo>
+                  <a:pt x="1102973" y="0"/>
+                </a:moveTo>
+                <a:lnTo>
+                  <a:pt x="1160688" y="0"/>
+                </a:lnTo>
+                <a:lnTo>
+                  <a:pt x="983189" y="331786"/>
+                </a:lnTo>
+                <a:cubicBezTo>
+                  <a:pt x="914866" y="469145"/>
+                  <a:pt x="850355" y="608712"/>
+                  <a:pt x="789261" y="750263"/>
+                </a:cubicBezTo>
+                <a:cubicBezTo>
+                  <a:pt x="774307" y="784928"/>
+                  <a:pt x="759992" y="819849"/>
+                  <a:pt x="745295" y="854514"/>
+                </a:cubicBezTo>
+                <a:cubicBezTo>
+                  <a:pt x="756682" y="845393"/>
+                  <a:pt x="765489" y="833492"/>
+                  <a:pt x="770857" y="819975"/>
+                </a:cubicBezTo>
+                <a:cubicBezTo>
+                  <a:pt x="879943" y="589569"/>
+                  <a:pt x="999605" y="365513"/>
+                  <a:pt x="1131329" y="148742"/>
+                </a:cubicBezTo>
+                <a:lnTo>
+                  <a:pt x="1227589" y="0"/>
+                </a:lnTo>
+                <a:lnTo>
+                  <a:pt x="6878775" y="0"/>
+                </a:lnTo>
+                <a:lnTo>
+                  <a:pt x="6878775" y="6858000"/>
+                </a:lnTo>
+                <a:lnTo>
+                  <a:pt x="713521" y="6858000"/>
+                </a:lnTo>
+                <a:lnTo>
+                  <a:pt x="625642" y="6670527"/>
+                </a:lnTo>
+                <a:cubicBezTo>
+                  <a:pt x="507232" y="6398531"/>
+                  <a:pt x="403083" y="6118381"/>
+                  <a:pt x="312785" y="5830359"/>
+                </a:cubicBezTo>
+                <a:cubicBezTo>
+                  <a:pt x="278149" y="5719759"/>
+                  <a:pt x="248879" y="5607635"/>
+                  <a:pt x="212198" y="5480401"/>
+                </a:cubicBezTo>
+                <a:cubicBezTo>
+                  <a:pt x="212208" y="5491601"/>
+                  <a:pt x="212803" y="5502788"/>
+                  <a:pt x="213988" y="5513923"/>
+                </a:cubicBezTo>
+                <a:cubicBezTo>
+                  <a:pt x="264089" y="5723695"/>
+                  <a:pt x="307290" y="5935370"/>
+                  <a:pt x="365826" y="6142729"/>
+                </a:cubicBezTo>
+                <a:cubicBezTo>
+                  <a:pt x="433152" y="6380817"/>
+                  <a:pt x="510068" y="6614016"/>
+                  <a:pt x="597975" y="6841549"/>
+                </a:cubicBezTo>
+                <a:lnTo>
+                  <a:pt x="604824" y="6858000"/>
+                </a:lnTo>
+                <a:lnTo>
+                  <a:pt x="552056" y="6858000"/>
+                </a:lnTo>
+                <a:lnTo>
+                  <a:pt x="539576" y="6828295"/>
+                </a:lnTo>
+                <a:cubicBezTo>
+                  <a:pt x="380597" y="6414594"/>
+                  <a:pt x="260223" y="5988893"/>
+                  <a:pt x="171555" y="5552906"/>
+                </a:cubicBezTo>
+                <a:cubicBezTo>
+                  <a:pt x="91163" y="5157998"/>
+                  <a:pt x="43746" y="4758899"/>
+                  <a:pt x="12305" y="4357388"/>
+                </a:cubicBezTo>
+                <a:cubicBezTo>
+                  <a:pt x="-14281" y="4013908"/>
+                  <a:pt x="4507" y="3672965"/>
+                  <a:pt x="46684" y="3331516"/>
+                </a:cubicBezTo>
+                <a:cubicBezTo>
+                  <a:pt x="127203" y="2664286"/>
+                  <a:pt x="277819" y="2007265"/>
+                  <a:pt x="496065" y="1371196"/>
+                </a:cubicBezTo>
+                <a:cubicBezTo>
+                  <a:pt x="636273" y="966066"/>
+                  <a:pt x="800445" y="573253"/>
+                  <a:pt x="995723" y="196614"/>
+                </a:cubicBezTo>
+                <a:close/>
+              </a:path>
+            </a:pathLst>
+          </a:custGeom>
+          <a:noFill/>
+          <a:extLst>
+            <a:ext uri="{909E8E84-426E-40DD-AFC4-6F175D3DCCD1}">
+              <a14:hiddenFill xmlns:a14="http://schemas.microsoft.com/office/drawing/2010/main">
+                <a:solidFill>
+                  <a:srgbClr val="FFFFFF"/>
+                </a:solidFill>
+              </a14:hiddenFill>
+            </a:ext>
+          </a:extLst>
+        </p:spPr>
+      </p:pic>
     </p:spTree>
     <p:extLst>
       <p:ext uri="{BB962C8B-B14F-4D97-AF65-F5344CB8AC3E}">
-        <p14:creationId xmlns:p14="http://schemas.microsoft.com/office/powerpoint/2010/main" val="3892835778"/>
+        <p14:creationId xmlns:p14="http://schemas.microsoft.com/office/powerpoint/2010/main" val="2085893275"/>
       </p:ext>
     </p:extLst>
   </p:cSld>
@@ -4829,7 +7317,7 @@
           <p:cNvPr id="2" name="Titel 1">
             <a:extLst>
               <a:ext uri="{FF2B5EF4-FFF2-40B4-BE49-F238E27FC236}">
-                <a16:creationId xmlns:a16="http://schemas.microsoft.com/office/drawing/2014/main" id="{9283923A-4E0C-1636-6E75-BDEB896155F6}"/>
+                <a16:creationId xmlns:a16="http://schemas.microsoft.com/office/drawing/2014/main" id="{F6132A96-B467-ABA5-CD4F-9E7EB294AF05}"/>
               </a:ext>
             </a:extLst>
           </p:cNvPr>
@@ -4847,19 +7335,11 @@
           <a:p>
             <a:r>
               <a:rPr lang="de-DE" dirty="0" err="1"/>
-              <a:t>Insights</a:t>
-            </a:r>
-            <a:r>
-              <a:rPr lang="de-DE" dirty="0"/>
-              <a:t>/ </a:t>
-            </a:r>
-            <a:r>
-              <a:rPr lang="de-DE" dirty="0" err="1"/>
-              <a:t>Visualisation</a:t>
-            </a:r>
-            <a:r>
-              <a:rPr lang="de-DE" dirty="0"/>
-              <a:t> (30 sec)</a:t>
+              <a:t>Methodology</a:t>
+            </a:r>
+            <a:r>
+              <a:rPr lang="de-DE" dirty="0"/>
+              <a:t> (1-2 min)</a:t>
             </a:r>
           </a:p>
         </p:txBody>
@@ -4869,7 +7349,7 @@
           <p:cNvPr id="3" name="Inhaltsplatzhalter 2">
             <a:extLst>
               <a:ext uri="{FF2B5EF4-FFF2-40B4-BE49-F238E27FC236}">
-                <a16:creationId xmlns:a16="http://schemas.microsoft.com/office/drawing/2014/main" id="{82AD37D3-DACA-7BBA-B44C-62553E5E6DF2}"/>
+                <a16:creationId xmlns:a16="http://schemas.microsoft.com/office/drawing/2014/main" id="{F42E52C6-AFF9-AF1C-CE15-61EC66A51207}"/>
               </a:ext>
             </a:extLst>
           </p:cNvPr>
@@ -4882,8 +7362,635 @@
         </p:nvSpPr>
         <p:spPr/>
         <p:txBody>
-          <a:bodyPr/>
+          <a:bodyPr>
+            <a:normAutofit fontScale="77500" lnSpcReduction="20000"/>
+          </a:bodyPr>
           <a:lstStyle/>
+          <a:p>
+            <a:r>
+              <a:rPr lang="de-DE" dirty="0" err="1"/>
+              <a:t>What</a:t>
+            </a:r>
+            <a:r>
+              <a:rPr lang="de-DE" dirty="0"/>
+              <a:t> </a:t>
+            </a:r>
+            <a:r>
+              <a:rPr lang="de-DE" dirty="0" err="1"/>
+              <a:t>did</a:t>
+            </a:r>
+            <a:r>
+              <a:rPr lang="de-DE" dirty="0"/>
+              <a:t> </a:t>
+            </a:r>
+            <a:r>
+              <a:rPr lang="de-DE" dirty="0" err="1"/>
+              <a:t>we</a:t>
+            </a:r>
+            <a:r>
+              <a:rPr lang="de-DE" dirty="0"/>
+              <a:t> </a:t>
+            </a:r>
+            <a:r>
+              <a:rPr lang="de-DE" dirty="0" err="1"/>
+              <a:t>start</a:t>
+            </a:r>
+            <a:r>
+              <a:rPr lang="de-DE" dirty="0"/>
+              <a:t> </a:t>
+            </a:r>
+            <a:r>
+              <a:rPr lang="de-DE" dirty="0" err="1"/>
+              <a:t>with</a:t>
+            </a:r>
+            <a:endParaRPr lang="de-DE" dirty="0"/>
+          </a:p>
+          <a:p>
+            <a:pPr lvl="1"/>
+            <a:r>
+              <a:rPr lang="de-DE" dirty="0" err="1"/>
+              <a:t>data</a:t>
+            </a:r>
+            <a:r>
+              <a:rPr lang="de-DE" dirty="0"/>
+              <a:t> </a:t>
+            </a:r>
+            <a:r>
+              <a:rPr lang="de-DE" dirty="0" err="1"/>
+              <a:t>sets</a:t>
+            </a:r>
+            <a:r>
+              <a:rPr lang="de-DE" dirty="0"/>
+              <a:t> </a:t>
+            </a:r>
+            <a:r>
+              <a:rPr lang="de-DE" dirty="0" err="1"/>
+              <a:t>of</a:t>
+            </a:r>
+            <a:r>
+              <a:rPr lang="de-DE" dirty="0"/>
+              <a:t> 3 different countries and a </a:t>
+            </a:r>
+            <a:r>
+              <a:rPr lang="de-DE" dirty="0" err="1"/>
+              <a:t>rough</a:t>
+            </a:r>
+            <a:r>
+              <a:rPr lang="de-DE" dirty="0"/>
+              <a:t> </a:t>
+            </a:r>
+            <a:r>
+              <a:rPr lang="de-DE" dirty="0" err="1"/>
+              <a:t>idea</a:t>
+            </a:r>
+            <a:r>
+              <a:rPr lang="de-DE" dirty="0"/>
+              <a:t> </a:t>
+            </a:r>
+            <a:r>
+              <a:rPr lang="de-DE" dirty="0" err="1"/>
+              <a:t>what</a:t>
+            </a:r>
+            <a:r>
+              <a:rPr lang="de-DE" dirty="0"/>
+              <a:t> </a:t>
+            </a:r>
+            <a:r>
+              <a:rPr lang="de-DE" dirty="0" err="1"/>
+              <a:t>model</a:t>
+            </a:r>
+            <a:r>
+              <a:rPr lang="de-DE" dirty="0"/>
+              <a:t> </a:t>
+            </a:r>
+            <a:r>
+              <a:rPr lang="de-DE" dirty="0" err="1"/>
+              <a:t>to</a:t>
+            </a:r>
+            <a:r>
+              <a:rPr lang="de-DE" dirty="0"/>
+              <a:t> </a:t>
+            </a:r>
+            <a:r>
+              <a:rPr lang="de-DE" dirty="0" err="1"/>
+              <a:t>use</a:t>
+            </a:r>
+            <a:endParaRPr lang="de-DE" dirty="0"/>
+          </a:p>
+          <a:p>
+            <a:pPr lvl="2"/>
+            <a:r>
+              <a:rPr lang="de-DE" dirty="0"/>
+              <a:t>Screenshot/ </a:t>
+            </a:r>
+            <a:r>
+              <a:rPr lang="de-DE" dirty="0" err="1"/>
+              <a:t>brie</a:t>
+            </a:r>
+            <a:r>
+              <a:rPr lang="de-DE" dirty="0"/>
+              <a:t> </a:t>
+            </a:r>
+            <a:r>
+              <a:rPr lang="de-DE" dirty="0" err="1"/>
+              <a:t>peak</a:t>
+            </a:r>
+            <a:r>
+              <a:rPr lang="de-DE" dirty="0"/>
+              <a:t> </a:t>
+            </a:r>
+            <a:r>
+              <a:rPr lang="de-DE" dirty="0" err="1"/>
+              <a:t>into</a:t>
+            </a:r>
+            <a:r>
+              <a:rPr lang="de-DE" dirty="0"/>
+              <a:t> </a:t>
+            </a:r>
+            <a:r>
+              <a:rPr lang="de-DE" dirty="0" err="1"/>
+              <a:t>the</a:t>
+            </a:r>
+            <a:r>
+              <a:rPr lang="de-DE" dirty="0"/>
+              <a:t> </a:t>
+            </a:r>
+            <a:r>
+              <a:rPr lang="de-DE" dirty="0" err="1"/>
+              <a:t>raw</a:t>
+            </a:r>
+            <a:r>
+              <a:rPr lang="de-DE" dirty="0"/>
+              <a:t> </a:t>
+            </a:r>
+            <a:r>
+              <a:rPr lang="de-DE" dirty="0" err="1"/>
+              <a:t>data</a:t>
+            </a:r>
+            <a:r>
+              <a:rPr lang="de-DE" dirty="0"/>
+              <a:t>?</a:t>
+            </a:r>
+          </a:p>
+          <a:p>
+            <a:pPr lvl="1"/>
+            <a:r>
+              <a:rPr lang="de-DE" dirty="0"/>
+              <a:t>The </a:t>
+            </a:r>
+            <a:r>
+              <a:rPr lang="de-DE" dirty="0" err="1"/>
+              <a:t>idea</a:t>
+            </a:r>
+            <a:r>
+              <a:rPr lang="de-DE" dirty="0"/>
+              <a:t> </a:t>
+            </a:r>
+            <a:r>
+              <a:rPr lang="de-DE" dirty="0" err="1"/>
+              <a:t>of</a:t>
+            </a:r>
+            <a:r>
+              <a:rPr lang="de-DE" dirty="0"/>
+              <a:t> </a:t>
+            </a:r>
+            <a:r>
+              <a:rPr lang="de-DE" dirty="0" err="1"/>
+              <a:t>what</a:t>
+            </a:r>
+            <a:r>
+              <a:rPr lang="de-DE" dirty="0"/>
+              <a:t> </a:t>
+            </a:r>
+            <a:r>
+              <a:rPr lang="de-DE" dirty="0" err="1"/>
+              <a:t>target</a:t>
+            </a:r>
+            <a:r>
+              <a:rPr lang="de-DE" dirty="0"/>
+              <a:t> variable </a:t>
+            </a:r>
+            <a:r>
+              <a:rPr lang="de-DE" dirty="0" err="1"/>
+              <a:t>to</a:t>
+            </a:r>
+            <a:r>
+              <a:rPr lang="de-DE" dirty="0"/>
+              <a:t> </a:t>
+            </a:r>
+            <a:r>
+              <a:rPr lang="de-DE" dirty="0" err="1"/>
+              <a:t>choose</a:t>
+            </a:r>
+            <a:endParaRPr lang="de-DE" dirty="0"/>
+          </a:p>
+          <a:p>
+            <a:r>
+              <a:rPr lang="de-DE" dirty="0" err="1"/>
+              <a:t>How</a:t>
+            </a:r>
+            <a:r>
+              <a:rPr lang="de-DE" dirty="0"/>
+              <a:t> </a:t>
+            </a:r>
+            <a:r>
+              <a:rPr lang="de-DE" dirty="0" err="1"/>
+              <a:t>did</a:t>
+            </a:r>
+            <a:r>
+              <a:rPr lang="de-DE" dirty="0"/>
+              <a:t> </a:t>
+            </a:r>
+            <a:r>
+              <a:rPr lang="de-DE" dirty="0" err="1"/>
+              <a:t>we</a:t>
+            </a:r>
+            <a:r>
+              <a:rPr lang="de-DE" dirty="0"/>
+              <a:t> </a:t>
+            </a:r>
+            <a:r>
+              <a:rPr lang="de-DE" dirty="0" err="1"/>
+              <a:t>proceed</a:t>
+            </a:r>
+            <a:r>
+              <a:rPr lang="de-DE" dirty="0"/>
+              <a:t>:</a:t>
+            </a:r>
+          </a:p>
+          <a:p>
+            <a:pPr lvl="1"/>
+            <a:r>
+              <a:rPr lang="de-DE" dirty="0"/>
+              <a:t>PM and </a:t>
+            </a:r>
+            <a:r>
+              <a:rPr lang="de-DE" dirty="0" err="1"/>
+              <a:t>organisation</a:t>
+            </a:r>
+            <a:r>
+              <a:rPr lang="de-DE" dirty="0"/>
+              <a:t> </a:t>
+            </a:r>
+            <a:r>
+              <a:rPr lang="de-DE" dirty="0" err="1"/>
+              <a:t>of</a:t>
+            </a:r>
+            <a:r>
+              <a:rPr lang="de-DE" dirty="0"/>
+              <a:t> </a:t>
+            </a:r>
+            <a:r>
+              <a:rPr lang="de-DE" dirty="0" err="1"/>
+              <a:t>work</a:t>
+            </a:r>
+            <a:r>
+              <a:rPr lang="de-DE" dirty="0"/>
+              <a:t> (?)</a:t>
+            </a:r>
+          </a:p>
+          <a:p>
+            <a:pPr lvl="1"/>
+            <a:r>
+              <a:rPr lang="de-DE" dirty="0"/>
+              <a:t>Data </a:t>
+            </a:r>
+            <a:r>
+              <a:rPr lang="de-DE" dirty="0" err="1"/>
+              <a:t>Preproc</a:t>
+            </a:r>
+            <a:r>
+              <a:rPr lang="de-DE" dirty="0"/>
+              <a:t> (</a:t>
+            </a:r>
+            <a:r>
+              <a:rPr lang="de-DE" dirty="0" err="1"/>
+              <a:t>taking</a:t>
+            </a:r>
+            <a:r>
+              <a:rPr lang="de-DE" dirty="0"/>
+              <a:t> a </a:t>
+            </a:r>
+            <a:r>
+              <a:rPr lang="de-DE" dirty="0" err="1"/>
+              <a:t>loooot</a:t>
+            </a:r>
+            <a:r>
+              <a:rPr lang="de-DE" dirty="0"/>
+              <a:t> </a:t>
+            </a:r>
+            <a:r>
+              <a:rPr lang="de-DE" dirty="0" err="1"/>
+              <a:t>of</a:t>
+            </a:r>
+            <a:r>
+              <a:rPr lang="de-DE" dirty="0"/>
+              <a:t> time!)</a:t>
+            </a:r>
+          </a:p>
+          <a:p>
+            <a:pPr lvl="2"/>
+            <a:r>
+              <a:rPr lang="de-DE" dirty="0" err="1"/>
+              <a:t>data</a:t>
+            </a:r>
+            <a:r>
+              <a:rPr lang="de-DE" dirty="0"/>
+              <a:t> </a:t>
+            </a:r>
+            <a:r>
+              <a:rPr lang="de-DE" dirty="0" err="1"/>
+              <a:t>exploration</a:t>
+            </a:r>
+            <a:r>
+              <a:rPr lang="de-DE" dirty="0"/>
+              <a:t> (</a:t>
+            </a:r>
+            <a:r>
+              <a:rPr lang="de-DE" dirty="0" err="1"/>
+              <a:t>viz</a:t>
+            </a:r>
+            <a:r>
+              <a:rPr lang="de-DE" dirty="0"/>
+              <a:t> + </a:t>
+            </a:r>
+            <a:r>
+              <a:rPr lang="de-DE" dirty="0" err="1"/>
+              <a:t>trying</a:t>
+            </a:r>
+            <a:r>
+              <a:rPr lang="de-DE" dirty="0"/>
+              <a:t> </a:t>
+            </a:r>
+            <a:r>
+              <a:rPr lang="de-DE" dirty="0" err="1"/>
+              <a:t>to</a:t>
+            </a:r>
+            <a:r>
+              <a:rPr lang="de-DE" dirty="0"/>
+              <a:t> find </a:t>
+            </a:r>
+            <a:r>
+              <a:rPr lang="de-DE" dirty="0" err="1"/>
+              <a:t>first</a:t>
+            </a:r>
+            <a:r>
+              <a:rPr lang="de-DE" dirty="0"/>
+              <a:t> </a:t>
+            </a:r>
+            <a:r>
+              <a:rPr lang="de-DE" dirty="0" err="1"/>
+              <a:t>correlations</a:t>
+            </a:r>
+            <a:r>
+              <a:rPr lang="de-DE" dirty="0"/>
+              <a:t>) </a:t>
+            </a:r>
+          </a:p>
+          <a:p>
+            <a:pPr lvl="2"/>
+            <a:r>
+              <a:rPr lang="de-DE" dirty="0" err="1"/>
+              <a:t>Eliminating</a:t>
+            </a:r>
+            <a:r>
+              <a:rPr lang="de-DE" dirty="0"/>
+              <a:t> variables</a:t>
+            </a:r>
+          </a:p>
+          <a:p>
+            <a:pPr lvl="2"/>
+            <a:r>
+              <a:rPr lang="de-DE" dirty="0" err="1"/>
+              <a:t>Standardising</a:t>
+            </a:r>
+            <a:r>
+              <a:rPr lang="de-DE" dirty="0"/>
+              <a:t> and </a:t>
+            </a:r>
+            <a:r>
+              <a:rPr lang="de-DE" dirty="0" err="1"/>
+              <a:t>merging</a:t>
+            </a:r>
+            <a:r>
+              <a:rPr lang="de-DE" dirty="0"/>
+              <a:t> </a:t>
+            </a:r>
+            <a:r>
+              <a:rPr lang="de-DE" dirty="0" err="1"/>
+              <a:t>the</a:t>
+            </a:r>
+            <a:r>
+              <a:rPr lang="de-DE" dirty="0"/>
+              <a:t> 3 </a:t>
+            </a:r>
+            <a:r>
+              <a:rPr lang="de-DE" dirty="0" err="1"/>
+              <a:t>data</a:t>
+            </a:r>
+            <a:r>
+              <a:rPr lang="de-DE" dirty="0"/>
+              <a:t> </a:t>
+            </a:r>
+            <a:r>
+              <a:rPr lang="de-DE" dirty="0" err="1"/>
+              <a:t>sets</a:t>
+            </a:r>
+            <a:endParaRPr lang="de-DE" dirty="0"/>
+          </a:p>
+          <a:p>
+            <a:pPr lvl="1"/>
+            <a:r>
+              <a:rPr lang="de-DE" dirty="0"/>
+              <a:t>Modelling (</a:t>
+            </a:r>
+            <a:r>
+              <a:rPr lang="de-DE" dirty="0" err="1"/>
+              <a:t>here</a:t>
+            </a:r>
+            <a:r>
+              <a:rPr lang="de-DE" dirty="0"/>
+              <a:t> </a:t>
+            </a:r>
+            <a:r>
+              <a:rPr lang="de-DE" dirty="0" err="1"/>
+              <a:t>we</a:t>
+            </a:r>
+            <a:r>
+              <a:rPr lang="de-DE" dirty="0"/>
+              <a:t> </a:t>
+            </a:r>
+            <a:r>
+              <a:rPr lang="de-DE" dirty="0" err="1"/>
+              <a:t>can</a:t>
+            </a:r>
+            <a:r>
+              <a:rPr lang="de-DE" dirty="0"/>
+              <a:t> </a:t>
+            </a:r>
+            <a:r>
+              <a:rPr lang="de-DE" dirty="0" err="1"/>
+              <a:t>discuss</a:t>
+            </a:r>
+            <a:r>
+              <a:rPr lang="de-DE" dirty="0"/>
+              <a:t> </a:t>
+            </a:r>
+            <a:r>
+              <a:rPr lang="de-DE" dirty="0" err="1"/>
+              <a:t>if</a:t>
+            </a:r>
+            <a:r>
+              <a:rPr lang="de-DE" dirty="0"/>
+              <a:t> </a:t>
+            </a:r>
+            <a:r>
+              <a:rPr lang="de-DE" dirty="0" err="1"/>
+              <a:t>we</a:t>
+            </a:r>
+            <a:r>
+              <a:rPr lang="de-DE" dirty="0"/>
+              <a:t> </a:t>
+            </a:r>
+            <a:r>
+              <a:rPr lang="de-DE" dirty="0" err="1"/>
+              <a:t>give</a:t>
+            </a:r>
+            <a:r>
+              <a:rPr lang="de-DE" dirty="0"/>
+              <a:t> a </a:t>
+            </a:r>
+            <a:r>
+              <a:rPr lang="de-DE" dirty="0" err="1"/>
+              <a:t>brief</a:t>
+            </a:r>
+            <a:r>
+              <a:rPr lang="de-DE" dirty="0"/>
+              <a:t> </a:t>
+            </a:r>
+            <a:r>
+              <a:rPr lang="de-DE" dirty="0" err="1"/>
+              <a:t>peek</a:t>
+            </a:r>
+            <a:r>
+              <a:rPr lang="de-DE" dirty="0"/>
+              <a:t> </a:t>
+            </a:r>
+            <a:r>
+              <a:rPr lang="de-DE" dirty="0" err="1"/>
+              <a:t>into</a:t>
+            </a:r>
+            <a:r>
+              <a:rPr lang="de-DE" dirty="0"/>
+              <a:t> </a:t>
+            </a:r>
+            <a:r>
+              <a:rPr lang="de-DE" dirty="0" err="1"/>
+              <a:t>some</a:t>
+            </a:r>
+            <a:r>
+              <a:rPr lang="de-DE" dirty="0"/>
+              <a:t> </a:t>
+            </a:r>
+            <a:r>
+              <a:rPr lang="de-DE" dirty="0" err="1"/>
+              <a:t>of</a:t>
+            </a:r>
+            <a:r>
+              <a:rPr lang="de-DE" dirty="0"/>
+              <a:t> </a:t>
+            </a:r>
+            <a:r>
+              <a:rPr lang="de-DE" dirty="0" err="1"/>
+              <a:t>our</a:t>
+            </a:r>
+            <a:r>
+              <a:rPr lang="de-DE" dirty="0"/>
+              <a:t> </a:t>
+            </a:r>
+            <a:r>
+              <a:rPr lang="de-DE" dirty="0" err="1"/>
+              <a:t>models</a:t>
+            </a:r>
+            <a:r>
+              <a:rPr lang="de-DE" dirty="0"/>
+              <a:t> </a:t>
+            </a:r>
+            <a:r>
+              <a:rPr lang="de-DE" dirty="0" err="1"/>
+              <a:t>or</a:t>
+            </a:r>
+            <a:r>
+              <a:rPr lang="de-DE" dirty="0"/>
+              <a:t> </a:t>
+            </a:r>
+            <a:r>
+              <a:rPr lang="de-DE" dirty="0" err="1"/>
+              <a:t>show</a:t>
+            </a:r>
+            <a:r>
+              <a:rPr lang="de-DE" dirty="0"/>
+              <a:t> score):</a:t>
+            </a:r>
+          </a:p>
+          <a:p>
+            <a:pPr lvl="2"/>
+            <a:r>
+              <a:rPr lang="de-DE" dirty="0" err="1"/>
+              <a:t>Logistics</a:t>
+            </a:r>
+            <a:endParaRPr lang="de-DE" dirty="0"/>
+          </a:p>
+          <a:p>
+            <a:pPr lvl="2"/>
+            <a:r>
+              <a:rPr lang="de-DE" dirty="0"/>
+              <a:t>Random Forest</a:t>
+            </a:r>
+          </a:p>
+          <a:p>
+            <a:pPr lvl="2"/>
+            <a:r>
+              <a:rPr lang="de-DE" dirty="0"/>
+              <a:t>DTC Model</a:t>
+            </a:r>
+          </a:p>
+          <a:p>
+            <a:pPr lvl="2"/>
+            <a:r>
+              <a:rPr lang="de-DE" dirty="0" err="1"/>
+              <a:t>Choosing</a:t>
+            </a:r>
+            <a:r>
+              <a:rPr lang="de-DE" dirty="0"/>
+              <a:t> final </a:t>
+            </a:r>
+            <a:r>
+              <a:rPr lang="de-DE" dirty="0" err="1"/>
+              <a:t>features</a:t>
+            </a:r>
+            <a:endParaRPr lang="de-DE" dirty="0"/>
+          </a:p>
+          <a:p>
+            <a:pPr lvl="1"/>
+            <a:r>
+              <a:rPr lang="de-DE" dirty="0" err="1"/>
+              <a:t>Predict</a:t>
+            </a:r>
+            <a:r>
+              <a:rPr lang="de-DE" dirty="0"/>
+              <a:t> in </a:t>
+            </a:r>
+            <a:r>
+              <a:rPr lang="de-DE" dirty="0" err="1"/>
+              <a:t>Production</a:t>
+            </a:r>
+            <a:endParaRPr lang="de-DE" dirty="0"/>
+          </a:p>
+          <a:p>
+            <a:pPr lvl="3"/>
+            <a:endParaRPr lang="de-DE" dirty="0"/>
+          </a:p>
           <a:p>
             <a:endParaRPr lang="de-DE" dirty="0"/>
           </a:p>
@@ -4892,7 +7999,7 @@
     </p:spTree>
     <p:extLst>
       <p:ext uri="{BB962C8B-B14F-4D97-AF65-F5344CB8AC3E}">
-        <p14:creationId xmlns:p14="http://schemas.microsoft.com/office/powerpoint/2010/main" val="2484273022"/>
+        <p14:creationId xmlns:p14="http://schemas.microsoft.com/office/powerpoint/2010/main" val="3892835778"/>
       </p:ext>
     </p:extLst>
   </p:cSld>
@@ -4924,7 +8031,7 @@
           <p:cNvPr id="2" name="Titel 1">
             <a:extLst>
               <a:ext uri="{FF2B5EF4-FFF2-40B4-BE49-F238E27FC236}">
-                <a16:creationId xmlns:a16="http://schemas.microsoft.com/office/drawing/2014/main" id="{BC6ECCC0-70FF-260F-1579-C96632747AFD}"/>
+                <a16:creationId xmlns:a16="http://schemas.microsoft.com/office/drawing/2014/main" id="{9283923A-4E0C-1636-6E75-BDEB896155F6}"/>
               </a:ext>
             </a:extLst>
           </p:cNvPr>
@@ -4942,6 +8049,101 @@
           <a:p>
             <a:r>
               <a:rPr lang="de-DE" dirty="0" err="1"/>
+              <a:t>Insights</a:t>
+            </a:r>
+            <a:r>
+              <a:rPr lang="de-DE" dirty="0"/>
+              <a:t>/ </a:t>
+            </a:r>
+            <a:r>
+              <a:rPr lang="de-DE" dirty="0" err="1"/>
+              <a:t>Visualisation</a:t>
+            </a:r>
+            <a:r>
+              <a:rPr lang="de-DE" dirty="0"/>
+              <a:t> (30 sec)</a:t>
+            </a:r>
+          </a:p>
+        </p:txBody>
+      </p:sp>
+      <p:sp>
+        <p:nvSpPr>
+          <p:cNvPr id="3" name="Inhaltsplatzhalter 2">
+            <a:extLst>
+              <a:ext uri="{FF2B5EF4-FFF2-40B4-BE49-F238E27FC236}">
+                <a16:creationId xmlns:a16="http://schemas.microsoft.com/office/drawing/2014/main" id="{82AD37D3-DACA-7BBA-B44C-62553E5E6DF2}"/>
+              </a:ext>
+            </a:extLst>
+          </p:cNvPr>
+          <p:cNvSpPr>
+            <a:spLocks noGrp="1"/>
+          </p:cNvSpPr>
+          <p:nvPr>
+            <p:ph idx="1"/>
+          </p:nvPr>
+        </p:nvSpPr>
+        <p:spPr/>
+        <p:txBody>
+          <a:bodyPr/>
+          <a:lstStyle/>
+          <a:p>
+            <a:endParaRPr lang="de-DE" dirty="0"/>
+          </a:p>
+        </p:txBody>
+      </p:sp>
+    </p:spTree>
+    <p:extLst>
+      <p:ext uri="{BB962C8B-B14F-4D97-AF65-F5344CB8AC3E}">
+        <p14:creationId xmlns:p14="http://schemas.microsoft.com/office/powerpoint/2010/main" val="2484273022"/>
+      </p:ext>
+    </p:extLst>
+  </p:cSld>
+  <p:clrMapOvr>
+    <a:masterClrMapping/>
+  </p:clrMapOvr>
+</p:sld>
+</file>
+
+<file path=ppt/slides/slide7.xml><?xml version="1.0" encoding="utf-8"?>
+<p:sld xmlns:a="http://schemas.openxmlformats.org/drawingml/2006/main" xmlns:r="http://schemas.openxmlformats.org/officeDocument/2006/relationships" xmlns:p="http://schemas.openxmlformats.org/presentationml/2006/main">
+  <p:cSld>
+    <p:spTree>
+      <p:nvGrpSpPr>
+        <p:cNvPr id="1" name=""/>
+        <p:cNvGrpSpPr/>
+        <p:nvPr/>
+      </p:nvGrpSpPr>
+      <p:grpSpPr>
+        <a:xfrm>
+          <a:off x="0" y="0"/>
+          <a:ext cx="0" cy="0"/>
+          <a:chOff x="0" y="0"/>
+          <a:chExt cx="0" cy="0"/>
+        </a:xfrm>
+      </p:grpSpPr>
+      <p:sp>
+        <p:nvSpPr>
+          <p:cNvPr id="2" name="Titel 1">
+            <a:extLst>
+              <a:ext uri="{FF2B5EF4-FFF2-40B4-BE49-F238E27FC236}">
+                <a16:creationId xmlns:a16="http://schemas.microsoft.com/office/drawing/2014/main" id="{BC6ECCC0-70FF-260F-1579-C96632747AFD}"/>
+              </a:ext>
+            </a:extLst>
+          </p:cNvPr>
+          <p:cNvSpPr>
+            <a:spLocks noGrp="1"/>
+          </p:cNvSpPr>
+          <p:nvPr>
+            <p:ph type="title"/>
+          </p:nvPr>
+        </p:nvSpPr>
+        <p:spPr/>
+        <p:txBody>
+          <a:bodyPr/>
+          <a:lstStyle/>
+          <a:p>
+            <a:r>
+              <a:rPr lang="de-DE" dirty="0" err="1"/>
               <a:t>Predict</a:t>
             </a:r>
             <a:r>
@@ -5037,6 +8239,48 @@
               <a:t>app</a:t>
             </a:r>
             <a:endParaRPr lang="de-DE" dirty="0"/>
+          </a:p>
+          <a:p>
+            <a:r>
+              <a:rPr lang="de-DE" dirty="0" err="1"/>
+              <a:t>Predict</a:t>
+            </a:r>
+            <a:r>
+              <a:rPr lang="de-DE" dirty="0"/>
+              <a:t> </a:t>
+            </a:r>
+            <a:r>
+              <a:rPr lang="de-DE" dirty="0" err="1"/>
+              <a:t>from</a:t>
+            </a:r>
+            <a:r>
+              <a:rPr lang="de-DE" dirty="0"/>
+              <a:t> </a:t>
+            </a:r>
+            <a:r>
+              <a:rPr lang="de-DE" dirty="0" err="1"/>
+              <a:t>phone</a:t>
+            </a:r>
+            <a:r>
+              <a:rPr lang="de-DE" dirty="0"/>
+              <a:t> (</a:t>
+            </a:r>
+            <a:r>
+              <a:rPr lang="de-DE" dirty="0" err="1"/>
+              <a:t>comp</a:t>
+            </a:r>
+            <a:r>
+              <a:rPr lang="de-DE" dirty="0"/>
+              <a:t> Chatbot </a:t>
+            </a:r>
+            <a:r>
+              <a:rPr lang="de-DE" dirty="0" err="1"/>
+              <a:t>team</a:t>
+            </a:r>
+            <a:r>
+              <a:rPr lang="de-DE" dirty="0"/>
+              <a:t>)?</a:t>
+            </a:r>
           </a:p>
           <a:p>
             <a:r>
@@ -5132,7 +8376,7 @@
 </p:sld>
 </file>
 
-<file path=ppt/slides/slide7.xml><?xml version="1.0" encoding="utf-8"?>
+<file path=ppt/slides/slide8.xml><?xml version="1.0" encoding="utf-8"?>
 <p:sld xmlns:a="http://schemas.openxmlformats.org/drawingml/2006/main" xmlns:r="http://schemas.openxmlformats.org/officeDocument/2006/relationships" xmlns:p="http://schemas.openxmlformats.org/presentationml/2006/main">
   <p:cSld>
     <p:spTree>
@@ -5772,4 +9016,299 @@
     </a:ext>
   </a:extLst>
 </a:theme>
+</file>
+
+<file path=ppt/theme/theme2.xml><?xml version="1.0" encoding="utf-8"?>
+<a:theme xmlns:a="http://schemas.openxmlformats.org/drawingml/2006/main" name="Office">
+  <a:themeElements>
+    <a:clrScheme name="Office">
+      <a:dk1>
+        <a:sysClr val="windowText" lastClr="000000"/>
+      </a:dk1>
+      <a:lt1>
+        <a:sysClr val="window" lastClr="FFFFFF"/>
+      </a:lt1>
+      <a:dk2>
+        <a:srgbClr val="44546A"/>
+      </a:dk2>
+      <a:lt2>
+        <a:srgbClr val="E7E6E6"/>
+      </a:lt2>
+      <a:accent1>
+        <a:srgbClr val="4472C4"/>
+      </a:accent1>
+      <a:accent2>
+        <a:srgbClr val="ED7D31"/>
+      </a:accent2>
+      <a:accent3>
+        <a:srgbClr val="A5A5A5"/>
+      </a:accent3>
+      <a:accent4>
+        <a:srgbClr val="FFC000"/>
+      </a:accent4>
+      <a:accent5>
+        <a:srgbClr val="5B9BD5"/>
+      </a:accent5>
+      <a:accent6>
+        <a:srgbClr val="70AD47"/>
+      </a:accent6>
+      <a:hlink>
+        <a:srgbClr val="0563C1"/>
+      </a:hlink>
+      <a:folHlink>
+        <a:srgbClr val="954F72"/>
+      </a:folHlink>
+    </a:clrScheme>
+    <a:fontScheme name="Office">
+      <a:majorFont>
+        <a:latin typeface="Calibri Light" panose="020F0302020204030204"/>
+        <a:ea typeface=""/>
+        <a:cs typeface=""/>
+        <a:font script="Jpan" typeface="游ゴシック Light"/>
+        <a:font script="Hang" typeface="맑은 고딕"/>
+        <a:font script="Hans" typeface="等线 Light"/>
+        <a:font script="Hant" typeface="新細明體"/>
+        <a:font script="Arab" typeface="Times New Roman"/>
+        <a:font script="Hebr" typeface="Times New Roman"/>
+        <a:font script="Thai" typeface="Angsana New"/>
+        <a:font script="Ethi" typeface="Nyala"/>
+        <a:font script="Beng" typeface="Vrinda"/>
+        <a:font script="Gujr" typeface="Shruti"/>
+        <a:font script="Khmr" typeface="MoolBoran"/>
+        <a:font script="Knda" typeface="Tunga"/>
+        <a:font script="Guru" typeface="Raavi"/>
+        <a:font script="Cans" typeface="Euphemia"/>
+        <a:font script="Cher" typeface="Plantagenet Cherokee"/>
+        <a:font script="Yiii" typeface="Microsoft Yi Baiti"/>
+        <a:font script="Tibt" typeface="Microsoft Himalaya"/>
+        <a:font script="Thaa" typeface="MV Boli"/>
+        <a:font script="Deva" typeface="Mangal"/>
+        <a:font script="Telu" typeface="Gautami"/>
+        <a:font script="Taml" typeface="Latha"/>
+        <a:font script="Syrc" typeface="Estrangelo Edessa"/>
+        <a:font script="Orya" typeface="Kalinga"/>
+        <a:font script="Mlym" typeface="Kartika"/>
+        <a:font script="Laoo" typeface="DokChampa"/>
+        <a:font script="Sinh" typeface="Iskoola Pota"/>
+        <a:font script="Mong" typeface="Mongolian Baiti"/>
+        <a:font script="Viet" typeface="Times New Roman"/>
+        <a:font script="Uigh" typeface="Microsoft Uighur"/>
+        <a:font script="Geor" typeface="Sylfaen"/>
+        <a:font script="Armn" typeface="Arial"/>
+        <a:font script="Bugi" typeface="Leelawadee UI"/>
+        <a:font script="Bopo" typeface="Microsoft JhengHei"/>
+        <a:font script="Java" typeface="Javanese Text"/>
+        <a:font script="Lisu" typeface="Segoe UI"/>
+        <a:font script="Mymr" typeface="Myanmar Text"/>
+        <a:font script="Nkoo" typeface="Ebrima"/>
+        <a:font script="Olck" typeface="Nirmala UI"/>
+        <a:font script="Osma" typeface="Ebrima"/>
+        <a:font script="Phag" typeface="Phagspa"/>
+        <a:font script="Syrn" typeface="Estrangelo Edessa"/>
+        <a:font script="Syrj" typeface="Estrangelo Edessa"/>
+        <a:font script="Syre" typeface="Estrangelo Edessa"/>
+        <a:font script="Sora" typeface="Nirmala UI"/>
+        <a:font script="Tale" typeface="Microsoft Tai Le"/>
+        <a:font script="Talu" typeface="Microsoft New Tai Lue"/>
+        <a:font script="Tfng" typeface="Ebrima"/>
+      </a:majorFont>
+      <a:minorFont>
+        <a:latin typeface="Calibri" panose="020F0502020204030204"/>
+        <a:ea typeface=""/>
+        <a:cs typeface=""/>
+        <a:font script="Jpan" typeface="游ゴシック"/>
+        <a:font script="Hang" typeface="맑은 고딕"/>
+        <a:font script="Hans" typeface="等线"/>
+        <a:font script="Hant" typeface="新細明體"/>
+        <a:font script="Arab" typeface="Arial"/>
+        <a:font script="Hebr" typeface="Arial"/>
+        <a:font script="Thai" typeface="Cordia New"/>
+        <a:font script="Ethi" typeface="Nyala"/>
+        <a:font script="Beng" typeface="Vrinda"/>
+        <a:font script="Gujr" typeface="Shruti"/>
+        <a:font script="Khmr" typeface="DaunPenh"/>
+        <a:font script="Knda" typeface="Tunga"/>
+        <a:font script="Guru" typeface="Raavi"/>
+        <a:font script="Cans" typeface="Euphemia"/>
+        <a:font script="Cher" typeface="Plantagenet Cherokee"/>
+        <a:font script="Yiii" typeface="Microsoft Yi Baiti"/>
+        <a:font script="Tibt" typeface="Microsoft Himalaya"/>
+        <a:font script="Thaa" typeface="MV Boli"/>
+        <a:font script="Deva" typeface="Mangal"/>
+        <a:font script="Telu" typeface="Gautami"/>
+        <a:font script="Taml" typeface="Latha"/>
+        <a:font script="Syrc" typeface="Estrangelo Edessa"/>
+        <a:font script="Orya" typeface="Kalinga"/>
+        <a:font script="Mlym" typeface="Kartika"/>
+        <a:font script="Laoo" typeface="DokChampa"/>
+        <a:font script="Sinh" typeface="Iskoola Pota"/>
+        <a:font script="Mong" typeface="Mongolian Baiti"/>
+        <a:font script="Viet" typeface="Arial"/>
+        <a:font script="Uigh" typeface="Microsoft Uighur"/>
+        <a:font script="Geor" typeface="Sylfaen"/>
+        <a:font script="Armn" typeface="Arial"/>
+        <a:font script="Bugi" typeface="Leelawadee UI"/>
+        <a:font script="Bopo" typeface="Microsoft JhengHei"/>
+        <a:font script="Java" typeface="Javanese Text"/>
+        <a:font script="Lisu" typeface="Segoe UI"/>
+        <a:font script="Mymr" typeface="Myanmar Text"/>
+        <a:font script="Nkoo" typeface="Ebrima"/>
+        <a:font script="Olck" typeface="Nirmala UI"/>
+        <a:font script="Osma" typeface="Ebrima"/>
+        <a:font script="Phag" typeface="Phagspa"/>
+        <a:font script="Syrn" typeface="Estrangelo Edessa"/>
+        <a:font script="Syrj" typeface="Estrangelo Edessa"/>
+        <a:font script="Syre" typeface="Estrangelo Edessa"/>
+        <a:font script="Sora" typeface="Nirmala UI"/>
+        <a:font script="Tale" typeface="Microsoft Tai Le"/>
+        <a:font script="Talu" typeface="Microsoft New Tai Lue"/>
+        <a:font script="Tfng" typeface="Ebrima"/>
+      </a:minorFont>
+    </a:fontScheme>
+    <a:fmtScheme name="Office">
+      <a:fillStyleLst>
+        <a:solidFill>
+          <a:schemeClr val="phClr"/>
+        </a:solidFill>
+        <a:gradFill rotWithShape="1">
+          <a:gsLst>
+            <a:gs pos="0">
+              <a:schemeClr val="phClr">
+                <a:lumMod val="110000"/>
+                <a:satMod val="105000"/>
+                <a:tint val="67000"/>
+              </a:schemeClr>
+            </a:gs>
+            <a:gs pos="50000">
+              <a:schemeClr val="phClr">
+                <a:lumMod val="105000"/>
+                <a:satMod val="103000"/>
+                <a:tint val="73000"/>
+              </a:schemeClr>
+            </a:gs>
+            <a:gs pos="100000">
+              <a:schemeClr val="phClr">
+                <a:lumMod val="105000"/>
+                <a:satMod val="109000"/>
+                <a:tint val="81000"/>
+              </a:schemeClr>
+            </a:gs>
+          </a:gsLst>
+          <a:lin ang="5400000" scaled="0"/>
+        </a:gradFill>
+        <a:gradFill rotWithShape="1">
+          <a:gsLst>
+            <a:gs pos="0">
+              <a:schemeClr val="phClr">
+                <a:satMod val="103000"/>
+                <a:lumMod val="102000"/>
+                <a:tint val="94000"/>
+              </a:schemeClr>
+            </a:gs>
+            <a:gs pos="50000">
+              <a:schemeClr val="phClr">
+                <a:satMod val="110000"/>
+                <a:lumMod val="100000"/>
+                <a:shade val="100000"/>
+              </a:schemeClr>
+            </a:gs>
+            <a:gs pos="100000">
+              <a:schemeClr val="phClr">
+                <a:lumMod val="99000"/>
+                <a:satMod val="120000"/>
+                <a:shade val="78000"/>
+              </a:schemeClr>
+            </a:gs>
+          </a:gsLst>
+          <a:lin ang="5400000" scaled="0"/>
+        </a:gradFill>
+      </a:fillStyleLst>
+      <a:lnStyleLst>
+        <a:ln w="6350" cap="flat" cmpd="sng" algn="ctr">
+          <a:solidFill>
+            <a:schemeClr val="phClr"/>
+          </a:solidFill>
+          <a:prstDash val="solid"/>
+          <a:miter lim="800000"/>
+        </a:ln>
+        <a:ln w="12700" cap="flat" cmpd="sng" algn="ctr">
+          <a:solidFill>
+            <a:schemeClr val="phClr"/>
+          </a:solidFill>
+          <a:prstDash val="solid"/>
+          <a:miter lim="800000"/>
+        </a:ln>
+        <a:ln w="19050" cap="flat" cmpd="sng" algn="ctr">
+          <a:solidFill>
+            <a:schemeClr val="phClr"/>
+          </a:solidFill>
+          <a:prstDash val="solid"/>
+          <a:miter lim="800000"/>
+        </a:ln>
+      </a:lnStyleLst>
+      <a:effectStyleLst>
+        <a:effectStyle>
+          <a:effectLst/>
+        </a:effectStyle>
+        <a:effectStyle>
+          <a:effectLst/>
+        </a:effectStyle>
+        <a:effectStyle>
+          <a:effectLst>
+            <a:outerShdw blurRad="57150" dist="19050" dir="5400000" algn="ctr" rotWithShape="0">
+              <a:srgbClr val="000000">
+                <a:alpha val="63000"/>
+              </a:srgbClr>
+            </a:outerShdw>
+          </a:effectLst>
+        </a:effectStyle>
+      </a:effectStyleLst>
+      <a:bgFillStyleLst>
+        <a:solidFill>
+          <a:schemeClr val="phClr"/>
+        </a:solidFill>
+        <a:solidFill>
+          <a:schemeClr val="phClr">
+            <a:tint val="95000"/>
+            <a:satMod val="170000"/>
+          </a:schemeClr>
+        </a:solidFill>
+        <a:gradFill rotWithShape="1">
+          <a:gsLst>
+            <a:gs pos="0">
+              <a:schemeClr val="phClr">
+                <a:tint val="93000"/>
+                <a:satMod val="150000"/>
+                <a:shade val="98000"/>
+                <a:lumMod val="102000"/>
+              </a:schemeClr>
+            </a:gs>
+            <a:gs pos="50000">
+              <a:schemeClr val="phClr">
+                <a:tint val="98000"/>
+                <a:satMod val="130000"/>
+                <a:shade val="90000"/>
+                <a:lumMod val="103000"/>
+              </a:schemeClr>
+            </a:gs>
+            <a:gs pos="100000">
+              <a:schemeClr val="phClr">
+                <a:shade val="63000"/>
+                <a:satMod val="120000"/>
+              </a:schemeClr>
+            </a:gs>
+          </a:gsLst>
+          <a:lin ang="5400000" scaled="0"/>
+        </a:gradFill>
+      </a:bgFillStyleLst>
+    </a:fmtScheme>
+  </a:themeElements>
+  <a:objectDefaults/>
+  <a:extraClrSchemeLst/>
+  <a:extLst>
+    <a:ext uri="{05A4C25C-085E-4340-85A3-A5531E510DB2}">
+      <thm15:themeFamily xmlns:thm15="http://schemas.microsoft.com/office/thememl/2012/main" name="Office Theme" id="{62F939B6-93AF-4DB8-9C6B-D6C7DFDC589F}" vid="{4A3C46E8-61CC-4603-A589-7422A47A8E4A}"/>
+    </a:ext>
+  </a:extLst>
+</a:theme>
 </file>
--- a/Draft Pro-Test Demo Day Presentation.pptx
+++ b/Draft Pro-Test Demo Day Presentation.pptx
@@ -544,418 +544,6 @@
           <a:bodyPr/>
           <a:lstStyle/>
           <a:p>
-            <a:r>
-              <a:rPr lang="de-DE" dirty="0"/>
-              <a:t>Problem Statement</a:t>
-            </a:r>
-          </a:p>
-          <a:p>
-            <a:pPr lvl="1"/>
-            <a:r>
-              <a:rPr lang="de-DE" dirty="0"/>
-              <a:t>Protests </a:t>
-            </a:r>
-            <a:r>
-              <a:rPr lang="de-DE" dirty="0" err="1"/>
-              <a:t>often</a:t>
-            </a:r>
-            <a:r>
-              <a:rPr lang="de-DE" dirty="0"/>
-              <a:t> </a:t>
-            </a:r>
-            <a:r>
-              <a:rPr lang="de-DE" dirty="0" err="1"/>
-              <a:t>escalate</a:t>
-            </a:r>
-            <a:r>
-              <a:rPr lang="de-DE" dirty="0"/>
-              <a:t> and turn violent, </a:t>
-            </a:r>
-            <a:r>
-              <a:rPr lang="de-DE" dirty="0" err="1"/>
-              <a:t>undermining</a:t>
-            </a:r>
-            <a:r>
-              <a:rPr lang="de-DE" dirty="0"/>
-              <a:t> </a:t>
-            </a:r>
-            <a:r>
-              <a:rPr lang="de-DE" dirty="0" err="1"/>
-              <a:t>the</a:t>
-            </a:r>
-            <a:r>
-              <a:rPr lang="de-DE" dirty="0"/>
-              <a:t> </a:t>
-            </a:r>
-            <a:r>
-              <a:rPr lang="de-DE" dirty="0" err="1"/>
-              <a:t>effectiveness</a:t>
-            </a:r>
-            <a:r>
-              <a:rPr lang="de-DE" dirty="0"/>
-              <a:t> </a:t>
-            </a:r>
-            <a:r>
-              <a:rPr lang="de-DE" dirty="0" err="1"/>
-              <a:t>of</a:t>
-            </a:r>
-            <a:r>
-              <a:rPr lang="de-DE" dirty="0"/>
-              <a:t> </a:t>
-            </a:r>
-            <a:r>
-              <a:rPr lang="de-DE" dirty="0" err="1"/>
-              <a:t>the</a:t>
-            </a:r>
-            <a:r>
-              <a:rPr lang="de-DE" dirty="0"/>
-              <a:t> </a:t>
-            </a:r>
-            <a:r>
-              <a:rPr lang="de-DE" dirty="0" err="1"/>
-              <a:t>protest´s</a:t>
-            </a:r>
-            <a:r>
-              <a:rPr lang="de-DE" dirty="0"/>
-              <a:t> </a:t>
-            </a:r>
-            <a:r>
-              <a:rPr lang="de-DE" dirty="0" err="1"/>
-              <a:t>purpose</a:t>
-            </a:r>
-            <a:r>
-              <a:rPr lang="de-DE" dirty="0"/>
-              <a:t> and </a:t>
-            </a:r>
-            <a:r>
-              <a:rPr lang="de-DE" dirty="0" err="1"/>
-              <a:t>the</a:t>
-            </a:r>
-            <a:r>
-              <a:rPr lang="de-DE" dirty="0"/>
-              <a:t> </a:t>
-            </a:r>
-            <a:r>
-              <a:rPr lang="de-DE" dirty="0" err="1"/>
-              <a:t>legitmacy</a:t>
-            </a:r>
-            <a:r>
-              <a:rPr lang="de-DE" dirty="0"/>
-              <a:t> </a:t>
-            </a:r>
-            <a:r>
-              <a:rPr lang="de-DE" dirty="0" err="1"/>
-              <a:t>of</a:t>
-            </a:r>
-            <a:r>
-              <a:rPr lang="de-DE" dirty="0"/>
-              <a:t> </a:t>
-            </a:r>
-            <a:r>
-              <a:rPr lang="de-DE" dirty="0" err="1"/>
-              <a:t>the</a:t>
-            </a:r>
-            <a:r>
-              <a:rPr lang="de-DE" dirty="0"/>
-              <a:t> </a:t>
-            </a:r>
-            <a:r>
-              <a:rPr lang="de-DE" dirty="0" err="1"/>
-              <a:t>regime</a:t>
-            </a:r>
-            <a:r>
-              <a:rPr lang="de-DE" dirty="0"/>
-              <a:t> </a:t>
-            </a:r>
-            <a:r>
-              <a:rPr lang="de-DE" dirty="0" err="1"/>
-              <a:t>as</a:t>
-            </a:r>
-            <a:r>
-              <a:rPr lang="de-DE" dirty="0"/>
-              <a:t> </a:t>
-            </a:r>
-            <a:r>
-              <a:rPr lang="de-DE" dirty="0" err="1"/>
-              <a:t>well</a:t>
-            </a:r>
-            <a:r>
-              <a:rPr lang="de-DE" dirty="0"/>
-              <a:t> </a:t>
-            </a:r>
-            <a:r>
-              <a:rPr lang="de-DE" dirty="0" err="1"/>
-              <a:t>as</a:t>
-            </a:r>
-            <a:r>
-              <a:rPr lang="de-DE" dirty="0"/>
-              <a:t> </a:t>
-            </a:r>
-            <a:r>
-              <a:rPr lang="de-DE" dirty="0" err="1"/>
-              <a:t>harming</a:t>
-            </a:r>
-            <a:r>
-              <a:rPr lang="de-DE" dirty="0"/>
-              <a:t> </a:t>
-            </a:r>
-            <a:r>
-              <a:rPr lang="de-DE" dirty="0" err="1"/>
-              <a:t>participants</a:t>
-            </a:r>
-            <a:r>
-              <a:rPr lang="de-DE" dirty="0"/>
-              <a:t> (</a:t>
-            </a:r>
-            <a:r>
-              <a:rPr lang="de-DE" dirty="0" err="1"/>
-              <a:t>compare</a:t>
-            </a:r>
-            <a:r>
-              <a:rPr lang="de-DE" dirty="0"/>
-              <a:t> </a:t>
-            </a:r>
-            <a:r>
-              <a:rPr lang="de-DE" dirty="0" err="1"/>
-              <a:t>intro</a:t>
-            </a:r>
-            <a:r>
-              <a:rPr lang="de-DE" dirty="0"/>
-              <a:t> </a:t>
-            </a:r>
-            <a:r>
-              <a:rPr lang="de-DE" dirty="0" err="1"/>
-              <a:t>slides</a:t>
-            </a:r>
-            <a:r>
-              <a:rPr lang="de-DE" dirty="0"/>
-              <a:t> </a:t>
-            </a:r>
-            <a:r>
-              <a:rPr lang="de-DE" dirty="0" err="1"/>
-              <a:t>from</a:t>
-            </a:r>
-            <a:r>
-              <a:rPr lang="de-DE" dirty="0"/>
-              <a:t> </a:t>
-            </a:r>
-            <a:r>
-              <a:rPr lang="de-DE" dirty="0" err="1"/>
-              <a:t>Noah´s</a:t>
-            </a:r>
-            <a:r>
-              <a:rPr lang="de-DE" dirty="0"/>
-              <a:t> </a:t>
-            </a:r>
-            <a:r>
-              <a:rPr lang="de-DE" dirty="0" err="1"/>
-              <a:t>presentation</a:t>
-            </a:r>
-            <a:r>
-              <a:rPr lang="de-DE" dirty="0"/>
-              <a:t>)</a:t>
-            </a:r>
-          </a:p>
-          <a:p>
-            <a:r>
-              <a:rPr lang="de-DE" dirty="0" err="1"/>
-              <a:t>Our</a:t>
-            </a:r>
-            <a:r>
-              <a:rPr lang="de-DE" dirty="0"/>
-              <a:t> </a:t>
-            </a:r>
-            <a:r>
-              <a:rPr lang="de-DE" dirty="0" err="1"/>
-              <a:t>tool</a:t>
-            </a:r>
-            <a:r>
-              <a:rPr lang="de-DE" dirty="0"/>
-              <a:t> </a:t>
-            </a:r>
-            <a:r>
-              <a:rPr lang="de-DE" dirty="0" err="1"/>
-              <a:t>solves</a:t>
-            </a:r>
-            <a:r>
-              <a:rPr lang="de-DE" dirty="0"/>
-              <a:t> </a:t>
-            </a:r>
-            <a:r>
-              <a:rPr lang="de-DE" dirty="0" err="1"/>
-              <a:t>this</a:t>
-            </a:r>
-            <a:r>
-              <a:rPr lang="de-DE" dirty="0"/>
-              <a:t> </a:t>
-            </a:r>
-            <a:r>
-              <a:rPr lang="de-DE" dirty="0" err="1"/>
-              <a:t>problem</a:t>
-            </a:r>
-            <a:r>
-              <a:rPr lang="de-DE" dirty="0"/>
-              <a:t>, </a:t>
-            </a:r>
-            <a:r>
-              <a:rPr lang="de-DE" dirty="0" err="1"/>
-              <a:t>by</a:t>
-            </a:r>
-            <a:r>
-              <a:rPr lang="de-DE" dirty="0"/>
-              <a:t>…</a:t>
-            </a:r>
-          </a:p>
-          <a:p>
-            <a:pPr lvl="1"/>
-            <a:r>
-              <a:rPr lang="de-DE" dirty="0"/>
-              <a:t>Prevent </a:t>
-            </a:r>
-            <a:r>
-              <a:rPr lang="de-DE" dirty="0" err="1"/>
-              <a:t>physical</a:t>
-            </a:r>
-            <a:r>
-              <a:rPr lang="de-DE" dirty="0"/>
-              <a:t> and </a:t>
-            </a:r>
-            <a:r>
-              <a:rPr lang="de-DE" dirty="0" err="1"/>
-              <a:t>psychological</a:t>
-            </a:r>
-            <a:r>
-              <a:rPr lang="de-DE" dirty="0"/>
-              <a:t> </a:t>
-            </a:r>
-            <a:r>
-              <a:rPr lang="de-DE" dirty="0" err="1"/>
-              <a:t>harm</a:t>
-            </a:r>
-            <a:r>
-              <a:rPr lang="de-DE" dirty="0"/>
-              <a:t> </a:t>
-            </a:r>
-            <a:r>
-              <a:rPr lang="de-DE" dirty="0" err="1"/>
-              <a:t>to</a:t>
-            </a:r>
-            <a:r>
-              <a:rPr lang="de-DE" dirty="0"/>
-              <a:t> </a:t>
-            </a:r>
-            <a:r>
-              <a:rPr lang="de-DE" dirty="0" err="1"/>
-              <a:t>participants</a:t>
-            </a:r>
-            <a:endParaRPr lang="de-DE" dirty="0"/>
-          </a:p>
-          <a:p>
-            <a:pPr lvl="1"/>
-            <a:r>
-              <a:rPr lang="de-DE" dirty="0" err="1"/>
-              <a:t>Increase</a:t>
-            </a:r>
-            <a:r>
-              <a:rPr lang="de-DE" dirty="0"/>
-              <a:t> </a:t>
-            </a:r>
-            <a:r>
-              <a:rPr lang="de-DE" dirty="0" err="1"/>
-              <a:t>effectiveness</a:t>
-            </a:r>
-            <a:r>
-              <a:rPr lang="de-DE" dirty="0"/>
-              <a:t> </a:t>
-            </a:r>
-            <a:r>
-              <a:rPr lang="de-DE" dirty="0" err="1"/>
-              <a:t>of</a:t>
-            </a:r>
-            <a:r>
-              <a:rPr lang="de-DE" dirty="0"/>
-              <a:t> </a:t>
-            </a:r>
-            <a:r>
-              <a:rPr lang="de-DE" dirty="0" err="1"/>
-              <a:t>demonstrations</a:t>
-            </a:r>
-            <a:r>
-              <a:rPr lang="de-DE" dirty="0"/>
-              <a:t> </a:t>
-            </a:r>
-            <a:r>
-              <a:rPr lang="de-DE" dirty="0" err="1"/>
-              <a:t>by</a:t>
-            </a:r>
-            <a:r>
-              <a:rPr lang="de-DE" dirty="0"/>
-              <a:t> </a:t>
-            </a:r>
-            <a:r>
-              <a:rPr lang="de-DE" dirty="0" err="1"/>
-              <a:t>making</a:t>
-            </a:r>
-            <a:r>
-              <a:rPr lang="de-DE" dirty="0"/>
-              <a:t> </a:t>
-            </a:r>
-            <a:r>
-              <a:rPr lang="de-DE" dirty="0" err="1"/>
-              <a:t>them</a:t>
-            </a:r>
-            <a:r>
-              <a:rPr lang="de-DE" dirty="0"/>
-              <a:t> </a:t>
-            </a:r>
-            <a:r>
-              <a:rPr lang="de-DE" dirty="0" err="1"/>
-              <a:t>less</a:t>
-            </a:r>
-            <a:r>
-              <a:rPr lang="de-DE" dirty="0"/>
-              <a:t> violent</a:t>
-            </a:r>
-          </a:p>
-          <a:p>
-            <a:r>
-              <a:rPr lang="de-DE" dirty="0"/>
-              <a:t>Brief </a:t>
-            </a:r>
-            <a:r>
-              <a:rPr lang="de-DE" dirty="0" err="1"/>
-              <a:t>pictures</a:t>
-            </a:r>
-            <a:r>
-              <a:rPr lang="de-DE" dirty="0"/>
-              <a:t>/ </a:t>
-            </a:r>
-            <a:r>
-              <a:rPr lang="de-DE" dirty="0" err="1"/>
-              <a:t>intro</a:t>
-            </a:r>
-            <a:r>
-              <a:rPr lang="de-DE" dirty="0"/>
-              <a:t> </a:t>
-            </a:r>
-            <a:r>
-              <a:rPr lang="de-DE" dirty="0" err="1"/>
-              <a:t>of</a:t>
-            </a:r>
-            <a:r>
-              <a:rPr lang="de-DE" dirty="0"/>
-              <a:t> </a:t>
-            </a:r>
-            <a:r>
-              <a:rPr lang="de-DE" dirty="0" err="1"/>
-              <a:t>team</a:t>
-            </a:r>
-            <a:r>
-              <a:rPr lang="de-DE" dirty="0"/>
-              <a:t>?</a:t>
-            </a:r>
-          </a:p>
-          <a:p>
             <a:endParaRPr lang="de-DE" dirty="0"/>
           </a:p>
         </p:txBody>
@@ -977,7 +565,7 @@
           <a:p>
             <a:fld id="{D9FD65AE-20D2-4DD1-822D-EF98EA2ACF9F}" type="slidenum">
               <a:rPr lang="de-DE" smtClean="0"/>
-              <a:t>4</a:t>
+              <a:t>1</a:t>
             </a:fld>
             <a:endParaRPr lang="de-DE"/>
           </a:p>
@@ -986,7 +574,7 @@
     </p:spTree>
     <p:extLst>
       <p:ext uri="{BB962C8B-B14F-4D97-AF65-F5344CB8AC3E}">
-        <p14:creationId xmlns:p14="http://schemas.microsoft.com/office/powerpoint/2010/main" val="960232527"/>
+        <p14:creationId xmlns:p14="http://schemas.microsoft.com/office/powerpoint/2010/main" val="3451959545"/>
       </p:ext>
     </p:extLst>
   </p:cSld>
@@ -1040,6 +628,418 @@
           <a:bodyPr/>
           <a:lstStyle/>
           <a:p>
+            <a:r>
+              <a:rPr lang="de-DE" dirty="0"/>
+              <a:t>Problem Statement</a:t>
+            </a:r>
+          </a:p>
+          <a:p>
+            <a:pPr lvl="1"/>
+            <a:r>
+              <a:rPr lang="de-DE" dirty="0"/>
+              <a:t>Protests </a:t>
+            </a:r>
+            <a:r>
+              <a:rPr lang="de-DE" dirty="0" err="1"/>
+              <a:t>often</a:t>
+            </a:r>
+            <a:r>
+              <a:rPr lang="de-DE" dirty="0"/>
+              <a:t> </a:t>
+            </a:r>
+            <a:r>
+              <a:rPr lang="de-DE" dirty="0" err="1"/>
+              <a:t>escalate</a:t>
+            </a:r>
+            <a:r>
+              <a:rPr lang="de-DE" dirty="0"/>
+              <a:t> and turn violent, </a:t>
+            </a:r>
+            <a:r>
+              <a:rPr lang="de-DE" dirty="0" err="1"/>
+              <a:t>undermining</a:t>
+            </a:r>
+            <a:r>
+              <a:rPr lang="de-DE" dirty="0"/>
+              <a:t> </a:t>
+            </a:r>
+            <a:r>
+              <a:rPr lang="de-DE" dirty="0" err="1"/>
+              <a:t>the</a:t>
+            </a:r>
+            <a:r>
+              <a:rPr lang="de-DE" dirty="0"/>
+              <a:t> </a:t>
+            </a:r>
+            <a:r>
+              <a:rPr lang="de-DE" dirty="0" err="1"/>
+              <a:t>effectiveness</a:t>
+            </a:r>
+            <a:r>
+              <a:rPr lang="de-DE" dirty="0"/>
+              <a:t> </a:t>
+            </a:r>
+            <a:r>
+              <a:rPr lang="de-DE" dirty="0" err="1"/>
+              <a:t>of</a:t>
+            </a:r>
+            <a:r>
+              <a:rPr lang="de-DE" dirty="0"/>
+              <a:t> </a:t>
+            </a:r>
+            <a:r>
+              <a:rPr lang="de-DE" dirty="0" err="1"/>
+              <a:t>the</a:t>
+            </a:r>
+            <a:r>
+              <a:rPr lang="de-DE" dirty="0"/>
+              <a:t> </a:t>
+            </a:r>
+            <a:r>
+              <a:rPr lang="de-DE" dirty="0" err="1"/>
+              <a:t>protest´s</a:t>
+            </a:r>
+            <a:r>
+              <a:rPr lang="de-DE" dirty="0"/>
+              <a:t> </a:t>
+            </a:r>
+            <a:r>
+              <a:rPr lang="de-DE" dirty="0" err="1"/>
+              <a:t>purpose</a:t>
+            </a:r>
+            <a:r>
+              <a:rPr lang="de-DE" dirty="0"/>
+              <a:t> and </a:t>
+            </a:r>
+            <a:r>
+              <a:rPr lang="de-DE" dirty="0" err="1"/>
+              <a:t>the</a:t>
+            </a:r>
+            <a:r>
+              <a:rPr lang="de-DE" dirty="0"/>
+              <a:t> </a:t>
+            </a:r>
+            <a:r>
+              <a:rPr lang="de-DE" dirty="0" err="1"/>
+              <a:t>legitmacy</a:t>
+            </a:r>
+            <a:r>
+              <a:rPr lang="de-DE" dirty="0"/>
+              <a:t> </a:t>
+            </a:r>
+            <a:r>
+              <a:rPr lang="de-DE" dirty="0" err="1"/>
+              <a:t>of</a:t>
+            </a:r>
+            <a:r>
+              <a:rPr lang="de-DE" dirty="0"/>
+              <a:t> </a:t>
+            </a:r>
+            <a:r>
+              <a:rPr lang="de-DE" dirty="0" err="1"/>
+              <a:t>the</a:t>
+            </a:r>
+            <a:r>
+              <a:rPr lang="de-DE" dirty="0"/>
+              <a:t> </a:t>
+            </a:r>
+            <a:r>
+              <a:rPr lang="de-DE" dirty="0" err="1"/>
+              <a:t>regime</a:t>
+            </a:r>
+            <a:r>
+              <a:rPr lang="de-DE" dirty="0"/>
+              <a:t> </a:t>
+            </a:r>
+            <a:r>
+              <a:rPr lang="de-DE" dirty="0" err="1"/>
+              <a:t>as</a:t>
+            </a:r>
+            <a:r>
+              <a:rPr lang="de-DE" dirty="0"/>
+              <a:t> </a:t>
+            </a:r>
+            <a:r>
+              <a:rPr lang="de-DE" dirty="0" err="1"/>
+              <a:t>well</a:t>
+            </a:r>
+            <a:r>
+              <a:rPr lang="de-DE" dirty="0"/>
+              <a:t> </a:t>
+            </a:r>
+            <a:r>
+              <a:rPr lang="de-DE" dirty="0" err="1"/>
+              <a:t>as</a:t>
+            </a:r>
+            <a:r>
+              <a:rPr lang="de-DE" dirty="0"/>
+              <a:t> </a:t>
+            </a:r>
+            <a:r>
+              <a:rPr lang="de-DE" dirty="0" err="1"/>
+              <a:t>harming</a:t>
+            </a:r>
+            <a:r>
+              <a:rPr lang="de-DE" dirty="0"/>
+              <a:t> </a:t>
+            </a:r>
+            <a:r>
+              <a:rPr lang="de-DE" dirty="0" err="1"/>
+              <a:t>participants</a:t>
+            </a:r>
+            <a:r>
+              <a:rPr lang="de-DE" dirty="0"/>
+              <a:t> (</a:t>
+            </a:r>
+            <a:r>
+              <a:rPr lang="de-DE" dirty="0" err="1"/>
+              <a:t>compare</a:t>
+            </a:r>
+            <a:r>
+              <a:rPr lang="de-DE" dirty="0"/>
+              <a:t> </a:t>
+            </a:r>
+            <a:r>
+              <a:rPr lang="de-DE" dirty="0" err="1"/>
+              <a:t>intro</a:t>
+            </a:r>
+            <a:r>
+              <a:rPr lang="de-DE" dirty="0"/>
+              <a:t> </a:t>
+            </a:r>
+            <a:r>
+              <a:rPr lang="de-DE" dirty="0" err="1"/>
+              <a:t>slides</a:t>
+            </a:r>
+            <a:r>
+              <a:rPr lang="de-DE" dirty="0"/>
+              <a:t> </a:t>
+            </a:r>
+            <a:r>
+              <a:rPr lang="de-DE" dirty="0" err="1"/>
+              <a:t>from</a:t>
+            </a:r>
+            <a:r>
+              <a:rPr lang="de-DE" dirty="0"/>
+              <a:t> </a:t>
+            </a:r>
+            <a:r>
+              <a:rPr lang="de-DE" dirty="0" err="1"/>
+              <a:t>Noah´s</a:t>
+            </a:r>
+            <a:r>
+              <a:rPr lang="de-DE" dirty="0"/>
+              <a:t> </a:t>
+            </a:r>
+            <a:r>
+              <a:rPr lang="de-DE" dirty="0" err="1"/>
+              <a:t>presentation</a:t>
+            </a:r>
+            <a:r>
+              <a:rPr lang="de-DE" dirty="0"/>
+              <a:t>)</a:t>
+            </a:r>
+          </a:p>
+          <a:p>
+            <a:r>
+              <a:rPr lang="de-DE" dirty="0" err="1"/>
+              <a:t>Our</a:t>
+            </a:r>
+            <a:r>
+              <a:rPr lang="de-DE" dirty="0"/>
+              <a:t> </a:t>
+            </a:r>
+            <a:r>
+              <a:rPr lang="de-DE" dirty="0" err="1"/>
+              <a:t>tool</a:t>
+            </a:r>
+            <a:r>
+              <a:rPr lang="de-DE" dirty="0"/>
+              <a:t> </a:t>
+            </a:r>
+            <a:r>
+              <a:rPr lang="de-DE" dirty="0" err="1"/>
+              <a:t>solves</a:t>
+            </a:r>
+            <a:r>
+              <a:rPr lang="de-DE" dirty="0"/>
+              <a:t> </a:t>
+            </a:r>
+            <a:r>
+              <a:rPr lang="de-DE" dirty="0" err="1"/>
+              <a:t>this</a:t>
+            </a:r>
+            <a:r>
+              <a:rPr lang="de-DE" dirty="0"/>
+              <a:t> </a:t>
+            </a:r>
+            <a:r>
+              <a:rPr lang="de-DE" dirty="0" err="1"/>
+              <a:t>problem</a:t>
+            </a:r>
+            <a:r>
+              <a:rPr lang="de-DE" dirty="0"/>
+              <a:t>, </a:t>
+            </a:r>
+            <a:r>
+              <a:rPr lang="de-DE" dirty="0" err="1"/>
+              <a:t>by</a:t>
+            </a:r>
+            <a:r>
+              <a:rPr lang="de-DE" dirty="0"/>
+              <a:t>…</a:t>
+            </a:r>
+          </a:p>
+          <a:p>
+            <a:pPr lvl="1"/>
+            <a:r>
+              <a:rPr lang="de-DE" dirty="0"/>
+              <a:t>Prevent </a:t>
+            </a:r>
+            <a:r>
+              <a:rPr lang="de-DE" dirty="0" err="1"/>
+              <a:t>physical</a:t>
+            </a:r>
+            <a:r>
+              <a:rPr lang="de-DE" dirty="0"/>
+              <a:t> and </a:t>
+            </a:r>
+            <a:r>
+              <a:rPr lang="de-DE" dirty="0" err="1"/>
+              <a:t>psychological</a:t>
+            </a:r>
+            <a:r>
+              <a:rPr lang="de-DE" dirty="0"/>
+              <a:t> </a:t>
+            </a:r>
+            <a:r>
+              <a:rPr lang="de-DE" dirty="0" err="1"/>
+              <a:t>harm</a:t>
+            </a:r>
+            <a:r>
+              <a:rPr lang="de-DE" dirty="0"/>
+              <a:t> </a:t>
+            </a:r>
+            <a:r>
+              <a:rPr lang="de-DE" dirty="0" err="1"/>
+              <a:t>to</a:t>
+            </a:r>
+            <a:r>
+              <a:rPr lang="de-DE" dirty="0"/>
+              <a:t> </a:t>
+            </a:r>
+            <a:r>
+              <a:rPr lang="de-DE" dirty="0" err="1"/>
+              <a:t>participants</a:t>
+            </a:r>
+            <a:endParaRPr lang="de-DE" dirty="0"/>
+          </a:p>
+          <a:p>
+            <a:pPr lvl="1"/>
+            <a:r>
+              <a:rPr lang="de-DE" dirty="0" err="1"/>
+              <a:t>Increase</a:t>
+            </a:r>
+            <a:r>
+              <a:rPr lang="de-DE" dirty="0"/>
+              <a:t> </a:t>
+            </a:r>
+            <a:r>
+              <a:rPr lang="de-DE" dirty="0" err="1"/>
+              <a:t>effectiveness</a:t>
+            </a:r>
+            <a:r>
+              <a:rPr lang="de-DE" dirty="0"/>
+              <a:t> </a:t>
+            </a:r>
+            <a:r>
+              <a:rPr lang="de-DE" dirty="0" err="1"/>
+              <a:t>of</a:t>
+            </a:r>
+            <a:r>
+              <a:rPr lang="de-DE" dirty="0"/>
+              <a:t> </a:t>
+            </a:r>
+            <a:r>
+              <a:rPr lang="de-DE" dirty="0" err="1"/>
+              <a:t>demonstrations</a:t>
+            </a:r>
+            <a:r>
+              <a:rPr lang="de-DE" dirty="0"/>
+              <a:t> </a:t>
+            </a:r>
+            <a:r>
+              <a:rPr lang="de-DE" dirty="0" err="1"/>
+              <a:t>by</a:t>
+            </a:r>
+            <a:r>
+              <a:rPr lang="de-DE" dirty="0"/>
+              <a:t> </a:t>
+            </a:r>
+            <a:r>
+              <a:rPr lang="de-DE" dirty="0" err="1"/>
+              <a:t>making</a:t>
+            </a:r>
+            <a:r>
+              <a:rPr lang="de-DE" dirty="0"/>
+              <a:t> </a:t>
+            </a:r>
+            <a:r>
+              <a:rPr lang="de-DE" dirty="0" err="1"/>
+              <a:t>them</a:t>
+            </a:r>
+            <a:r>
+              <a:rPr lang="de-DE" dirty="0"/>
+              <a:t> </a:t>
+            </a:r>
+            <a:r>
+              <a:rPr lang="de-DE" dirty="0" err="1"/>
+              <a:t>less</a:t>
+            </a:r>
+            <a:r>
+              <a:rPr lang="de-DE" dirty="0"/>
+              <a:t> violent</a:t>
+            </a:r>
+          </a:p>
+          <a:p>
+            <a:r>
+              <a:rPr lang="de-DE" dirty="0"/>
+              <a:t>Brief </a:t>
+            </a:r>
+            <a:r>
+              <a:rPr lang="de-DE" dirty="0" err="1"/>
+              <a:t>pictures</a:t>
+            </a:r>
+            <a:r>
+              <a:rPr lang="de-DE" dirty="0"/>
+              <a:t>/ </a:t>
+            </a:r>
+            <a:r>
+              <a:rPr lang="de-DE" dirty="0" err="1"/>
+              <a:t>intro</a:t>
+            </a:r>
+            <a:r>
+              <a:rPr lang="de-DE" dirty="0"/>
+              <a:t> </a:t>
+            </a:r>
+            <a:r>
+              <a:rPr lang="de-DE" dirty="0" err="1"/>
+              <a:t>of</a:t>
+            </a:r>
+            <a:r>
+              <a:rPr lang="de-DE" dirty="0"/>
+              <a:t> </a:t>
+            </a:r>
+            <a:r>
+              <a:rPr lang="de-DE" dirty="0" err="1"/>
+              <a:t>team</a:t>
+            </a:r>
+            <a:r>
+              <a:rPr lang="de-DE" dirty="0"/>
+              <a:t>?</a:t>
+            </a:r>
+          </a:p>
+          <a:p>
             <a:endParaRPr lang="de-DE" dirty="0"/>
           </a:p>
         </p:txBody>
@@ -1061,6 +1061,174 @@
           <a:p>
             <a:fld id="{D9FD65AE-20D2-4DD1-822D-EF98EA2ACF9F}" type="slidenum">
               <a:rPr lang="de-DE" smtClean="0"/>
+              <a:t>4</a:t>
+            </a:fld>
+            <a:endParaRPr lang="de-DE"/>
+          </a:p>
+        </p:txBody>
+      </p:sp>
+    </p:spTree>
+    <p:extLst>
+      <p:ext uri="{BB962C8B-B14F-4D97-AF65-F5344CB8AC3E}">
+        <p14:creationId xmlns:p14="http://schemas.microsoft.com/office/powerpoint/2010/main" val="960232527"/>
+      </p:ext>
+    </p:extLst>
+  </p:cSld>
+  <p:clrMapOvr>
+    <a:masterClrMapping/>
+  </p:clrMapOvr>
+</p:notes>
+</file>
+
+<file path=ppt/notesSlides/notesSlide3.xml><?xml version="1.0" encoding="utf-8"?>
+<p:notes xmlns:a="http://schemas.openxmlformats.org/drawingml/2006/main" xmlns:r="http://schemas.openxmlformats.org/officeDocument/2006/relationships" xmlns:p="http://schemas.openxmlformats.org/presentationml/2006/main">
+  <p:cSld>
+    <p:spTree>
+      <p:nvGrpSpPr>
+        <p:cNvPr id="1" name=""/>
+        <p:cNvGrpSpPr/>
+        <p:nvPr/>
+      </p:nvGrpSpPr>
+      <p:grpSpPr>
+        <a:xfrm>
+          <a:off x="0" y="0"/>
+          <a:ext cx="0" cy="0"/>
+          <a:chOff x="0" y="0"/>
+          <a:chExt cx="0" cy="0"/>
+        </a:xfrm>
+      </p:grpSpPr>
+      <p:sp>
+        <p:nvSpPr>
+          <p:cNvPr id="2" name="Folienbildplatzhalter 1"/>
+          <p:cNvSpPr>
+            <a:spLocks noGrp="1" noRot="1" noChangeAspect="1"/>
+          </p:cNvSpPr>
+          <p:nvPr>
+            <p:ph type="sldImg"/>
+          </p:nvPr>
+        </p:nvSpPr>
+        <p:spPr/>
+      </p:sp>
+      <p:sp>
+        <p:nvSpPr>
+          <p:cNvPr id="3" name="Notizenplatzhalter 2"/>
+          <p:cNvSpPr>
+            <a:spLocks noGrp="1"/>
+          </p:cNvSpPr>
+          <p:nvPr>
+            <p:ph type="body" idx="1"/>
+          </p:nvPr>
+        </p:nvSpPr>
+        <p:spPr/>
+        <p:txBody>
+          <a:bodyPr/>
+          <a:lstStyle/>
+          <a:p>
+            <a:endParaRPr lang="de-DE" dirty="0"/>
+          </a:p>
+        </p:txBody>
+      </p:sp>
+      <p:sp>
+        <p:nvSpPr>
+          <p:cNvPr id="4" name="Foliennummernplatzhalter 3"/>
+          <p:cNvSpPr>
+            <a:spLocks noGrp="1"/>
+          </p:cNvSpPr>
+          <p:nvPr>
+            <p:ph type="sldNum" sz="quarter" idx="5"/>
+          </p:nvPr>
+        </p:nvSpPr>
+        <p:spPr/>
+        <p:txBody>
+          <a:bodyPr/>
+          <a:lstStyle/>
+          <a:p>
+            <a:fld id="{D9FD65AE-20D2-4DD1-822D-EF98EA2ACF9F}" type="slidenum">
+              <a:rPr lang="de-DE" smtClean="0"/>
+              <a:t>5</a:t>
+            </a:fld>
+            <a:endParaRPr lang="de-DE"/>
+          </a:p>
+        </p:txBody>
+      </p:sp>
+    </p:spTree>
+    <p:extLst>
+      <p:ext uri="{BB962C8B-B14F-4D97-AF65-F5344CB8AC3E}">
+        <p14:creationId xmlns:p14="http://schemas.microsoft.com/office/powerpoint/2010/main" val="3221846049"/>
+      </p:ext>
+    </p:extLst>
+  </p:cSld>
+  <p:clrMapOvr>
+    <a:masterClrMapping/>
+  </p:clrMapOvr>
+</p:notes>
+</file>
+
+<file path=ppt/notesSlides/notesSlide4.xml><?xml version="1.0" encoding="utf-8"?>
+<p:notes xmlns:a="http://schemas.openxmlformats.org/drawingml/2006/main" xmlns:r="http://schemas.openxmlformats.org/officeDocument/2006/relationships" xmlns:p="http://schemas.openxmlformats.org/presentationml/2006/main">
+  <p:cSld>
+    <p:spTree>
+      <p:nvGrpSpPr>
+        <p:cNvPr id="1" name=""/>
+        <p:cNvGrpSpPr/>
+        <p:nvPr/>
+      </p:nvGrpSpPr>
+      <p:grpSpPr>
+        <a:xfrm>
+          <a:off x="0" y="0"/>
+          <a:ext cx="0" cy="0"/>
+          <a:chOff x="0" y="0"/>
+          <a:chExt cx="0" cy="0"/>
+        </a:xfrm>
+      </p:grpSpPr>
+      <p:sp>
+        <p:nvSpPr>
+          <p:cNvPr id="2" name="Folienbildplatzhalter 1"/>
+          <p:cNvSpPr>
+            <a:spLocks noGrp="1" noRot="1" noChangeAspect="1"/>
+          </p:cNvSpPr>
+          <p:nvPr>
+            <p:ph type="sldImg"/>
+          </p:nvPr>
+        </p:nvSpPr>
+        <p:spPr/>
+      </p:sp>
+      <p:sp>
+        <p:nvSpPr>
+          <p:cNvPr id="3" name="Notizenplatzhalter 2"/>
+          <p:cNvSpPr>
+            <a:spLocks noGrp="1"/>
+          </p:cNvSpPr>
+          <p:nvPr>
+            <p:ph type="body" idx="1"/>
+          </p:nvPr>
+        </p:nvSpPr>
+        <p:spPr/>
+        <p:txBody>
+          <a:bodyPr/>
+          <a:lstStyle/>
+          <a:p>
+            <a:endParaRPr lang="de-DE" dirty="0"/>
+          </a:p>
+        </p:txBody>
+      </p:sp>
+      <p:sp>
+        <p:nvSpPr>
+          <p:cNvPr id="4" name="Foliennummernplatzhalter 3"/>
+          <p:cNvSpPr>
+            <a:spLocks noGrp="1"/>
+          </p:cNvSpPr>
+          <p:nvPr>
+            <p:ph type="sldNum" sz="quarter" idx="5"/>
+          </p:nvPr>
+        </p:nvSpPr>
+        <p:spPr/>
+        <p:txBody>
+          <a:bodyPr/>
+          <a:lstStyle/>
+          <a:p>
+            <a:fld id="{D9FD65AE-20D2-4DD1-822D-EF98EA2ACF9F}" type="slidenum">
+              <a:rPr lang="de-DE" smtClean="0"/>
               <a:t>7</a:t>
             </a:fld>
             <a:endParaRPr lang="de-DE"/>
@@ -1080,7 +1248,7 @@
 </p:notes>
 </file>
 
-<file path=ppt/notesSlides/notesSlide3.xml><?xml version="1.0" encoding="utf-8"?>
+<file path=ppt/notesSlides/notesSlide5.xml><?xml version="1.0" encoding="utf-8"?>
 <p:notes xmlns:a="http://schemas.openxmlformats.org/drawingml/2006/main" xmlns:r="http://schemas.openxmlformats.org/officeDocument/2006/relationships" xmlns:p="http://schemas.openxmlformats.org/presentationml/2006/main">
   <p:cSld>
     <p:spTree>
@@ -4367,7 +4535,10 @@
     <p:bg>
       <p:bgPr>
         <a:solidFill>
-          <a:schemeClr val="bg1"/>
+          <a:schemeClr val="bg1">
+            <a:tint val="95000"/>
+            <a:satMod val="170000"/>
+          </a:schemeClr>
         </a:solidFill>
         <a:effectLst/>
       </p:bgPr>
@@ -4386,12 +4557,155 @@
           <a:chExt cx="0" cy="0"/>
         </a:xfrm>
       </p:grpSpPr>
-      <p:sp useBgFill="1">
+      <p:sp>
         <p:nvSpPr>
-          <p:cNvPr id="1040" name="Rectangle 1035">
+          <p:cNvPr id="2" name="Titel 1">
             <a:extLst>
               <a:ext uri="{FF2B5EF4-FFF2-40B4-BE49-F238E27FC236}">
-                <a16:creationId xmlns:a16="http://schemas.microsoft.com/office/drawing/2014/main" id="{657F69E0-C4B0-4BEC-A689-4F8D877F05D4}"/>
+                <a16:creationId xmlns:a16="http://schemas.microsoft.com/office/drawing/2014/main" id="{6F507EEC-A9BC-BABF-DAF4-0E8255BC9E4F}"/>
+              </a:ext>
+            </a:extLst>
+          </p:cNvPr>
+          <p:cNvSpPr>
+            <a:spLocks noGrp="1"/>
+          </p:cNvSpPr>
+          <p:nvPr>
+            <p:ph type="ctrTitle"/>
+          </p:nvPr>
+        </p:nvSpPr>
+        <p:spPr>
+          <a:xfrm>
+            <a:off x="7464614" y="1783959"/>
+            <a:ext cx="4087306" cy="2889114"/>
+          </a:xfrm>
+        </p:spPr>
+        <p:txBody>
+          <a:bodyPr anchor="b">
+            <a:normAutofit/>
+          </a:bodyPr>
+          <a:lstStyle/>
+          <a:p>
+            <a:pPr algn="l"/>
+            <a:r>
+              <a:rPr lang="de-DE" sz="5400"/>
+              <a:t>Pro-Test Demo Day Presentation</a:t>
+            </a:r>
+          </a:p>
+        </p:txBody>
+      </p:sp>
+      <p:sp>
+        <p:nvSpPr>
+          <p:cNvPr id="3" name="Untertitel 2">
+            <a:extLst>
+              <a:ext uri="{FF2B5EF4-FFF2-40B4-BE49-F238E27FC236}">
+                <a16:creationId xmlns:a16="http://schemas.microsoft.com/office/drawing/2014/main" id="{930DAB99-D649-69EF-F865-18278EFED911}"/>
+              </a:ext>
+            </a:extLst>
+          </p:cNvPr>
+          <p:cNvSpPr>
+            <a:spLocks noGrp="1"/>
+          </p:cNvSpPr>
+          <p:nvPr>
+            <p:ph type="subTitle" idx="1"/>
+          </p:nvPr>
+        </p:nvSpPr>
+        <p:spPr>
+          <a:xfrm>
+            <a:off x="7464612" y="4750893"/>
+            <a:ext cx="4087305" cy="1147863"/>
+          </a:xfrm>
+        </p:spPr>
+        <p:txBody>
+          <a:bodyPr anchor="t">
+            <a:normAutofit/>
+          </a:bodyPr>
+          <a:lstStyle/>
+          <a:p>
+            <a:pPr algn="l"/>
+            <a:r>
+              <a:rPr lang="de-DE" sz="1600" b="1" dirty="0" err="1"/>
+              <a:t>Creating</a:t>
+            </a:r>
+            <a:r>
+              <a:rPr lang="de-DE" sz="1600" b="1" dirty="0"/>
+              <a:t> a </a:t>
+            </a:r>
+            <a:r>
+              <a:rPr lang="de-DE" sz="1600" b="1" dirty="0" err="1"/>
+              <a:t>safe</a:t>
+            </a:r>
+            <a:r>
+              <a:rPr lang="de-DE" sz="1600" b="1" dirty="0"/>
+              <a:t> </a:t>
+            </a:r>
+            <a:r>
+              <a:rPr lang="de-DE" sz="1600" b="1" dirty="0" err="1"/>
+              <a:t>arena</a:t>
+            </a:r>
+            <a:r>
+              <a:rPr lang="de-DE" sz="1600" b="1" dirty="0"/>
+              <a:t>  </a:t>
+            </a:r>
+            <a:r>
+              <a:rPr lang="de-DE" sz="1600" b="1" dirty="0" err="1"/>
+              <a:t>for</a:t>
+            </a:r>
+            <a:r>
+              <a:rPr lang="de-DE" sz="1600" b="1" dirty="0"/>
+              <a:t> all </a:t>
+            </a:r>
+            <a:r>
+              <a:rPr lang="de-DE" sz="1600" b="1" dirty="0" err="1"/>
+              <a:t>political</a:t>
+            </a:r>
+            <a:r>
+              <a:rPr lang="de-DE" sz="1600" b="1" dirty="0"/>
+              <a:t> </a:t>
+            </a:r>
+            <a:r>
+              <a:rPr lang="de-DE" sz="1600" b="1" dirty="0" err="1"/>
+              <a:t>actors</a:t>
+            </a:r>
+            <a:endParaRPr lang="de-DE" sz="1600" b="1" dirty="0"/>
+          </a:p>
+          <a:p>
+            <a:pPr algn="l"/>
+            <a:r>
+              <a:rPr lang="de-DE" sz="1600" i="1" dirty="0"/>
+              <a:t>Noah </a:t>
+            </a:r>
+            <a:r>
+              <a:rPr lang="de-DE" sz="1600" i="1" dirty="0" err="1"/>
+              <a:t>Darwich</a:t>
+            </a:r>
+            <a:r>
+              <a:rPr lang="de-DE" sz="1600" i="1" dirty="0"/>
+              <a:t>, Kevin Lee, Max Höchsmann</a:t>
+            </a:r>
+          </a:p>
+          <a:p>
+            <a:pPr algn="l"/>
+            <a:r>
+              <a:rPr lang="de-DE" sz="1600" i="1" dirty="0"/>
+              <a:t>10th </a:t>
+            </a:r>
+            <a:r>
+              <a:rPr lang="de-DE" sz="1600" i="1" dirty="0" err="1"/>
+              <a:t>of</a:t>
+            </a:r>
+            <a:r>
+              <a:rPr lang="de-DE" sz="1600" i="1" dirty="0"/>
+              <a:t> June, 2022</a:t>
+            </a:r>
+          </a:p>
+        </p:txBody>
+      </p:sp>
+      <p:sp>
+        <p:nvSpPr>
+          <p:cNvPr id="1048" name="Freeform: Shape 1045">
+            <a:extLst>
+              <a:ext uri="{FF2B5EF4-FFF2-40B4-BE49-F238E27FC236}">
+                <a16:creationId xmlns:a16="http://schemas.microsoft.com/office/drawing/2014/main" id="{E49CC64F-7275-4E33-961B-0C5CDC439875}"/>
               </a:ext>
               <a:ext uri="{C183D7F6-B498-43B3-948B-1728B52AA6E4}">
                 <adec:decorative xmlns:adec="http://schemas.microsoft.com/office/drawing/2017/decorative" val="1"/>
@@ -4410,13 +4724,89 @@
           </p:nvPr>
         </p:nvSpPr>
         <p:spPr>
-          <a:xfrm>
-            <a:off x="0" y="0"/>
-            <a:ext cx="12188952" cy="6858000"/>
+          <a:xfrm flipH="1" flipV="1">
+            <a:off x="1" y="0"/>
+            <a:ext cx="7188051" cy="6858000"/>
           </a:xfrm>
-          <a:prstGeom prst="rect">
+          <a:custGeom>
             <a:avLst/>
-          </a:prstGeom>
+            <a:gdLst>
+              <a:gd name="connsiteX0" fmla="*/ 7188051 w 7188051"/>
+              <a:gd name="connsiteY0" fmla="*/ 6858000 h 6858000"/>
+              <a:gd name="connsiteX1" fmla="*/ 108694 w 7188051"/>
+              <a:gd name="connsiteY1" fmla="*/ 6858000 h 6858000"/>
+              <a:gd name="connsiteX2" fmla="*/ 79127 w 7188051"/>
+              <a:gd name="connsiteY2" fmla="*/ 6681235 h 6858000"/>
+              <a:gd name="connsiteX3" fmla="*/ 0 w 7188051"/>
+              <a:gd name="connsiteY3" fmla="*/ 5565888 h 6858000"/>
+              <a:gd name="connsiteX4" fmla="*/ 2190696 w 7188051"/>
+              <a:gd name="connsiteY4" fmla="*/ 145339 h 6858000"/>
+              <a:gd name="connsiteX5" fmla="*/ 2339431 w 7188051"/>
+              <a:gd name="connsiteY5" fmla="*/ 0 h 6858000"/>
+              <a:gd name="connsiteX6" fmla="*/ 7188051 w 7188051"/>
+              <a:gd name="connsiteY6" fmla="*/ 0 h 6858000"/>
+            </a:gdLst>
+            <a:ahLst/>
+            <a:cxnLst>
+              <a:cxn ang="0">
+                <a:pos x="connsiteX0" y="connsiteY0"/>
+              </a:cxn>
+              <a:cxn ang="0">
+                <a:pos x="connsiteX1" y="connsiteY1"/>
+              </a:cxn>
+              <a:cxn ang="0">
+                <a:pos x="connsiteX2" y="connsiteY2"/>
+              </a:cxn>
+              <a:cxn ang="0">
+                <a:pos x="connsiteX3" y="connsiteY3"/>
+              </a:cxn>
+              <a:cxn ang="0">
+                <a:pos x="connsiteX4" y="connsiteY4"/>
+              </a:cxn>
+              <a:cxn ang="0">
+                <a:pos x="connsiteX5" y="connsiteY5"/>
+              </a:cxn>
+              <a:cxn ang="0">
+                <a:pos x="connsiteX6" y="connsiteY6"/>
+              </a:cxn>
+            </a:cxnLst>
+            <a:rect l="l" t="t" r="r" b="b"/>
+            <a:pathLst>
+              <a:path w="7188051" h="6858000">
+                <a:moveTo>
+                  <a:pt x="7188051" y="6858000"/>
+                </a:moveTo>
+                <a:lnTo>
+                  <a:pt x="108694" y="6858000"/>
+                </a:lnTo>
+                <a:lnTo>
+                  <a:pt x="79127" y="6681235"/>
+                </a:lnTo>
+                <a:cubicBezTo>
+                  <a:pt x="26981" y="6316967"/>
+                  <a:pt x="0" y="5944579"/>
+                  <a:pt x="0" y="5565888"/>
+                </a:cubicBezTo>
+                <a:cubicBezTo>
+                  <a:pt x="0" y="3459953"/>
+                  <a:pt x="834428" y="1548908"/>
+                  <a:pt x="2190696" y="145339"/>
+                </a:cubicBezTo>
+                <a:lnTo>
+                  <a:pt x="2339431" y="0"/>
+                </a:lnTo>
+                <a:lnTo>
+                  <a:pt x="7188051" y="0"/>
+                </a:lnTo>
+                <a:close/>
+              </a:path>
+            </a:pathLst>
+          </a:custGeom>
+          <a:solidFill>
+            <a:schemeClr val="tx1">
+              <a:alpha val="80000"/>
+            </a:schemeClr>
+          </a:solidFill>
           <a:ln>
             <a:noFill/>
           </a:ln>
@@ -4438,7 +4828,9 @@
           </a:fontRef>
         </p:style>
         <p:txBody>
-          <a:bodyPr rtlCol="0" anchor="ctr"/>
+          <a:bodyPr wrap="square" rtlCol="0" anchor="ctr">
+            <a:noAutofit/>
+          </a:bodyPr>
           <a:lstStyle/>
           <a:p>
             <a:pPr algn="ctr"/>
@@ -4461,25 +4853,58 @@
           <p:nvPr/>
         </p:nvPicPr>
         <p:blipFill rotWithShape="1">
-          <a:blip r:embed="rId2">
-            <a:alphaModFix amt="50000"/>
+          <a:blip r:embed="rId3">
             <a:extLst>
               <a:ext uri="{28A0092B-C50C-407E-A947-70E740481C1C}">
                 <a14:useLocalDpi xmlns:a14="http://schemas.microsoft.com/office/drawing/2010/main" val="0"/>
               </a:ext>
             </a:extLst>
           </a:blip>
-          <a:srcRect l="25"/>
+          <a:srcRect l="25767" r="16585"/>
           <a:stretch/>
         </p:blipFill>
         <p:spPr bwMode="auto">
           <a:xfrm>
-            <a:off x="20" y="10"/>
-            <a:ext cx="12188930" cy="6857990"/>
+            <a:off x="1" y="10"/>
+            <a:ext cx="7028495" cy="6857990"/>
           </a:xfrm>
-          <a:prstGeom prst="rect">
+          <a:custGeom>
             <a:avLst/>
-          </a:prstGeom>
+            <a:gdLst/>
+            <a:ahLst/>
+            <a:cxnLst/>
+            <a:rect l="l" t="t" r="r" b="b"/>
+            <a:pathLst>
+              <a:path w="7028495" h="6858000">
+                <a:moveTo>
+                  <a:pt x="0" y="0"/>
+                </a:moveTo>
+                <a:lnTo>
+                  <a:pt x="6915668" y="0"/>
+                </a:lnTo>
+                <a:lnTo>
+                  <a:pt x="6952411" y="219663"/>
+                </a:lnTo>
+                <a:cubicBezTo>
+                  <a:pt x="7002551" y="569921"/>
+                  <a:pt x="7028495" y="927986"/>
+                  <a:pt x="7028495" y="1292112"/>
+                </a:cubicBezTo>
+                <a:cubicBezTo>
+                  <a:pt x="7028495" y="3343346"/>
+                  <a:pt x="6205186" y="5202289"/>
+                  <a:pt x="4870994" y="6556512"/>
+                </a:cubicBezTo>
+                <a:lnTo>
+                  <a:pt x="4556185" y="6858000"/>
+                </a:lnTo>
+                <a:lnTo>
+                  <a:pt x="0" y="6858000"/>
+                </a:lnTo>
+                <a:close/>
+              </a:path>
+            </a:pathLst>
+          </a:custGeom>
           <a:noFill/>
           <a:extLst>
             <a:ext uri="{909E8E84-426E-40DD-AFC4-6F175D3DCCD1}">
@@ -4492,454 +4917,6 @@
           </a:extLst>
         </p:spPr>
       </p:pic>
-      <p:sp>
-        <p:nvSpPr>
-          <p:cNvPr id="2" name="Titel 1">
-            <a:extLst>
-              <a:ext uri="{FF2B5EF4-FFF2-40B4-BE49-F238E27FC236}">
-                <a16:creationId xmlns:a16="http://schemas.microsoft.com/office/drawing/2014/main" id="{6F507EEC-A9BC-BABF-DAF4-0E8255BC9E4F}"/>
-              </a:ext>
-            </a:extLst>
-          </p:cNvPr>
-          <p:cNvSpPr>
-            <a:spLocks noGrp="1"/>
-          </p:cNvSpPr>
-          <p:nvPr>
-            <p:ph type="ctrTitle"/>
-          </p:nvPr>
-        </p:nvSpPr>
-        <p:spPr>
-          <a:xfrm>
-            <a:off x="1524000" y="1122363"/>
-            <a:ext cx="9144000" cy="3063240"/>
-          </a:xfrm>
-        </p:spPr>
-        <p:txBody>
-          <a:bodyPr>
-            <a:normAutofit/>
-          </a:bodyPr>
-          <a:lstStyle/>
-          <a:p>
-            <a:r>
-              <a:rPr lang="de-DE" sz="6600">
-                <a:solidFill>
-                  <a:srgbClr val="FFFFFF"/>
-                </a:solidFill>
-              </a:rPr>
-              <a:t>Pro-Test Demo Day Presentation</a:t>
-            </a:r>
-          </a:p>
-        </p:txBody>
-      </p:sp>
-      <p:sp>
-        <p:nvSpPr>
-          <p:cNvPr id="3" name="Untertitel 2">
-            <a:extLst>
-              <a:ext uri="{FF2B5EF4-FFF2-40B4-BE49-F238E27FC236}">
-                <a16:creationId xmlns:a16="http://schemas.microsoft.com/office/drawing/2014/main" id="{930DAB99-D649-69EF-F865-18278EFED911}"/>
-              </a:ext>
-            </a:extLst>
-          </p:cNvPr>
-          <p:cNvSpPr>
-            <a:spLocks noGrp="1"/>
-          </p:cNvSpPr>
-          <p:nvPr>
-            <p:ph type="subTitle" idx="1"/>
-          </p:nvPr>
-        </p:nvSpPr>
-        <p:spPr>
-          <a:xfrm>
-            <a:off x="1527048" y="4599432"/>
-            <a:ext cx="9144000" cy="1536192"/>
-          </a:xfrm>
-        </p:spPr>
-        <p:txBody>
-          <a:bodyPr>
-            <a:normAutofit/>
-          </a:bodyPr>
-          <a:lstStyle/>
-          <a:p>
-            <a:r>
-              <a:rPr lang="de-DE">
-                <a:solidFill>
-                  <a:srgbClr val="FFFFFF"/>
-                </a:solidFill>
-              </a:rPr>
-              <a:t>Increasing citizen participation, strengthening governance processes, creating a safe political arena  for all actors</a:t>
-            </a:r>
-            <a:endParaRPr lang="de-DE" dirty="0">
-              <a:solidFill>
-                <a:srgbClr val="FFFFFF"/>
-              </a:solidFill>
-            </a:endParaRPr>
-          </a:p>
-          <a:p>
-            <a:r>
-              <a:rPr lang="de-DE">
-                <a:solidFill>
-                  <a:srgbClr val="FFFFFF"/>
-                </a:solidFill>
-              </a:rPr>
-              <a:t>Noah Darwich, </a:t>
-            </a:r>
-            <a:r>
-              <a:rPr lang="de-DE" dirty="0">
-                <a:solidFill>
-                  <a:srgbClr val="FFFFFF"/>
-                </a:solidFill>
-              </a:rPr>
-              <a:t>Kevin Lee, Max Höchsmann</a:t>
-            </a:r>
-          </a:p>
-        </p:txBody>
-      </p:sp>
-      <p:sp>
-        <p:nvSpPr>
-          <p:cNvPr id="1041" name="sketchy line">
-            <a:extLst>
-              <a:ext uri="{FF2B5EF4-FFF2-40B4-BE49-F238E27FC236}">
-                <a16:creationId xmlns:a16="http://schemas.microsoft.com/office/drawing/2014/main" id="{9F6380B4-6A1C-481E-8408-B4E6C75B9B81}"/>
-              </a:ext>
-              <a:ext uri="{C183D7F6-B498-43B3-948B-1728B52AA6E4}">
-                <adec:decorative xmlns:adec="http://schemas.microsoft.com/office/drawing/2017/decorative" val="1"/>
-              </a:ext>
-            </a:extLst>
-          </p:cNvPr>
-          <p:cNvSpPr>
-            <a:spLocks noGrp="1" noRot="1" noChangeAspect="1" noMove="1" noResize="1" noEditPoints="1" noAdjustHandles="1" noChangeArrowheads="1" noChangeShapeType="1" noTextEdit="1"/>
-          </p:cNvSpPr>
-          <p:nvPr>
-            <p:extLst>
-              <p:ext uri="{386F3935-93C4-4BCD-93E2-E3B085C9AB24}">
-                <p16:designElem xmlns:p16="http://schemas.microsoft.com/office/powerpoint/2015/main" val="1"/>
-              </p:ext>
-            </p:extLst>
-          </p:nvPr>
-        </p:nvSpPr>
-        <p:spPr>
-          <a:xfrm>
-            <a:off x="3974206" y="4368623"/>
-            <a:ext cx="4243589" cy="18288"/>
-          </a:xfrm>
-          <a:custGeom>
-            <a:avLst/>
-            <a:gdLst>
-              <a:gd name="connsiteX0" fmla="*/ 0 w 4243589"/>
-              <a:gd name="connsiteY0" fmla="*/ 0 h 18288"/>
-              <a:gd name="connsiteX1" fmla="*/ 478919 w 4243589"/>
-              <a:gd name="connsiteY1" fmla="*/ 0 h 18288"/>
-              <a:gd name="connsiteX2" fmla="*/ 957839 w 4243589"/>
-              <a:gd name="connsiteY2" fmla="*/ 0 h 18288"/>
-              <a:gd name="connsiteX3" fmla="*/ 1521630 w 4243589"/>
-              <a:gd name="connsiteY3" fmla="*/ 0 h 18288"/>
-              <a:gd name="connsiteX4" fmla="*/ 2212729 w 4243589"/>
-              <a:gd name="connsiteY4" fmla="*/ 0 h 18288"/>
-              <a:gd name="connsiteX5" fmla="*/ 2734084 w 4243589"/>
-              <a:gd name="connsiteY5" fmla="*/ 0 h 18288"/>
-              <a:gd name="connsiteX6" fmla="*/ 3255439 w 4243589"/>
-              <a:gd name="connsiteY6" fmla="*/ 0 h 18288"/>
-              <a:gd name="connsiteX7" fmla="*/ 4243589 w 4243589"/>
-              <a:gd name="connsiteY7" fmla="*/ 0 h 18288"/>
-              <a:gd name="connsiteX8" fmla="*/ 4243589 w 4243589"/>
-              <a:gd name="connsiteY8" fmla="*/ 18288 h 18288"/>
-              <a:gd name="connsiteX9" fmla="*/ 3594926 w 4243589"/>
-              <a:gd name="connsiteY9" fmla="*/ 18288 h 18288"/>
-              <a:gd name="connsiteX10" fmla="*/ 3073571 w 4243589"/>
-              <a:gd name="connsiteY10" fmla="*/ 18288 h 18288"/>
-              <a:gd name="connsiteX11" fmla="*/ 2552216 w 4243589"/>
-              <a:gd name="connsiteY11" fmla="*/ 18288 h 18288"/>
-              <a:gd name="connsiteX12" fmla="*/ 1903553 w 4243589"/>
-              <a:gd name="connsiteY12" fmla="*/ 18288 h 18288"/>
-              <a:gd name="connsiteX13" fmla="*/ 1212454 w 4243589"/>
-              <a:gd name="connsiteY13" fmla="*/ 18288 h 18288"/>
-              <a:gd name="connsiteX14" fmla="*/ 733535 w 4243589"/>
-              <a:gd name="connsiteY14" fmla="*/ 18288 h 18288"/>
-              <a:gd name="connsiteX15" fmla="*/ 0 w 4243589"/>
-              <a:gd name="connsiteY15" fmla="*/ 18288 h 18288"/>
-              <a:gd name="connsiteX16" fmla="*/ 0 w 4243589"/>
-              <a:gd name="connsiteY16" fmla="*/ 0 h 18288"/>
-            </a:gdLst>
-            <a:ahLst/>
-            <a:cxnLst>
-              <a:cxn ang="0">
-                <a:pos x="connsiteX0" y="connsiteY0"/>
-              </a:cxn>
-              <a:cxn ang="0">
-                <a:pos x="connsiteX1" y="connsiteY1"/>
-              </a:cxn>
-              <a:cxn ang="0">
-                <a:pos x="connsiteX2" y="connsiteY2"/>
-              </a:cxn>
-              <a:cxn ang="0">
-                <a:pos x="connsiteX3" y="connsiteY3"/>
-              </a:cxn>
-              <a:cxn ang="0">
-                <a:pos x="connsiteX4" y="connsiteY4"/>
-              </a:cxn>
-              <a:cxn ang="0">
-                <a:pos x="connsiteX5" y="connsiteY5"/>
-              </a:cxn>
-              <a:cxn ang="0">
-                <a:pos x="connsiteX6" y="connsiteY6"/>
-              </a:cxn>
-              <a:cxn ang="0">
-                <a:pos x="connsiteX7" y="connsiteY7"/>
-              </a:cxn>
-              <a:cxn ang="0">
-                <a:pos x="connsiteX8" y="connsiteY8"/>
-              </a:cxn>
-              <a:cxn ang="0">
-                <a:pos x="connsiteX9" y="connsiteY9"/>
-              </a:cxn>
-              <a:cxn ang="0">
-                <a:pos x="connsiteX10" y="connsiteY10"/>
-              </a:cxn>
-              <a:cxn ang="0">
-                <a:pos x="connsiteX11" y="connsiteY11"/>
-              </a:cxn>
-              <a:cxn ang="0">
-                <a:pos x="connsiteX12" y="connsiteY12"/>
-              </a:cxn>
-              <a:cxn ang="0">
-                <a:pos x="connsiteX13" y="connsiteY13"/>
-              </a:cxn>
-              <a:cxn ang="0">
-                <a:pos x="connsiteX14" y="connsiteY14"/>
-              </a:cxn>
-              <a:cxn ang="0">
-                <a:pos x="connsiteX15" y="connsiteY15"/>
-              </a:cxn>
-              <a:cxn ang="0">
-                <a:pos x="connsiteX16" y="connsiteY16"/>
-              </a:cxn>
-            </a:cxnLst>
-            <a:rect l="l" t="t" r="r" b="b"/>
-            <a:pathLst>
-              <a:path w="4243589" h="18288" fill="none" extrusionOk="0">
-                <a:moveTo>
-                  <a:pt x="0" y="0"/>
-                </a:moveTo>
-                <a:cubicBezTo>
-                  <a:pt x="213395" y="-21006"/>
-                  <a:pt x="307421" y="-18116"/>
-                  <a:pt x="478919" y="0"/>
-                </a:cubicBezTo>
-                <a:cubicBezTo>
-                  <a:pt x="650417" y="18116"/>
-                  <a:pt x="831092" y="-21237"/>
-                  <a:pt x="957839" y="0"/>
-                </a:cubicBezTo>
-                <a:cubicBezTo>
-                  <a:pt x="1084586" y="21237"/>
-                  <a:pt x="1301682" y="25124"/>
-                  <a:pt x="1521630" y="0"/>
-                </a:cubicBezTo>
-                <a:cubicBezTo>
-                  <a:pt x="1741578" y="-25124"/>
-                  <a:pt x="1970269" y="-29139"/>
-                  <a:pt x="2212729" y="0"/>
-                </a:cubicBezTo>
-                <a:cubicBezTo>
-                  <a:pt x="2455189" y="29139"/>
-                  <a:pt x="2558847" y="-4796"/>
-                  <a:pt x="2734084" y="0"/>
-                </a:cubicBezTo>
-                <a:cubicBezTo>
-                  <a:pt x="2909321" y="4796"/>
-                  <a:pt x="3097217" y="-13409"/>
-                  <a:pt x="3255439" y="0"/>
-                </a:cubicBezTo>
-                <a:cubicBezTo>
-                  <a:pt x="3413662" y="13409"/>
-                  <a:pt x="3979999" y="-10121"/>
-                  <a:pt x="4243589" y="0"/>
-                </a:cubicBezTo>
-                <a:cubicBezTo>
-                  <a:pt x="4244484" y="8974"/>
-                  <a:pt x="4243043" y="9359"/>
-                  <a:pt x="4243589" y="18288"/>
-                </a:cubicBezTo>
-                <a:cubicBezTo>
-                  <a:pt x="4058777" y="31246"/>
-                  <a:pt x="3910348" y="3158"/>
-                  <a:pt x="3594926" y="18288"/>
-                </a:cubicBezTo>
-                <a:cubicBezTo>
-                  <a:pt x="3279504" y="33418"/>
-                  <a:pt x="3319955" y="-3977"/>
-                  <a:pt x="3073571" y="18288"/>
-                </a:cubicBezTo>
-                <a:cubicBezTo>
-                  <a:pt x="2827187" y="40553"/>
-                  <a:pt x="2767387" y="1863"/>
-                  <a:pt x="2552216" y="18288"/>
-                </a:cubicBezTo>
-                <a:cubicBezTo>
-                  <a:pt x="2337046" y="34713"/>
-                  <a:pt x="2181871" y="19527"/>
-                  <a:pt x="1903553" y="18288"/>
-                </a:cubicBezTo>
-                <a:cubicBezTo>
-                  <a:pt x="1625235" y="17049"/>
-                  <a:pt x="1557672" y="24174"/>
-                  <a:pt x="1212454" y="18288"/>
-                </a:cubicBezTo>
-                <a:cubicBezTo>
-                  <a:pt x="867236" y="12402"/>
-                  <a:pt x="874382" y="15627"/>
-                  <a:pt x="733535" y="18288"/>
-                </a:cubicBezTo>
-                <a:cubicBezTo>
-                  <a:pt x="592688" y="20949"/>
-                  <a:pt x="183477" y="14753"/>
-                  <a:pt x="0" y="18288"/>
-                </a:cubicBezTo>
-                <a:cubicBezTo>
-                  <a:pt x="-229" y="14222"/>
-                  <a:pt x="509" y="5816"/>
-                  <a:pt x="0" y="0"/>
-                </a:cubicBezTo>
-                <a:close/>
-              </a:path>
-              <a:path w="4243589" h="18288" stroke="0" extrusionOk="0">
-                <a:moveTo>
-                  <a:pt x="0" y="0"/>
-                </a:moveTo>
-                <a:cubicBezTo>
-                  <a:pt x="143690" y="16630"/>
-                  <a:pt x="266667" y="14847"/>
-                  <a:pt x="521355" y="0"/>
-                </a:cubicBezTo>
-                <a:cubicBezTo>
-                  <a:pt x="776043" y="-14847"/>
-                  <a:pt x="814491" y="-17363"/>
-                  <a:pt x="1000275" y="0"/>
-                </a:cubicBezTo>
-                <a:cubicBezTo>
-                  <a:pt x="1186059" y="17363"/>
-                  <a:pt x="1352504" y="-23507"/>
-                  <a:pt x="1521630" y="0"/>
-                </a:cubicBezTo>
-                <a:cubicBezTo>
-                  <a:pt x="1690756" y="23507"/>
-                  <a:pt x="1889525" y="5871"/>
-                  <a:pt x="2127857" y="0"/>
-                </a:cubicBezTo>
-                <a:cubicBezTo>
-                  <a:pt x="2366189" y="-5871"/>
-                  <a:pt x="2620628" y="-27997"/>
-                  <a:pt x="2776520" y="0"/>
-                </a:cubicBezTo>
-                <a:cubicBezTo>
-                  <a:pt x="2932412" y="27997"/>
-                  <a:pt x="3131683" y="-25073"/>
-                  <a:pt x="3467618" y="0"/>
-                </a:cubicBezTo>
-                <a:cubicBezTo>
-                  <a:pt x="3803553" y="25073"/>
-                  <a:pt x="4017371" y="3071"/>
-                  <a:pt x="4243589" y="0"/>
-                </a:cubicBezTo>
-                <a:cubicBezTo>
-                  <a:pt x="4243134" y="6162"/>
-                  <a:pt x="4243492" y="11775"/>
-                  <a:pt x="4243589" y="18288"/>
-                </a:cubicBezTo>
-                <a:cubicBezTo>
-                  <a:pt x="4017834" y="-5779"/>
-                  <a:pt x="3834586" y="13376"/>
-                  <a:pt x="3594926" y="18288"/>
-                </a:cubicBezTo>
-                <a:cubicBezTo>
-                  <a:pt x="3355266" y="23200"/>
-                  <a:pt x="3204179" y="2869"/>
-                  <a:pt x="2903827" y="18288"/>
-                </a:cubicBezTo>
-                <a:cubicBezTo>
-                  <a:pt x="2603475" y="33707"/>
-                  <a:pt x="2526187" y="46187"/>
-                  <a:pt x="2212729" y="18288"/>
-                </a:cubicBezTo>
-                <a:cubicBezTo>
-                  <a:pt x="1899271" y="-9611"/>
-                  <a:pt x="1966289" y="29692"/>
-                  <a:pt x="1733809" y="18288"/>
-                </a:cubicBezTo>
-                <a:cubicBezTo>
-                  <a:pt x="1501329" y="6884"/>
-                  <a:pt x="1343612" y="12492"/>
-                  <a:pt x="1085146" y="18288"/>
-                </a:cubicBezTo>
-                <a:cubicBezTo>
-                  <a:pt x="826680" y="24084"/>
-                  <a:pt x="778184" y="35607"/>
-                  <a:pt x="521355" y="18288"/>
-                </a:cubicBezTo>
-                <a:cubicBezTo>
-                  <a:pt x="264526" y="969"/>
-                  <a:pt x="120277" y="4268"/>
-                  <a:pt x="0" y="18288"/>
-                </a:cubicBezTo>
-                <a:cubicBezTo>
-                  <a:pt x="766" y="10800"/>
-                  <a:pt x="-457" y="8180"/>
-                  <a:pt x="0" y="0"/>
-                </a:cubicBezTo>
-                <a:close/>
-              </a:path>
-            </a:pathLst>
-          </a:custGeom>
-          <a:solidFill>
-            <a:srgbClr val="FFFFFF">
-              <a:alpha val="75000"/>
-            </a:srgbClr>
-          </a:solidFill>
-          <a:ln w="44450" cap="rnd">
-            <a:solidFill>
-              <a:srgbClr val="FFFFFF">
-                <a:alpha val="75000"/>
-              </a:srgbClr>
-            </a:solidFill>
-            <a:round/>
-            <a:extLst>
-              <a:ext uri="{C807C97D-BFC1-408E-A445-0C87EB9F89A2}">
-                <ask:lineSketchStyleProps xmlns:ask="http://schemas.microsoft.com/office/drawing/2018/sketchyshapes" sd="2727557108">
-                  <a:prstGeom prst="rect">
-                    <a:avLst/>
-                  </a:prstGeom>
-                  <ask:type>
-                    <ask:lineSketchFreehand/>
-                  </ask:type>
-                </ask:lineSketchStyleProps>
-              </a:ext>
-            </a:extLst>
-          </a:ln>
-        </p:spPr>
-        <p:style>
-          <a:lnRef idx="2">
-            <a:schemeClr val="accent1">
-              <a:shade val="50000"/>
-            </a:schemeClr>
-          </a:lnRef>
-          <a:fillRef idx="1">
-            <a:schemeClr val="accent1"/>
-          </a:fillRef>
-          <a:effectRef idx="0">
-            <a:schemeClr val="accent1"/>
-          </a:effectRef>
-          <a:fontRef idx="minor">
-            <a:schemeClr val="lt1"/>
-          </a:fontRef>
-        </p:style>
-        <p:txBody>
-          <a:bodyPr rtlCol="0" anchor="ctr"/>
-          <a:lstStyle/>
-          <a:p>
-            <a:pPr algn="ctr"/>
-            <a:endParaRPr lang="en-US"/>
-          </a:p>
-        </p:txBody>
-      </p:sp>
     </p:spTree>
     <p:extLst>
       <p:ext uri="{BB962C8B-B14F-4D97-AF65-F5344CB8AC3E}">
@@ -7447,40 +7424,50 @@
               <a:buAutoNum type="arabicPeriod"/>
             </a:pPr>
             <a:r>
-              <a:rPr lang="de-DE" sz="2400" b="1" dirty="0">
-                <a:solidFill>
-                  <a:srgbClr val="FFFFFF"/>
+              <a:rPr lang="de-DE" sz="2400" dirty="0">
+                <a:solidFill>
+                  <a:schemeClr val="tx1">
+                    <a:lumMod val="50000"/>
+                  </a:schemeClr>
                 </a:solidFill>
               </a:rPr>
               <a:t>Showcase – </a:t>
             </a:r>
             <a:r>
-              <a:rPr lang="de-DE" sz="2400" b="1" dirty="0" err="1">
-                <a:solidFill>
-                  <a:srgbClr val="FFFFFF"/>
+              <a:rPr lang="de-DE" sz="2400" dirty="0" err="1">
+                <a:solidFill>
+                  <a:schemeClr val="tx1">
+                    <a:lumMod val="50000"/>
+                  </a:schemeClr>
                 </a:solidFill>
               </a:rPr>
               <a:t>Predict</a:t>
             </a:r>
             <a:r>
-              <a:rPr lang="de-DE" sz="2400" b="1" dirty="0">
-                <a:solidFill>
-                  <a:srgbClr val="FFFFFF"/>
+              <a:rPr lang="de-DE" sz="2400" dirty="0">
+                <a:solidFill>
+                  <a:schemeClr val="tx1">
+                    <a:lumMod val="50000"/>
+                  </a:schemeClr>
                 </a:solidFill>
               </a:rPr>
               <a:t> in </a:t>
             </a:r>
             <a:r>
-              <a:rPr lang="de-DE" sz="2400" b="1" dirty="0" err="1">
-                <a:solidFill>
-                  <a:srgbClr val="FFFFFF"/>
+              <a:rPr lang="de-DE" sz="2400" dirty="0" err="1">
+                <a:solidFill>
+                  <a:schemeClr val="tx1">
+                    <a:lumMod val="50000"/>
+                  </a:schemeClr>
                 </a:solidFill>
               </a:rPr>
               <a:t>Production</a:t>
             </a:r>
-            <a:endParaRPr lang="de-DE" sz="2400" b="1" dirty="0">
+            <a:endParaRPr lang="de-DE" sz="2400" dirty="0">
               <a:solidFill>
-                <a:srgbClr val="FFFFFF"/>
+                <a:schemeClr val="tx1">
+                  <a:lumMod val="50000"/>
+                </a:schemeClr>
               </a:solidFill>
             </a:endParaRPr>
           </a:p>
@@ -10436,7 +10423,7 @@
         </p:spPr>
         <p:txBody>
           <a:bodyPr>
-            <a:normAutofit/>
+            <a:normAutofit lnSpcReduction="10000"/>
           </a:bodyPr>
           <a:lstStyle/>
           <a:p>
@@ -10457,7 +10444,7 @@
                 </a:solidFill>
                 <a:latin typeface="Arial" panose="020B0604020202020204" pitchFamily="34" charset="0"/>
               </a:rPr>
-              <a:t>From dozens to thousands </a:t>
+              <a:t>Dozens to thousands </a:t>
             </a:r>
             <a:r>
               <a:rPr lang="en-US" sz="1800" b="1" dirty="0">
@@ -10466,7 +10453,7 @@
                 </a:solidFill>
                 <a:latin typeface="Arial" panose="020B0604020202020204" pitchFamily="34" charset="0"/>
               </a:rPr>
-              <a:t>protesters face injuries</a:t>
+              <a:t>protesters face injuries </a:t>
             </a:r>
             <a:r>
               <a:rPr lang="en-US" sz="1800" dirty="0">
@@ -10475,7 +10462,7 @@
                 </a:solidFill>
                 <a:latin typeface="Arial" panose="020B0604020202020204" pitchFamily="34" charset="0"/>
               </a:rPr>
-              <a:t>, caused during contact  with law enforcement </a:t>
+              <a:t>each year, caused during contact with law enforcement </a:t>
             </a:r>
           </a:p>
           <a:p>
@@ -10490,13 +10477,22 @@
               <a:buChar char="Ø"/>
             </a:pPr>
             <a:r>
-              <a:rPr lang="en-US" sz="1800" b="1" dirty="0">
+              <a:rPr lang="en-US" sz="1800" dirty="0">
                 <a:solidFill>
                   <a:srgbClr val="323232"/>
                 </a:solidFill>
                 <a:latin typeface="Arial" panose="020B0604020202020204" pitchFamily="34" charset="0"/>
               </a:rPr>
-              <a:t>Many of those injuries are lethal, or untreatable</a:t>
+              <a:t>Many of those </a:t>
+            </a:r>
+            <a:r>
+              <a:rPr lang="en-US" sz="1800" b="1" dirty="0">
+                <a:solidFill>
+                  <a:srgbClr val="323232"/>
+                </a:solidFill>
+                <a:latin typeface="Arial" panose="020B0604020202020204" pitchFamily="34" charset="0"/>
+              </a:rPr>
+              <a:t>injuries are lethal, or untreatable</a:t>
             </a:r>
           </a:p>
           <a:p>
@@ -10562,13 +10558,43 @@
               <a:buChar char="Ø"/>
             </a:pPr>
             <a:r>
-              <a:rPr lang="en-US" sz="1800" b="1" dirty="0">
+              <a:rPr lang="en-US" sz="1800" dirty="0">
                 <a:solidFill>
                   <a:srgbClr val="323232"/>
                 </a:solidFill>
                 <a:latin typeface="Arial" panose="020B0604020202020204" pitchFamily="34" charset="0"/>
               </a:rPr>
-              <a:t>Unfortunately little time is spent on trying to assess if a protest might turn violent or not…</a:t>
+              <a:t>Unfortunately </a:t>
+            </a:r>
+            <a:r>
+              <a:rPr lang="en-US" sz="1800" b="1" dirty="0">
+                <a:solidFill>
+                  <a:srgbClr val="323232"/>
+                </a:solidFill>
+                <a:latin typeface="Arial" panose="020B0604020202020204" pitchFamily="34" charset="0"/>
+              </a:rPr>
+              <a:t>little emphasis is placed on trying to assess if a protest might turn violent or not</a:t>
+            </a:r>
+          </a:p>
+          <a:p>
+            <a:pPr rtl="0">
+              <a:spcBef>
+                <a:spcPts val="0"/>
+              </a:spcBef>
+              <a:spcAft>
+                <a:spcPts val="0"/>
+              </a:spcAft>
+              <a:buFont typeface="Wingdings" panose="05000000000000000000" pitchFamily="2" charset="2"/>
+              <a:buChar char="Ø"/>
+            </a:pPr>
+            <a:r>
+              <a:rPr lang="en-US" sz="1800" b="1" dirty="0">
+                <a:solidFill>
+                  <a:srgbClr val="323232"/>
+                </a:solidFill>
+                <a:latin typeface="Arial" panose="020B0604020202020204" pitchFamily="34" charset="0"/>
+              </a:rPr>
+              <a:t>Pro-Test aspires to change this!</a:t>
             </a:r>
             <a:br>
               <a:rPr lang="en-US" sz="1800" b="1" dirty="0">
@@ -10901,15 +10927,15 @@
             </a:r>
             <a:r>
               <a:rPr lang="de-DE" sz="3600" dirty="0" err="1"/>
-              <a:t>more</a:t>
+              <a:t>peaceful</a:t>
             </a:r>
             <a:r>
               <a:rPr lang="de-DE" sz="3600" dirty="0"/>
-              <a:t> </a:t>
+              <a:t> and </a:t>
             </a:r>
             <a:r>
               <a:rPr lang="de-DE" sz="3600" dirty="0" err="1"/>
-              <a:t>peaceful</a:t>
+              <a:t>effective</a:t>
             </a:r>
             <a:r>
               <a:rPr lang="de-DE" sz="3600" dirty="0"/>
@@ -11236,19 +11262,43 @@
           <a:p>
             <a:r>
               <a:rPr lang="en-US" sz="2200" dirty="0"/>
-              <a:t>What kind of repression tools might be used?</a:t>
-            </a:r>
-          </a:p>
-          <a:p>
+              <a:t>Identify in advance what kind of </a:t>
+            </a:r>
+            <a:r>
+              <a:rPr lang="en-US" sz="2200" b="1" dirty="0"/>
+              <a:t>repression tools </a:t>
+            </a:r>
             <a:r>
               <a:rPr lang="en-US" sz="2200" dirty="0"/>
-              <a:t>How can better tactics be employed to avoid escalation?</a:t>
+              <a:t>might be used?</a:t>
             </a:r>
           </a:p>
           <a:p>
             <a:r>
               <a:rPr lang="en-US" sz="2200" dirty="0"/>
-              <a:t>Where are the most suitable locations to avoid violence, so that demonstrators can achieve their goal effectively?</a:t>
+              <a:t>How can better tactics be employed to </a:t>
+            </a:r>
+            <a:r>
+              <a:rPr lang="en-US" sz="2200" b="1" dirty="0"/>
+              <a:t>avoid escalation</a:t>
+            </a:r>
+            <a:r>
+              <a:rPr lang="en-US" sz="2200" dirty="0"/>
+              <a:t>?</a:t>
+            </a:r>
+          </a:p>
+          <a:p>
+            <a:r>
+              <a:rPr lang="en-US" sz="2200" dirty="0"/>
+              <a:t>Where are the most suitable </a:t>
+            </a:r>
+            <a:r>
+              <a:rPr lang="en-US" sz="2200" b="1" dirty="0"/>
+              <a:t>locations</a:t>
+            </a:r>
+            <a:r>
+              <a:rPr lang="en-US" sz="2200" dirty="0"/>
+              <a:t> to avoid violence, so that demonstrators can achieve their goal effectively?</a:t>
             </a:r>
           </a:p>
         </p:txBody>
@@ -11268,7 +11318,7 @@
           <p:nvPr/>
         </p:nvPicPr>
         <p:blipFill rotWithShape="1">
-          <a:blip r:embed="rId2">
+          <a:blip r:embed="rId3">
             <a:extLst>
               <a:ext uri="{28A0092B-C50C-407E-A947-70E740481C1C}">
                 <a14:useLocalDpi xmlns:a14="http://schemas.microsoft.com/office/drawing/2010/main" val="0"/>
@@ -13312,11 +13362,27 @@
               <a:buChar char="ü"/>
             </a:pPr>
             <a:r>
-              <a:rPr lang="de-DE" sz="2200"/>
-              <a:t>Data sets of </a:t>
-            </a:r>
-            <a:r>
-              <a:rPr lang="de-DE" sz="2200" b="1"/>
+              <a:rPr lang="de-DE" sz="2200" dirty="0"/>
+              <a:t>Data </a:t>
+            </a:r>
+            <a:r>
+              <a:rPr lang="de-DE" sz="2200" dirty="0" err="1"/>
+              <a:t>sets</a:t>
+            </a:r>
+            <a:r>
+              <a:rPr lang="de-DE" sz="2200" dirty="0"/>
+              <a:t> </a:t>
+            </a:r>
+            <a:r>
+              <a:rPr lang="de-DE" sz="2200" dirty="0" err="1"/>
+              <a:t>of</a:t>
+            </a:r>
+            <a:r>
+              <a:rPr lang="de-DE" sz="2200" dirty="0"/>
+              <a:t> </a:t>
+            </a:r>
+            <a:r>
+              <a:rPr lang="de-DE" sz="2200" b="1" dirty="0"/>
               <a:t>3 different countries </a:t>
             </a:r>
           </a:p>
@@ -13326,17 +13392,54 @@
               <a:buChar char="ü"/>
             </a:pPr>
             <a:r>
-              <a:rPr lang="de-DE" sz="2200"/>
-              <a:t>A rough idea what </a:t>
-            </a:r>
-            <a:r>
-              <a:rPr lang="de-DE" sz="2200" b="1"/>
-              <a:t>model </a:t>
-            </a:r>
-            <a:r>
-              <a:rPr lang="de-DE" sz="2200"/>
-              <a:t>to use</a:t>
-            </a:r>
+              <a:rPr lang="de-DE" sz="2200" dirty="0"/>
+              <a:t>A </a:t>
+            </a:r>
+            <a:r>
+              <a:rPr lang="de-DE" sz="2200" dirty="0" err="1"/>
+              <a:t>rough</a:t>
+            </a:r>
+            <a:r>
+              <a:rPr lang="de-DE" sz="2200" dirty="0"/>
+              <a:t> </a:t>
+            </a:r>
+            <a:r>
+              <a:rPr lang="de-DE" sz="2200" dirty="0" err="1"/>
+              <a:t>idea</a:t>
+            </a:r>
+            <a:r>
+              <a:rPr lang="de-DE" sz="2200" dirty="0"/>
+              <a:t> </a:t>
+            </a:r>
+            <a:r>
+              <a:rPr lang="de-DE" sz="2200" dirty="0" err="1"/>
+              <a:t>what</a:t>
+            </a:r>
+            <a:r>
+              <a:rPr lang="de-DE" sz="2200" dirty="0"/>
+              <a:t> </a:t>
+            </a:r>
+            <a:r>
+              <a:rPr lang="de-DE" sz="2200" b="1" dirty="0" err="1"/>
+              <a:t>model</a:t>
+            </a:r>
+            <a:r>
+              <a:rPr lang="de-DE" sz="2200" b="1" dirty="0"/>
+              <a:t> </a:t>
+            </a:r>
+            <a:r>
+              <a:rPr lang="de-DE" sz="2200" dirty="0" err="1"/>
+              <a:t>to</a:t>
+            </a:r>
+            <a:r>
+              <a:rPr lang="de-DE" sz="2200" dirty="0"/>
+              <a:t> </a:t>
+            </a:r>
+            <a:r>
+              <a:rPr lang="de-DE" sz="2200" dirty="0" err="1"/>
+              <a:t>use</a:t>
+            </a:r>
+            <a:endParaRPr lang="de-DE" sz="2200" dirty="0"/>
           </a:p>
           <a:p>
             <a:pPr>
@@ -13344,17 +13447,54 @@
               <a:buChar char="ü"/>
             </a:pPr>
             <a:r>
-              <a:rPr lang="de-DE" sz="2200"/>
-              <a:t>The idea of what </a:t>
-            </a:r>
-            <a:r>
-              <a:rPr lang="de-DE" sz="2200" b="1"/>
-              <a:t>target variable </a:t>
-            </a:r>
-            <a:r>
-              <a:rPr lang="de-DE" sz="2200"/>
-              <a:t>to choose</a:t>
-            </a:r>
+              <a:rPr lang="de-DE" sz="2200" dirty="0"/>
+              <a:t>The </a:t>
+            </a:r>
+            <a:r>
+              <a:rPr lang="de-DE" sz="2200" dirty="0" err="1"/>
+              <a:t>idea</a:t>
+            </a:r>
+            <a:r>
+              <a:rPr lang="de-DE" sz="2200" dirty="0"/>
+              <a:t> </a:t>
+            </a:r>
+            <a:r>
+              <a:rPr lang="de-DE" sz="2200" dirty="0" err="1"/>
+              <a:t>of</a:t>
+            </a:r>
+            <a:r>
+              <a:rPr lang="de-DE" sz="2200" dirty="0"/>
+              <a:t> </a:t>
+            </a:r>
+            <a:r>
+              <a:rPr lang="de-DE" sz="2200" dirty="0" err="1"/>
+              <a:t>what</a:t>
+            </a:r>
+            <a:r>
+              <a:rPr lang="de-DE" sz="2200" dirty="0"/>
+              <a:t> </a:t>
+            </a:r>
+            <a:r>
+              <a:rPr lang="de-DE" sz="2200" b="1" dirty="0" err="1"/>
+              <a:t>target</a:t>
+            </a:r>
+            <a:r>
+              <a:rPr lang="de-DE" sz="2200" b="1" dirty="0"/>
+              <a:t> variable </a:t>
+            </a:r>
+            <a:r>
+              <a:rPr lang="de-DE" sz="2200" dirty="0" err="1"/>
+              <a:t>to</a:t>
+            </a:r>
+            <a:r>
+              <a:rPr lang="de-DE" sz="2200" dirty="0"/>
+              <a:t> </a:t>
+            </a:r>
+            <a:r>
+              <a:rPr lang="de-DE" sz="2200" dirty="0" err="1"/>
+              <a:t>choose</a:t>
+            </a:r>
+            <a:endParaRPr lang="de-DE" sz="2200" dirty="0"/>
           </a:p>
           <a:p>
             <a:pPr>
@@ -13362,34 +13502,119 @@
               <a:buChar char="ü"/>
             </a:pPr>
             <a:r>
-              <a:rPr lang="de-DE" sz="2200" b="1"/>
-              <a:t>More than 100 features per set</a:t>
-            </a:r>
-            <a:r>
-              <a:rPr lang="de-DE" sz="2200"/>
+              <a:rPr lang="de-DE" sz="2200" b="1" dirty="0"/>
+              <a:t>More </a:t>
+            </a:r>
+            <a:r>
+              <a:rPr lang="de-DE" sz="2200" b="1" dirty="0" err="1"/>
+              <a:t>than</a:t>
+            </a:r>
+            <a:r>
+              <a:rPr lang="de-DE" sz="2200" b="1" dirty="0"/>
+              <a:t> 100 </a:t>
+            </a:r>
+            <a:r>
+              <a:rPr lang="de-DE" sz="2200" b="1" dirty="0" err="1"/>
+              <a:t>features</a:t>
+            </a:r>
+            <a:r>
+              <a:rPr lang="de-DE" sz="2200" b="1" dirty="0"/>
+              <a:t> per </a:t>
+            </a:r>
+            <a:r>
+              <a:rPr lang="de-DE" sz="2200" b="1" dirty="0" err="1"/>
+              <a:t>set</a:t>
+            </a:r>
+            <a:r>
+              <a:rPr lang="de-DE" sz="2200" dirty="0"/>
               <a:t>, </a:t>
             </a:r>
             <a:br>
-              <a:rPr lang="de-DE" sz="2200"/>
+              <a:rPr lang="de-DE" sz="2200" dirty="0"/>
             </a:br>
             <a:r>
-              <a:rPr lang="de-DE" sz="2200"/>
-              <a:t>many of them correlated to</a:t>
+              <a:rPr lang="de-DE" sz="2200" dirty="0" err="1"/>
+              <a:t>many</a:t>
+            </a:r>
+            <a:r>
+              <a:rPr lang="de-DE" sz="2200" dirty="0"/>
+              <a:t> </a:t>
+            </a:r>
+            <a:r>
+              <a:rPr lang="de-DE" sz="2200" dirty="0" err="1"/>
+              <a:t>of</a:t>
+            </a:r>
+            <a:r>
+              <a:rPr lang="de-DE" sz="2200" dirty="0"/>
+              <a:t> </a:t>
+            </a:r>
+            <a:r>
+              <a:rPr lang="de-DE" sz="2200" dirty="0" err="1"/>
+              <a:t>them</a:t>
+            </a:r>
+            <a:r>
+              <a:rPr lang="de-DE" sz="2200" dirty="0"/>
+              <a:t> </a:t>
+            </a:r>
+            <a:r>
+              <a:rPr lang="de-DE" sz="2200" dirty="0" err="1"/>
+              <a:t>correlated</a:t>
+            </a:r>
+            <a:r>
+              <a:rPr lang="de-DE" sz="2200" dirty="0"/>
+              <a:t> </a:t>
+            </a:r>
+            <a:r>
+              <a:rPr lang="de-DE" sz="2200" dirty="0" err="1"/>
+              <a:t>to</a:t>
             </a:r>
             <a:br>
-              <a:rPr lang="de-DE" sz="2200"/>
+              <a:rPr lang="de-DE" sz="2200" dirty="0"/>
             </a:br>
             <a:r>
-              <a:rPr lang="de-DE" sz="2200"/>
-              <a:t>themselves, some of them unique</a:t>
-            </a:r>
+              <a:rPr lang="de-DE" sz="2200" dirty="0" err="1"/>
+              <a:t>themselves</a:t>
+            </a:r>
+            <a:r>
+              <a:rPr lang="de-DE" sz="2200" dirty="0"/>
+              <a:t>, </a:t>
+            </a:r>
+            <a:r>
+              <a:rPr lang="de-DE" sz="2200" dirty="0" err="1"/>
+              <a:t>some</a:t>
+            </a:r>
+            <a:r>
+              <a:rPr lang="de-DE" sz="2200" dirty="0"/>
+              <a:t> </a:t>
+            </a:r>
+            <a:r>
+              <a:rPr lang="de-DE" sz="2200" dirty="0" err="1"/>
+              <a:t>of</a:t>
+            </a:r>
+            <a:r>
+              <a:rPr lang="de-DE" sz="2200" dirty="0"/>
+              <a:t> </a:t>
+            </a:r>
+            <a:r>
+              <a:rPr lang="de-DE" sz="2200" dirty="0" err="1"/>
+              <a:t>them</a:t>
+            </a:r>
+            <a:r>
+              <a:rPr lang="de-DE" sz="2200" dirty="0"/>
+              <a:t> </a:t>
+            </a:r>
+            <a:r>
+              <a:rPr lang="de-DE" sz="2200" dirty="0" err="1"/>
+              <a:t>unique</a:t>
+            </a:r>
+            <a:endParaRPr lang="de-DE" sz="2200" dirty="0"/>
           </a:p>
           <a:p>
             <a:pPr lvl="3"/>
-            <a:endParaRPr lang="de-DE" sz="2200"/>
-          </a:p>
-          <a:p>
-            <a:endParaRPr lang="de-DE" sz="2200"/>
+            <a:endParaRPr lang="de-DE" sz="2200" dirty="0"/>
+          </a:p>
+          <a:p>
+            <a:endParaRPr lang="de-DE" sz="2200" dirty="0"/>
           </a:p>
         </p:txBody>
       </p:sp>

--- a/Draft Pro-Test Demo Day Presentation.pptx
+++ b/Draft Pro-Test Demo Day Presentation.pptx
@@ -10423,14 +10423,86 @@
         </p:spPr>
         <p:txBody>
           <a:bodyPr>
-            <a:normAutofit lnSpcReduction="10000"/>
+            <a:normAutofit fontScale="77500" lnSpcReduction="20000"/>
           </a:bodyPr>
           <a:lstStyle/>
           <a:p>
-            <a:pPr rtl="0">
-              <a:spcBef>
+            <a:pPr>
+              <a:lnSpc>
+                <a:spcPct val="100000"/>
+              </a:lnSpc>
+              <a:spcAft>
                 <a:spcPts val="0"/>
-              </a:spcBef>
+              </a:spcAft>
+            </a:pPr>
+            <a:r>
+              <a:rPr lang="en-US" sz="2200" dirty="0"/>
+              <a:t>Dozens to thousands</a:t>
+            </a:r>
+            <a:r>
+              <a:rPr lang="en-US" sz="2200" b="1" dirty="0"/>
+              <a:t> protesters face injuries </a:t>
+            </a:r>
+            <a:r>
+              <a:rPr lang="en-US" sz="2200" dirty="0"/>
+              <a:t>each year, caused during contact with law enforcement </a:t>
+            </a:r>
+          </a:p>
+          <a:p>
+            <a:pPr>
+              <a:lnSpc>
+                <a:spcPct val="100000"/>
+              </a:lnSpc>
+              <a:spcAft>
+                <a:spcPts val="0"/>
+              </a:spcAft>
+            </a:pPr>
+            <a:r>
+              <a:rPr lang="en-US" sz="2200" dirty="0"/>
+              <a:t>Many of those</a:t>
+            </a:r>
+            <a:r>
+              <a:rPr lang="en-US" sz="2200" b="1" dirty="0"/>
+              <a:t> injuries are lethal, or untreatable</a:t>
+            </a:r>
+          </a:p>
+          <a:p>
+            <a:pPr>
+              <a:lnSpc>
+                <a:spcPct val="100000"/>
+              </a:lnSpc>
+              <a:spcAft>
+                <a:spcPts val="0"/>
+              </a:spcAft>
+            </a:pPr>
+            <a:r>
+              <a:rPr lang="en-US" sz="2200" b="1" dirty="0"/>
+              <a:t>State actors undermine their legitimacy </a:t>
+            </a:r>
+            <a:r>
+              <a:rPr lang="en-US" sz="2200" dirty="0"/>
+              <a:t>and lose the trust of their citizens</a:t>
+            </a:r>
+          </a:p>
+          <a:p>
+            <a:pPr>
+              <a:lnSpc>
+                <a:spcPct val="100000"/>
+              </a:lnSpc>
+              <a:spcAft>
+                <a:spcPts val="0"/>
+              </a:spcAft>
+            </a:pPr>
+            <a:r>
+              <a:rPr lang="en-US" sz="2200" dirty="0"/>
+              <a:t>Peaceful protests are in everybody´s interest</a:t>
+            </a:r>
+          </a:p>
+          <a:p>
+            <a:pPr>
+              <a:lnSpc>
+                <a:spcPct val="100000"/>
+              </a:lnSpc>
               <a:spcAft>
                 <a:spcPts val="0"/>
               </a:spcAft>
@@ -10438,38 +10510,19 @@
               <a:buChar char="Ø"/>
             </a:pPr>
             <a:r>
-              <a:rPr lang="en-US" sz="1800" dirty="0">
-                <a:solidFill>
-                  <a:srgbClr val="323232"/>
-                </a:solidFill>
-                <a:latin typeface="Arial" panose="020B0604020202020204" pitchFamily="34" charset="0"/>
-              </a:rPr>
-              <a:t>Dozens to thousands </a:t>
-            </a:r>
-            <a:r>
-              <a:rPr lang="en-US" sz="1800" b="1" dirty="0">
-                <a:solidFill>
-                  <a:srgbClr val="323232"/>
-                </a:solidFill>
-                <a:latin typeface="Arial" panose="020B0604020202020204" pitchFamily="34" charset="0"/>
-              </a:rPr>
-              <a:t>protesters face injuries </a:t>
-            </a:r>
-            <a:r>
-              <a:rPr lang="en-US" sz="1800" dirty="0">
-                <a:solidFill>
-                  <a:srgbClr val="323232"/>
-                </a:solidFill>
-                <a:latin typeface="Arial" panose="020B0604020202020204" pitchFamily="34" charset="0"/>
-              </a:rPr>
-              <a:t>each year, caused during contact with law enforcement </a:t>
-            </a:r>
-          </a:p>
-          <a:p>
-            <a:pPr rtl="0">
-              <a:spcBef>
-                <a:spcPts val="0"/>
-              </a:spcBef>
+              <a:rPr lang="en-US" sz="2200" dirty="0"/>
+              <a:t>So far little emphasis is placed on trying to </a:t>
+            </a:r>
+            <a:r>
+              <a:rPr lang="en-US" sz="2200" b="1" dirty="0"/>
+              <a:t>assess if a protest might turn violent or not</a:t>
+            </a:r>
+          </a:p>
+          <a:p>
+            <a:pPr>
+              <a:lnSpc>
+                <a:spcPct val="100000"/>
+              </a:lnSpc>
               <a:spcAft>
                 <a:spcPts val="0"/>
               </a:spcAft>
@@ -10477,123 +10530,7 @@
               <a:buChar char="Ø"/>
             </a:pPr>
             <a:r>
-              <a:rPr lang="en-US" sz="1800" dirty="0">
-                <a:solidFill>
-                  <a:srgbClr val="323232"/>
-                </a:solidFill>
-                <a:latin typeface="Arial" panose="020B0604020202020204" pitchFamily="34" charset="0"/>
-              </a:rPr>
-              <a:t>Many of those </a:t>
-            </a:r>
-            <a:r>
-              <a:rPr lang="en-US" sz="1800" b="1" dirty="0">
-                <a:solidFill>
-                  <a:srgbClr val="323232"/>
-                </a:solidFill>
-                <a:latin typeface="Arial" panose="020B0604020202020204" pitchFamily="34" charset="0"/>
-              </a:rPr>
-              <a:t>injuries are lethal, or untreatable</a:t>
-            </a:r>
-          </a:p>
-          <a:p>
-            <a:pPr rtl="0">
-              <a:spcBef>
-                <a:spcPts val="0"/>
-              </a:spcBef>
-              <a:spcAft>
-                <a:spcPts val="0"/>
-              </a:spcAft>
-              <a:buFont typeface="Wingdings" panose="05000000000000000000" pitchFamily="2" charset="2"/>
-              <a:buChar char="Ø"/>
-            </a:pPr>
-            <a:r>
-              <a:rPr lang="en-US" sz="1800" b="1" dirty="0">
-                <a:solidFill>
-                  <a:srgbClr val="323232"/>
-                </a:solidFill>
-                <a:latin typeface="Arial" panose="020B0604020202020204" pitchFamily="34" charset="0"/>
-              </a:rPr>
-              <a:t>State actors undermine their legitimacy </a:t>
-            </a:r>
-            <a:r>
-              <a:rPr lang="en-US" sz="1800" dirty="0">
-                <a:solidFill>
-                  <a:srgbClr val="323232"/>
-                </a:solidFill>
-                <a:latin typeface="Arial" panose="020B0604020202020204" pitchFamily="34" charset="0"/>
-              </a:rPr>
-              <a:t>and lose the trust of their citizens</a:t>
-            </a:r>
-          </a:p>
-          <a:p>
-            <a:pPr rtl="0">
-              <a:spcBef>
-                <a:spcPts val="0"/>
-              </a:spcBef>
-              <a:spcAft>
-                <a:spcPts val="0"/>
-              </a:spcAft>
-              <a:buFont typeface="Wingdings" panose="05000000000000000000" pitchFamily="2" charset="2"/>
-              <a:buChar char="Ø"/>
-            </a:pPr>
-            <a:r>
-              <a:rPr lang="en-US" sz="1800" b="1" dirty="0">
-                <a:solidFill>
-                  <a:srgbClr val="323232"/>
-                </a:solidFill>
-                <a:latin typeface="Arial" panose="020B0604020202020204" pitchFamily="34" charset="0"/>
-              </a:rPr>
-              <a:t>Peaceful protests are in everybody´s interest</a:t>
-            </a:r>
-          </a:p>
-          <a:p>
-            <a:pPr rtl="0">
-              <a:spcBef>
-                <a:spcPts val="0"/>
-              </a:spcBef>
-              <a:spcAft>
-                <a:spcPts val="0"/>
-              </a:spcAft>
-              <a:buFont typeface="Wingdings" panose="05000000000000000000" pitchFamily="2" charset="2"/>
-              <a:buChar char="Ø"/>
-            </a:pPr>
-            <a:r>
-              <a:rPr lang="en-US" sz="1800" dirty="0">
-                <a:solidFill>
-                  <a:srgbClr val="323232"/>
-                </a:solidFill>
-                <a:latin typeface="Arial" panose="020B0604020202020204" pitchFamily="34" charset="0"/>
-              </a:rPr>
-              <a:t>Unfortunately </a:t>
-            </a:r>
-            <a:r>
-              <a:rPr lang="en-US" sz="1800" b="1" dirty="0">
-                <a:solidFill>
-                  <a:srgbClr val="323232"/>
-                </a:solidFill>
-                <a:latin typeface="Arial" panose="020B0604020202020204" pitchFamily="34" charset="0"/>
-              </a:rPr>
-              <a:t>little emphasis is placed on trying to assess if a protest might turn violent or not</a:t>
-            </a:r>
-          </a:p>
-          <a:p>
-            <a:pPr rtl="0">
-              <a:spcBef>
-                <a:spcPts val="0"/>
-              </a:spcBef>
-              <a:spcAft>
-                <a:spcPts val="0"/>
-              </a:spcAft>
-              <a:buFont typeface="Wingdings" panose="05000000000000000000" pitchFamily="2" charset="2"/>
-              <a:buChar char="Ø"/>
-            </a:pPr>
-            <a:r>
-              <a:rPr lang="en-US" sz="1800" b="1" dirty="0">
-                <a:solidFill>
-                  <a:srgbClr val="323232"/>
-                </a:solidFill>
-                <a:latin typeface="Arial" panose="020B0604020202020204" pitchFamily="34" charset="0"/>
-              </a:rPr>
+              <a:rPr lang="en-US" sz="2200" b="1" dirty="0"/>
               <a:t>Pro-Test aspires to change this!</a:t>
             </a:r>
             <a:br>
@@ -11276,7 +11213,7 @@
           <a:p>
             <a:r>
               <a:rPr lang="en-US" sz="2200" dirty="0"/>
-              <a:t>How can better tactics be employed to </a:t>
+              <a:t>How can better tactics and messages be employed to </a:t>
             </a:r>
             <a:r>
               <a:rPr lang="en-US" sz="2200" b="1" dirty="0"/>
@@ -15231,7 +15168,7 @@
         </p:spPr>
         <p:txBody>
           <a:bodyPr anchor="t">
-            <a:normAutofit fontScale="92500" lnSpcReduction="10000"/>
+            <a:normAutofit lnSpcReduction="10000"/>
           </a:bodyPr>
           <a:lstStyle/>
           <a:p>
@@ -15402,31 +15339,15 @@
             <a:pPr lvl="1"/>
             <a:r>
               <a:rPr lang="de-DE" sz="1900" dirty="0"/>
+              <a:t>DTC Model</a:t>
+            </a:r>
+          </a:p>
+          <a:p>
+            <a:pPr lvl="1"/>
+            <a:r>
+              <a:rPr lang="de-DE" sz="1900" dirty="0"/>
               <a:t>Random Forest</a:t>
             </a:r>
-          </a:p>
-          <a:p>
-            <a:pPr lvl="1"/>
-            <a:r>
-              <a:rPr lang="de-DE" sz="1900" dirty="0"/>
-              <a:t>DTC Model</a:t>
-            </a:r>
-          </a:p>
-          <a:p>
-            <a:pPr lvl="1"/>
-            <a:r>
-              <a:rPr lang="de-DE" sz="1900" dirty="0" err="1"/>
-              <a:t>Choosing</a:t>
-            </a:r>
-            <a:r>
-              <a:rPr lang="de-DE" sz="1900" dirty="0"/>
-              <a:t> final </a:t>
-            </a:r>
-            <a:r>
-              <a:rPr lang="de-DE" sz="1900" dirty="0" err="1"/>
-              <a:t>features</a:t>
-            </a:r>
-            <a:endParaRPr lang="de-DE" sz="1900" dirty="0"/>
           </a:p>
           <a:p>
             <a:r>
@@ -15443,8 +15364,13 @@
             </a:r>
             <a:r>
               <a:rPr lang="de-DE" sz="1900" b="1" dirty="0"/>
-              <a:t> </a:t>
-            </a:r>
+              <a:t>  &amp; </a:t>
+            </a:r>
+            <a:r>
+              <a:rPr lang="de-DE" sz="1900" b="1" dirty="0" err="1"/>
+              <a:t>Deployment</a:t>
+            </a:r>
+            <a:endParaRPr lang="de-DE" sz="1900" b="1" dirty="0"/>
           </a:p>
           <a:p>
             <a:pPr lvl="1"/>
@@ -15520,40 +15446,75 @@
               </a:rPr>
               <a:t>here</a:t>
             </a:r>
-            <a:endParaRPr lang="de-DE" sz="1900" dirty="0">
-              <a:highlight>
-                <a:srgbClr val="FFFF00"/>
-              </a:highlight>
-            </a:endParaRPr>
-          </a:p>
-          <a:p>
-            <a:r>
-              <a:rPr lang="de-DE" sz="2300" b="1" dirty="0"/>
+            <a:r>
+              <a:rPr lang="de-DE" sz="1900" dirty="0">
+                <a:highlight>
+                  <a:srgbClr val="FFFF00"/>
+                </a:highlight>
+              </a:rPr>
+              <a:t> (</a:t>
+            </a:r>
+            <a:r>
+              <a:rPr lang="de-DE" sz="1900" dirty="0" err="1">
+                <a:highlight>
+                  <a:srgbClr val="FFFF00"/>
+                </a:highlight>
+              </a:rPr>
+              <a:t>Heroku</a:t>
+            </a:r>
+            <a:r>
+              <a:rPr lang="de-DE" sz="1900" dirty="0">
+                <a:highlight>
+                  <a:srgbClr val="FFFF00"/>
+                </a:highlight>
+              </a:rPr>
+              <a:t>, </a:t>
+            </a:r>
+            <a:r>
+              <a:rPr lang="de-DE" sz="1900" dirty="0" err="1">
+                <a:highlight>
+                  <a:srgbClr val="FFFF00"/>
+                </a:highlight>
+              </a:rPr>
+              <a:t>Streamlit</a:t>
+            </a:r>
+            <a:r>
+              <a:rPr lang="de-DE" sz="1900" dirty="0">
+                <a:highlight>
+                  <a:srgbClr val="FFFF00"/>
+                </a:highlight>
+              </a:rPr>
+              <a:t>…)</a:t>
+            </a:r>
+          </a:p>
+          <a:p>
+            <a:r>
+              <a:rPr lang="de-DE" sz="1900" b="1" dirty="0"/>
               <a:t>Do </a:t>
             </a:r>
             <a:r>
-              <a:rPr lang="de-DE" sz="2300" b="1" dirty="0" err="1"/>
+              <a:rPr lang="de-DE" sz="1900" b="1" dirty="0" err="1"/>
               <a:t>it</a:t>
             </a:r>
             <a:r>
-              <a:rPr lang="de-DE" sz="2300" b="1" dirty="0"/>
+              <a:rPr lang="de-DE" sz="1900" b="1" dirty="0"/>
               <a:t> </a:t>
             </a:r>
             <a:r>
-              <a:rPr lang="de-DE" sz="2300" b="1" dirty="0" err="1"/>
+              <a:rPr lang="de-DE" sz="1900" b="1" dirty="0" err="1"/>
               <a:t>again</a:t>
             </a:r>
             <a:r>
-              <a:rPr lang="de-DE" sz="2300" b="1" dirty="0"/>
+              <a:rPr lang="de-DE" sz="1900" b="1" dirty="0"/>
               <a:t> </a:t>
             </a:r>
             <a:r>
-              <a:rPr lang="de-DE" sz="2300" dirty="0">
+              <a:rPr lang="de-DE" sz="1900" dirty="0">
                 <a:sym typeface="Wingdings" panose="05000000000000000000" pitchFamily="2" charset="2"/>
               </a:rPr>
               <a:t></a:t>
             </a:r>
-            <a:endParaRPr lang="de-DE" sz="2300" dirty="0"/>
+            <a:endParaRPr lang="de-DE" sz="1900" dirty="0"/>
           </a:p>
           <a:p>
             <a:pPr lvl="3"/>
